--- a/03. Async JS/lecture.pptx
+++ b/03. Async JS/lecture.pptx
@@ -7,11 +7,20 @@
   <p:sldIdLst>
     <p:sldId id="256" r:id="rId2"/>
     <p:sldId id="257" r:id="rId3"/>
-    <p:sldId id="258" r:id="rId4"/>
-    <p:sldId id="259" r:id="rId5"/>
-    <p:sldId id="260" r:id="rId6"/>
+    <p:sldId id="263" r:id="rId4"/>
+    <p:sldId id="258" r:id="rId5"/>
+    <p:sldId id="259" r:id="rId6"/>
     <p:sldId id="261" r:id="rId7"/>
     <p:sldId id="262" r:id="rId8"/>
+    <p:sldId id="264" r:id="rId9"/>
+    <p:sldId id="265" r:id="rId10"/>
+    <p:sldId id="266" r:id="rId11"/>
+    <p:sldId id="268" r:id="rId12"/>
+    <p:sldId id="260" r:id="rId13"/>
+    <p:sldId id="267" r:id="rId14"/>
+    <p:sldId id="269" r:id="rId15"/>
+    <p:sldId id="270" r:id="rId16"/>
+    <p:sldId id="271" r:id="rId17"/>
   </p:sldIdLst>
   <p:sldSz cx="12192000" cy="6858000"/>
   <p:notesSz cx="6858000" cy="9144000"/>
@@ -265,7 +274,7 @@
           <a:p>
             <a:fld id="{D883871B-DB0C-4DA8-8F99-FC2241E6FFF9}" type="datetimeFigureOut">
               <a:rPr lang="en-US" smtClean="0"/>
-              <a:t>3/1/2021</a:t>
+              <a:t>3/4/2021</a:t>
             </a:fld>
             <a:endParaRPr lang="en-US"/>
           </a:p>
@@ -463,7 +472,7 @@
           <a:p>
             <a:fld id="{D883871B-DB0C-4DA8-8F99-FC2241E6FFF9}" type="datetimeFigureOut">
               <a:rPr lang="en-US" smtClean="0"/>
-              <a:t>3/1/2021</a:t>
+              <a:t>3/4/2021</a:t>
             </a:fld>
             <a:endParaRPr lang="en-US"/>
           </a:p>
@@ -671,7 +680,7 @@
           <a:p>
             <a:fld id="{D883871B-DB0C-4DA8-8F99-FC2241E6FFF9}" type="datetimeFigureOut">
               <a:rPr lang="en-US" smtClean="0"/>
-              <a:t>3/1/2021</a:t>
+              <a:t>3/4/2021</a:t>
             </a:fld>
             <a:endParaRPr lang="en-US"/>
           </a:p>
@@ -869,7 +878,7 @@
           <a:p>
             <a:fld id="{D883871B-DB0C-4DA8-8F99-FC2241E6FFF9}" type="datetimeFigureOut">
               <a:rPr lang="en-US" smtClean="0"/>
-              <a:t>3/1/2021</a:t>
+              <a:t>3/4/2021</a:t>
             </a:fld>
             <a:endParaRPr lang="en-US"/>
           </a:p>
@@ -1144,7 +1153,7 @@
           <a:p>
             <a:fld id="{D883871B-DB0C-4DA8-8F99-FC2241E6FFF9}" type="datetimeFigureOut">
               <a:rPr lang="en-US" smtClean="0"/>
-              <a:t>3/1/2021</a:t>
+              <a:t>3/4/2021</a:t>
             </a:fld>
             <a:endParaRPr lang="en-US"/>
           </a:p>
@@ -1409,7 +1418,7 @@
           <a:p>
             <a:fld id="{D883871B-DB0C-4DA8-8F99-FC2241E6FFF9}" type="datetimeFigureOut">
               <a:rPr lang="en-US" smtClean="0"/>
-              <a:t>3/1/2021</a:t>
+              <a:t>3/4/2021</a:t>
             </a:fld>
             <a:endParaRPr lang="en-US"/>
           </a:p>
@@ -1821,7 +1830,7 @@
           <a:p>
             <a:fld id="{D883871B-DB0C-4DA8-8F99-FC2241E6FFF9}" type="datetimeFigureOut">
               <a:rPr lang="en-US" smtClean="0"/>
-              <a:t>3/1/2021</a:t>
+              <a:t>3/4/2021</a:t>
             </a:fld>
             <a:endParaRPr lang="en-US"/>
           </a:p>
@@ -1962,7 +1971,7 @@
           <a:p>
             <a:fld id="{D883871B-DB0C-4DA8-8F99-FC2241E6FFF9}" type="datetimeFigureOut">
               <a:rPr lang="en-US" smtClean="0"/>
-              <a:t>3/1/2021</a:t>
+              <a:t>3/4/2021</a:t>
             </a:fld>
             <a:endParaRPr lang="en-US"/>
           </a:p>
@@ -2075,7 +2084,7 @@
           <a:p>
             <a:fld id="{D883871B-DB0C-4DA8-8F99-FC2241E6FFF9}" type="datetimeFigureOut">
               <a:rPr lang="en-US" smtClean="0"/>
-              <a:t>3/1/2021</a:t>
+              <a:t>3/4/2021</a:t>
             </a:fld>
             <a:endParaRPr lang="en-US"/>
           </a:p>
@@ -2386,7 +2395,7 @@
           <a:p>
             <a:fld id="{D883871B-DB0C-4DA8-8F99-FC2241E6FFF9}" type="datetimeFigureOut">
               <a:rPr lang="en-US" smtClean="0"/>
-              <a:t>3/1/2021</a:t>
+              <a:t>3/4/2021</a:t>
             </a:fld>
             <a:endParaRPr lang="en-US"/>
           </a:p>
@@ -2674,7 +2683,7 @@
           <a:p>
             <a:fld id="{D883871B-DB0C-4DA8-8F99-FC2241E6FFF9}" type="datetimeFigureOut">
               <a:rPr lang="en-US" smtClean="0"/>
-              <a:t>3/1/2021</a:t>
+              <a:t>3/4/2021</a:t>
             </a:fld>
             <a:endParaRPr lang="en-US"/>
           </a:p>
@@ -2915,7 +2924,7 @@
           <a:p>
             <a:fld id="{D883871B-DB0C-4DA8-8F99-FC2241E6FFF9}" type="datetimeFigureOut">
               <a:rPr lang="en-US" smtClean="0"/>
-              <a:t>3/1/2021</a:t>
+              <a:t>3/4/2021</a:t>
             </a:fld>
             <a:endParaRPr lang="en-US"/>
           </a:p>
@@ -3848,6 +3857,1873 @@
 </p:sld>
 </file>
 
+<file path=ppt/slides/slide10.xml><?xml version="1.0" encoding="utf-8"?>
+<p:sld xmlns:a="http://schemas.openxmlformats.org/drawingml/2006/main" xmlns:r="http://schemas.openxmlformats.org/officeDocument/2006/relationships" xmlns:p="http://schemas.openxmlformats.org/presentationml/2006/main">
+  <p:cSld>
+    <p:spTree>
+      <p:nvGrpSpPr>
+        <p:cNvPr id="1" name=""/>
+        <p:cNvGrpSpPr/>
+        <p:nvPr/>
+      </p:nvGrpSpPr>
+      <p:grpSpPr>
+        <a:xfrm>
+          <a:off x="0" y="0"/>
+          <a:ext cx="0" cy="0"/>
+          <a:chOff x="0" y="0"/>
+          <a:chExt cx="0" cy="0"/>
+        </a:xfrm>
+      </p:grpSpPr>
+      <p:pic>
+        <p:nvPicPr>
+          <p:cNvPr id="4" name="Picture 3">
+            <a:extLst>
+              <a:ext uri="{FF2B5EF4-FFF2-40B4-BE49-F238E27FC236}">
+                <a16:creationId xmlns:a16="http://schemas.microsoft.com/office/drawing/2014/main" id="{E30292C5-A265-4BB8-8F31-FD4E0E770D5D}"/>
+              </a:ext>
+            </a:extLst>
+          </p:cNvPr>
+          <p:cNvPicPr>
+            <a:picLocks noChangeAspect="1"/>
+          </p:cNvPicPr>
+          <p:nvPr/>
+        </p:nvPicPr>
+        <p:blipFill>
+          <a:blip r:embed="rId2"/>
+          <a:stretch>
+            <a:fillRect/>
+          </a:stretch>
+        </p:blipFill>
+        <p:spPr>
+          <a:xfrm>
+            <a:off x="0" y="1000803"/>
+            <a:ext cx="12192000" cy="5708650"/>
+          </a:xfrm>
+          <a:prstGeom prst="rect">
+            <a:avLst/>
+          </a:prstGeom>
+          <a:ln>
+            <a:noFill/>
+          </a:ln>
+          <a:effectLst>
+            <a:outerShdw blurRad="190500" algn="tl" rotWithShape="0">
+              <a:srgbClr val="000000">
+                <a:alpha val="70000"/>
+              </a:srgbClr>
+            </a:outerShdw>
+          </a:effectLst>
+        </p:spPr>
+      </p:pic>
+      <p:sp>
+        <p:nvSpPr>
+          <p:cNvPr id="5" name="Rectangle 4">
+            <a:extLst>
+              <a:ext uri="{FF2B5EF4-FFF2-40B4-BE49-F238E27FC236}">
+                <a16:creationId xmlns:a16="http://schemas.microsoft.com/office/drawing/2014/main" id="{27276953-BDFB-49C8-A469-36F7EB827643}"/>
+              </a:ext>
+            </a:extLst>
+          </p:cNvPr>
+          <p:cNvSpPr/>
+          <p:nvPr/>
+        </p:nvSpPr>
+        <p:spPr>
+          <a:xfrm>
+            <a:off x="1589102" y="477020"/>
+            <a:ext cx="10209321" cy="400110"/>
+          </a:xfrm>
+          <a:prstGeom prst="rect">
+            <a:avLst/>
+          </a:prstGeom>
+        </p:spPr>
+        <p:txBody>
+          <a:bodyPr wrap="square">
+            <a:spAutoFit/>
+          </a:bodyPr>
+          <a:lstStyle/>
+          <a:p>
+            <a:r>
+              <a:rPr lang="en-US" sz="2000" dirty="0"/>
+              <a:t>https://console.kinvey.com/apps/BooksApp-fbd01/environments/kid_r11QOPsMd/dashboard</a:t>
+            </a:r>
+          </a:p>
+        </p:txBody>
+      </p:sp>
+    </p:spTree>
+    <p:extLst>
+      <p:ext uri="{BB962C8B-B14F-4D97-AF65-F5344CB8AC3E}">
+        <p14:creationId xmlns:p14="http://schemas.microsoft.com/office/powerpoint/2010/main" val="2750421178"/>
+      </p:ext>
+    </p:extLst>
+  </p:cSld>
+  <p:clrMapOvr>
+    <a:masterClrMapping/>
+  </p:clrMapOvr>
+</p:sld>
+</file>
+
+<file path=ppt/slides/slide11.xml><?xml version="1.0" encoding="utf-8"?>
+<p:sld xmlns:a="http://schemas.openxmlformats.org/drawingml/2006/main" xmlns:r="http://schemas.openxmlformats.org/officeDocument/2006/relationships" xmlns:p="http://schemas.openxmlformats.org/presentationml/2006/main">
+  <p:cSld>
+    <p:bg>
+      <p:bgPr>
+        <a:solidFill>
+          <a:schemeClr val="bg1"/>
+        </a:solidFill>
+        <a:effectLst/>
+      </p:bgPr>
+    </p:bg>
+    <p:spTree>
+      <p:nvGrpSpPr>
+        <p:cNvPr id="1" name=""/>
+        <p:cNvGrpSpPr/>
+        <p:nvPr/>
+      </p:nvGrpSpPr>
+      <p:grpSpPr>
+        <a:xfrm>
+          <a:off x="0" y="0"/>
+          <a:ext cx="0" cy="0"/>
+          <a:chOff x="0" y="0"/>
+          <a:chExt cx="0" cy="0"/>
+        </a:xfrm>
+      </p:grpSpPr>
+      <p:sp useBgFill="1">
+        <p:nvSpPr>
+          <p:cNvPr id="18" name="Rectangle 17">
+            <a:extLst>
+              <a:ext uri="{FF2B5EF4-FFF2-40B4-BE49-F238E27FC236}">
+                <a16:creationId xmlns:a16="http://schemas.microsoft.com/office/drawing/2014/main" id="{22F15A2D-2324-487D-A02A-BF46C5C580EB}"/>
+              </a:ext>
+              <a:ext uri="{C183D7F6-B498-43B3-948B-1728B52AA6E4}">
+                <adec:decorative xmlns:adec="http://schemas.microsoft.com/office/drawing/2017/decorative" val="1"/>
+              </a:ext>
+            </a:extLst>
+          </p:cNvPr>
+          <p:cNvSpPr>
+            <a:spLocks noGrp="1" noRot="1" noChangeAspect="1" noMove="1" noResize="1" noEditPoints="1" noAdjustHandles="1" noChangeArrowheads="1" noChangeShapeType="1" noTextEdit="1"/>
+          </p:cNvSpPr>
+          <p:nvPr>
+            <p:extLst>
+              <p:ext uri="{386F3935-93C4-4BCD-93E2-E3B085C9AB24}">
+                <p16:designElem xmlns:p16="http://schemas.microsoft.com/office/powerpoint/2015/main" val="1"/>
+              </p:ext>
+            </p:extLst>
+          </p:nvPr>
+        </p:nvSpPr>
+        <p:spPr>
+          <a:xfrm>
+            <a:off x="0" y="0"/>
+            <a:ext cx="12192000" cy="6858000"/>
+          </a:xfrm>
+          <a:prstGeom prst="rect">
+            <a:avLst/>
+          </a:prstGeom>
+          <a:ln>
+            <a:noFill/>
+          </a:ln>
+        </p:spPr>
+        <p:style>
+          <a:lnRef idx="2">
+            <a:schemeClr val="accent1">
+              <a:shade val="50000"/>
+            </a:schemeClr>
+          </a:lnRef>
+          <a:fillRef idx="1">
+            <a:schemeClr val="accent1"/>
+          </a:fillRef>
+          <a:effectRef idx="0">
+            <a:schemeClr val="accent1"/>
+          </a:effectRef>
+          <a:fontRef idx="minor">
+            <a:schemeClr val="lt1"/>
+          </a:fontRef>
+        </p:style>
+        <p:txBody>
+          <a:bodyPr rtlCol="0" anchor="ctr"/>
+          <a:lstStyle/>
+          <a:p>
+            <a:pPr algn="ctr"/>
+            <a:endParaRPr lang="en-US"/>
+          </a:p>
+        </p:txBody>
+      </p:sp>
+      <p:sp>
+        <p:nvSpPr>
+          <p:cNvPr id="20" name="Freeform: Shape 19">
+            <a:extLst>
+              <a:ext uri="{FF2B5EF4-FFF2-40B4-BE49-F238E27FC236}">
+                <a16:creationId xmlns:a16="http://schemas.microsoft.com/office/drawing/2014/main" id="{17A7F34E-D418-47E2-9F86-2C45BBC31210}"/>
+              </a:ext>
+              <a:ext uri="{C183D7F6-B498-43B3-948B-1728B52AA6E4}">
+                <adec:decorative xmlns:adec="http://schemas.microsoft.com/office/drawing/2017/decorative" val="1"/>
+              </a:ext>
+            </a:extLst>
+          </p:cNvPr>
+          <p:cNvSpPr>
+            <a:spLocks noGrp="1" noRot="1" noChangeAspect="1" noMove="1" noResize="1" noEditPoints="1" noAdjustHandles="1" noChangeArrowheads="1" noChangeShapeType="1" noTextEdit="1"/>
+          </p:cNvSpPr>
+          <p:nvPr>
+            <p:extLst>
+              <p:ext uri="{386F3935-93C4-4BCD-93E2-E3B085C9AB24}">
+                <p16:designElem xmlns:p16="http://schemas.microsoft.com/office/powerpoint/2015/main" val="1"/>
+              </p:ext>
+            </p:extLst>
+          </p:nvPr>
+        </p:nvSpPr>
+        <p:spPr>
+          <a:xfrm>
+            <a:off x="321732" y="321733"/>
+            <a:ext cx="11546828" cy="6214534"/>
+          </a:xfrm>
+          <a:custGeom>
+            <a:avLst/>
+            <a:gdLst>
+              <a:gd name="connsiteX0" fmla="*/ 0 w 11546828"/>
+              <a:gd name="connsiteY0" fmla="*/ 0 h 6214534"/>
+              <a:gd name="connsiteX1" fmla="*/ 7965430 w 11546828"/>
+              <a:gd name="connsiteY1" fmla="*/ 0 h 6214534"/>
+              <a:gd name="connsiteX2" fmla="*/ 7965430 w 11546828"/>
+              <a:gd name="connsiteY2" fmla="*/ 1786 h 6214534"/>
+              <a:gd name="connsiteX3" fmla="*/ 11546828 w 11546828"/>
+              <a:gd name="connsiteY3" fmla="*/ 1786 h 6214534"/>
+              <a:gd name="connsiteX4" fmla="*/ 11546828 w 11546828"/>
+              <a:gd name="connsiteY4" fmla="*/ 2866740 h 6214534"/>
+              <a:gd name="connsiteX5" fmla="*/ 11225095 w 11546828"/>
+              <a:gd name="connsiteY5" fmla="*/ 3179536 h 6214534"/>
+              <a:gd name="connsiteX6" fmla="*/ 11225095 w 11546828"/>
+              <a:gd name="connsiteY6" fmla="*/ 301542 h 6214534"/>
+              <a:gd name="connsiteX7" fmla="*/ 320042 w 11546828"/>
+              <a:gd name="connsiteY7" fmla="*/ 301542 h 6214534"/>
+              <a:gd name="connsiteX8" fmla="*/ 320042 w 11546828"/>
+              <a:gd name="connsiteY8" fmla="*/ 5909424 h 6214534"/>
+              <a:gd name="connsiteX9" fmla="*/ 8417210 w 11546828"/>
+              <a:gd name="connsiteY9" fmla="*/ 5909424 h 6214534"/>
+              <a:gd name="connsiteX10" fmla="*/ 8103383 w 11546828"/>
+              <a:gd name="connsiteY10" fmla="*/ 6214534 h 6214534"/>
+              <a:gd name="connsiteX11" fmla="*/ 7222929 w 11546828"/>
+              <a:gd name="connsiteY11" fmla="*/ 6214534 h 6214534"/>
+              <a:gd name="connsiteX12" fmla="*/ 7222929 w 11546828"/>
+              <a:gd name="connsiteY12" fmla="*/ 6212748 h 6214534"/>
+              <a:gd name="connsiteX13" fmla="*/ 0 w 11546828"/>
+              <a:gd name="connsiteY13" fmla="*/ 6212748 h 6214534"/>
+            </a:gdLst>
+            <a:ahLst/>
+            <a:cxnLst>
+              <a:cxn ang="0">
+                <a:pos x="connsiteX0" y="connsiteY0"/>
+              </a:cxn>
+              <a:cxn ang="0">
+                <a:pos x="connsiteX1" y="connsiteY1"/>
+              </a:cxn>
+              <a:cxn ang="0">
+                <a:pos x="connsiteX2" y="connsiteY2"/>
+              </a:cxn>
+              <a:cxn ang="0">
+                <a:pos x="connsiteX3" y="connsiteY3"/>
+              </a:cxn>
+              <a:cxn ang="0">
+                <a:pos x="connsiteX4" y="connsiteY4"/>
+              </a:cxn>
+              <a:cxn ang="0">
+                <a:pos x="connsiteX5" y="connsiteY5"/>
+              </a:cxn>
+              <a:cxn ang="0">
+                <a:pos x="connsiteX6" y="connsiteY6"/>
+              </a:cxn>
+              <a:cxn ang="0">
+                <a:pos x="connsiteX7" y="connsiteY7"/>
+              </a:cxn>
+              <a:cxn ang="0">
+                <a:pos x="connsiteX8" y="connsiteY8"/>
+              </a:cxn>
+              <a:cxn ang="0">
+                <a:pos x="connsiteX9" y="connsiteY9"/>
+              </a:cxn>
+              <a:cxn ang="0">
+                <a:pos x="connsiteX10" y="connsiteY10"/>
+              </a:cxn>
+              <a:cxn ang="0">
+                <a:pos x="connsiteX11" y="connsiteY11"/>
+              </a:cxn>
+              <a:cxn ang="0">
+                <a:pos x="connsiteX12" y="connsiteY12"/>
+              </a:cxn>
+              <a:cxn ang="0">
+                <a:pos x="connsiteX13" y="connsiteY13"/>
+              </a:cxn>
+            </a:cxnLst>
+            <a:rect l="l" t="t" r="r" b="b"/>
+            <a:pathLst>
+              <a:path w="11546828" h="6214534">
+                <a:moveTo>
+                  <a:pt x="0" y="0"/>
+                </a:moveTo>
+                <a:lnTo>
+                  <a:pt x="7965430" y="0"/>
+                </a:lnTo>
+                <a:lnTo>
+                  <a:pt x="7965430" y="1786"/>
+                </a:lnTo>
+                <a:lnTo>
+                  <a:pt x="11546828" y="1786"/>
+                </a:lnTo>
+                <a:lnTo>
+                  <a:pt x="11546828" y="2866740"/>
+                </a:lnTo>
+                <a:lnTo>
+                  <a:pt x="11225095" y="3179536"/>
+                </a:lnTo>
+                <a:lnTo>
+                  <a:pt x="11225095" y="301542"/>
+                </a:lnTo>
+                <a:lnTo>
+                  <a:pt x="320042" y="301542"/>
+                </a:lnTo>
+                <a:lnTo>
+                  <a:pt x="320042" y="5909424"/>
+                </a:lnTo>
+                <a:lnTo>
+                  <a:pt x="8417210" y="5909424"/>
+                </a:lnTo>
+                <a:lnTo>
+                  <a:pt x="8103383" y="6214534"/>
+                </a:lnTo>
+                <a:lnTo>
+                  <a:pt x="7222929" y="6214534"/>
+                </a:lnTo>
+                <a:lnTo>
+                  <a:pt x="7222929" y="6212748"/>
+                </a:lnTo>
+                <a:lnTo>
+                  <a:pt x="0" y="6212748"/>
+                </a:lnTo>
+                <a:close/>
+              </a:path>
+            </a:pathLst>
+          </a:custGeom>
+          <a:solidFill>
+            <a:schemeClr val="tx1">
+              <a:lumMod val="50000"/>
+              <a:lumOff val="50000"/>
+              <a:alpha val="25000"/>
+            </a:schemeClr>
+          </a:solidFill>
+          <a:ln>
+            <a:noFill/>
+          </a:ln>
+        </p:spPr>
+        <p:style>
+          <a:lnRef idx="2">
+            <a:schemeClr val="accent1">
+              <a:shade val="50000"/>
+            </a:schemeClr>
+          </a:lnRef>
+          <a:fillRef idx="1">
+            <a:schemeClr val="accent1"/>
+          </a:fillRef>
+          <a:effectRef idx="0">
+            <a:schemeClr val="accent1"/>
+          </a:effectRef>
+          <a:fontRef idx="minor">
+            <a:schemeClr val="lt1"/>
+          </a:fontRef>
+        </p:style>
+        <p:txBody>
+          <a:bodyPr wrap="square" rtlCol="0" anchor="ctr">
+            <a:noAutofit/>
+          </a:bodyPr>
+          <a:lstStyle/>
+          <a:p>
+            <a:pPr algn="ctr"/>
+            <a:endParaRPr lang="en-US"/>
+          </a:p>
+        </p:txBody>
+      </p:sp>
+      <p:sp>
+        <p:nvSpPr>
+          <p:cNvPr id="22" name="Right Triangle 21">
+            <a:extLst>
+              <a:ext uri="{FF2B5EF4-FFF2-40B4-BE49-F238E27FC236}">
+                <a16:creationId xmlns:a16="http://schemas.microsoft.com/office/drawing/2014/main" id="{2AEAFA59-923A-4F54-8B49-44C970BCC323}"/>
+              </a:ext>
+              <a:ext uri="{C183D7F6-B498-43B3-948B-1728B52AA6E4}">
+                <adec:decorative xmlns:adec="http://schemas.microsoft.com/office/drawing/2017/decorative" val="1"/>
+              </a:ext>
+            </a:extLst>
+          </p:cNvPr>
+          <p:cNvSpPr>
+            <a:spLocks noGrp="1" noRot="1" noChangeAspect="1" noMove="1" noResize="1" noEditPoints="1" noAdjustHandles="1" noChangeArrowheads="1" noChangeShapeType="1" noTextEdit="1"/>
+          </p:cNvSpPr>
+          <p:nvPr>
+            <p:extLst>
+              <p:ext uri="{386F3935-93C4-4BCD-93E2-E3B085C9AB24}">
+                <p16:designElem xmlns:p16="http://schemas.microsoft.com/office/powerpoint/2015/main" val="1"/>
+              </p:ext>
+            </p:extLst>
+          </p:nvPr>
+        </p:nvSpPr>
+        <p:spPr>
+          <a:xfrm flipH="1">
+            <a:off x="8576720" y="3335867"/>
+            <a:ext cx="3291840" cy="3200400"/>
+          </a:xfrm>
+          <a:prstGeom prst="rtTriangle">
+            <a:avLst/>
+          </a:prstGeom>
+          <a:solidFill>
+            <a:schemeClr val="accent4"/>
+          </a:solidFill>
+          <a:ln>
+            <a:noFill/>
+          </a:ln>
+        </p:spPr>
+        <p:style>
+          <a:lnRef idx="2">
+            <a:schemeClr val="accent1">
+              <a:shade val="50000"/>
+            </a:schemeClr>
+          </a:lnRef>
+          <a:fillRef idx="1">
+            <a:schemeClr val="accent1"/>
+          </a:fillRef>
+          <a:effectRef idx="0">
+            <a:schemeClr val="accent1"/>
+          </a:effectRef>
+          <a:fontRef idx="minor">
+            <a:schemeClr val="lt1"/>
+          </a:fontRef>
+        </p:style>
+        <p:txBody>
+          <a:bodyPr rtlCol="0" anchor="ctr"/>
+          <a:lstStyle/>
+          <a:p>
+            <a:pPr algn="ctr"/>
+            <a:endParaRPr lang="en-US" dirty="0"/>
+          </a:p>
+        </p:txBody>
+      </p:sp>
+      <p:pic>
+        <p:nvPicPr>
+          <p:cNvPr id="4" name="Picture 3">
+            <a:extLst>
+              <a:ext uri="{FF2B5EF4-FFF2-40B4-BE49-F238E27FC236}">
+                <a16:creationId xmlns:a16="http://schemas.microsoft.com/office/drawing/2014/main" id="{417EA734-1DF1-4823-A7C5-C1896AC5DD4A}"/>
+              </a:ext>
+            </a:extLst>
+          </p:cNvPr>
+          <p:cNvPicPr>
+            <a:picLocks noChangeAspect="1"/>
+          </p:cNvPicPr>
+          <p:nvPr/>
+        </p:nvPicPr>
+        <p:blipFill>
+          <a:blip r:embed="rId2"/>
+          <a:stretch>
+            <a:fillRect/>
+          </a:stretch>
+        </p:blipFill>
+        <p:spPr>
+          <a:xfrm>
+            <a:off x="3328445" y="321733"/>
+            <a:ext cx="5248275" cy="6304235"/>
+          </a:xfrm>
+          <a:prstGeom prst="rect">
+            <a:avLst/>
+          </a:prstGeom>
+          <a:scene3d>
+            <a:camera prst="perspectiveFront" fov="5400000"/>
+            <a:lightRig rig="threePt" dir="t">
+              <a:rot lat="0" lon="0" rev="19200000"/>
+            </a:lightRig>
+          </a:scene3d>
+          <a:sp3d extrusionH="25400">
+            <a:bevelT w="304800" h="152400" prst="hardEdge"/>
+            <a:extrusionClr>
+              <a:srgbClr val="000000"/>
+            </a:extrusionClr>
+          </a:sp3d>
+        </p:spPr>
+      </p:pic>
+    </p:spTree>
+    <p:extLst>
+      <p:ext uri="{BB962C8B-B14F-4D97-AF65-F5344CB8AC3E}">
+        <p14:creationId xmlns:p14="http://schemas.microsoft.com/office/powerpoint/2010/main" val="1440638418"/>
+      </p:ext>
+    </p:extLst>
+  </p:cSld>
+  <p:clrMapOvr>
+    <a:masterClrMapping/>
+  </p:clrMapOvr>
+</p:sld>
+</file>
+
+<file path=ppt/slides/slide12.xml><?xml version="1.0" encoding="utf-8"?>
+<p:sld xmlns:a="http://schemas.openxmlformats.org/drawingml/2006/main" xmlns:r="http://schemas.openxmlformats.org/officeDocument/2006/relationships" xmlns:p="http://schemas.openxmlformats.org/presentationml/2006/main">
+  <p:cSld>
+    <p:spTree>
+      <p:nvGrpSpPr>
+        <p:cNvPr id="1" name=""/>
+        <p:cNvGrpSpPr/>
+        <p:nvPr/>
+      </p:nvGrpSpPr>
+      <p:grpSpPr>
+        <a:xfrm>
+          <a:off x="0" y="0"/>
+          <a:ext cx="0" cy="0"/>
+          <a:chOff x="0" y="0"/>
+          <a:chExt cx="0" cy="0"/>
+        </a:xfrm>
+      </p:grpSpPr>
+      <p:pic>
+        <p:nvPicPr>
+          <p:cNvPr id="6" name="Picture 5">
+            <a:extLst>
+              <a:ext uri="{FF2B5EF4-FFF2-40B4-BE49-F238E27FC236}">
+                <a16:creationId xmlns:a16="http://schemas.microsoft.com/office/drawing/2014/main" id="{16A3390A-6F28-4EF3-9593-75B8B63DEBD3}"/>
+              </a:ext>
+            </a:extLst>
+          </p:cNvPr>
+          <p:cNvPicPr>
+            <a:picLocks noChangeAspect="1"/>
+          </p:cNvPicPr>
+          <p:nvPr/>
+        </p:nvPicPr>
+        <p:blipFill>
+          <a:blip r:embed="rId2"/>
+          <a:stretch>
+            <a:fillRect/>
+          </a:stretch>
+        </p:blipFill>
+        <p:spPr>
+          <a:xfrm>
+            <a:off x="2749654" y="2228295"/>
+            <a:ext cx="9442346" cy="4629705"/>
+          </a:xfrm>
+          <a:prstGeom prst="rect">
+            <a:avLst/>
+          </a:prstGeom>
+        </p:spPr>
+      </p:pic>
+      <p:pic>
+        <p:nvPicPr>
+          <p:cNvPr id="9" name="Picture 2" descr="Postman Reviews: 610+ User Reviews and Ratings in 2021 | G2">
+            <a:extLst>
+              <a:ext uri="{FF2B5EF4-FFF2-40B4-BE49-F238E27FC236}">
+                <a16:creationId xmlns:a16="http://schemas.microsoft.com/office/drawing/2014/main" id="{54B241D5-5EA7-4838-9CFB-015D9D626749}"/>
+              </a:ext>
+            </a:extLst>
+          </p:cNvPr>
+          <p:cNvPicPr>
+            <a:picLocks noChangeAspect="1" noChangeArrowheads="1"/>
+          </p:cNvPicPr>
+          <p:nvPr/>
+        </p:nvPicPr>
+        <p:blipFill>
+          <a:blip r:embed="rId3">
+            <a:extLst>
+              <a:ext uri="{28A0092B-C50C-407E-A947-70E740481C1C}">
+                <a14:useLocalDpi xmlns:a14="http://schemas.microsoft.com/office/drawing/2010/main" val="0"/>
+              </a:ext>
+            </a:extLst>
+          </a:blip>
+          <a:srcRect/>
+          <a:stretch>
+            <a:fillRect/>
+          </a:stretch>
+        </p:blipFill>
+        <p:spPr bwMode="auto">
+          <a:xfrm>
+            <a:off x="0" y="0"/>
+            <a:ext cx="5715000" cy="3000375"/>
+          </a:xfrm>
+          <a:prstGeom prst="rect">
+            <a:avLst/>
+          </a:prstGeom>
+          <a:noFill/>
+          <a:extLst>
+            <a:ext uri="{909E8E84-426E-40DD-AFC4-6F175D3DCCD1}">
+              <a14:hiddenFill xmlns:a14="http://schemas.microsoft.com/office/drawing/2010/main">
+                <a:solidFill>
+                  <a:srgbClr val="FFFFFF"/>
+                </a:solidFill>
+              </a14:hiddenFill>
+            </a:ext>
+          </a:extLst>
+        </p:spPr>
+      </p:pic>
+      <p:sp>
+        <p:nvSpPr>
+          <p:cNvPr id="10" name="Rectangle 9">
+            <a:extLst>
+              <a:ext uri="{FF2B5EF4-FFF2-40B4-BE49-F238E27FC236}">
+                <a16:creationId xmlns:a16="http://schemas.microsoft.com/office/drawing/2014/main" id="{4B610742-E1E6-4928-A007-042238B81BBC}"/>
+              </a:ext>
+            </a:extLst>
+          </p:cNvPr>
+          <p:cNvSpPr/>
+          <p:nvPr/>
+        </p:nvSpPr>
+        <p:spPr>
+          <a:xfrm>
+            <a:off x="3452264" y="199293"/>
+            <a:ext cx="3938066" cy="369332"/>
+          </a:xfrm>
+          <a:prstGeom prst="rect">
+            <a:avLst/>
+          </a:prstGeom>
+        </p:spPr>
+        <p:txBody>
+          <a:bodyPr wrap="none">
+            <a:spAutoFit/>
+          </a:bodyPr>
+          <a:lstStyle/>
+          <a:p>
+            <a:r>
+              <a:rPr lang="en-US" dirty="0"/>
+              <a:t>https://www.postman.com/downloads/</a:t>
+            </a:r>
+          </a:p>
+        </p:txBody>
+      </p:sp>
+      <p:sp>
+        <p:nvSpPr>
+          <p:cNvPr id="7" name="Rectangle 6">
+            <a:extLst>
+              <a:ext uri="{FF2B5EF4-FFF2-40B4-BE49-F238E27FC236}">
+                <a16:creationId xmlns:a16="http://schemas.microsoft.com/office/drawing/2014/main" id="{B160F69C-3185-426E-BC44-AA70F0BDC52E}"/>
+              </a:ext>
+            </a:extLst>
+          </p:cNvPr>
+          <p:cNvSpPr/>
+          <p:nvPr/>
+        </p:nvSpPr>
+        <p:spPr>
+          <a:xfrm>
+            <a:off x="5153782" y="1116806"/>
+            <a:ext cx="2317045" cy="369332"/>
+          </a:xfrm>
+          <a:prstGeom prst="rect">
+            <a:avLst/>
+          </a:prstGeom>
+        </p:spPr>
+        <p:txBody>
+          <a:bodyPr wrap="none">
+            <a:spAutoFit/>
+          </a:bodyPr>
+          <a:lstStyle/>
+          <a:p>
+            <a:r>
+              <a:rPr lang="en-US" dirty="0"/>
+              <a:t>https://hoppscotch.io/</a:t>
+            </a:r>
+          </a:p>
+        </p:txBody>
+      </p:sp>
+    </p:spTree>
+    <p:extLst>
+      <p:ext uri="{BB962C8B-B14F-4D97-AF65-F5344CB8AC3E}">
+        <p14:creationId xmlns:p14="http://schemas.microsoft.com/office/powerpoint/2010/main" val="2273421450"/>
+      </p:ext>
+    </p:extLst>
+  </p:cSld>
+  <p:clrMapOvr>
+    <a:masterClrMapping/>
+  </p:clrMapOvr>
+</p:sld>
+</file>
+
+<file path=ppt/slides/slide13.xml><?xml version="1.0" encoding="utf-8"?>
+<p:sld xmlns:a="http://schemas.openxmlformats.org/drawingml/2006/main" xmlns:r="http://schemas.openxmlformats.org/officeDocument/2006/relationships" xmlns:p="http://schemas.openxmlformats.org/presentationml/2006/main">
+  <p:cSld>
+    <p:bg>
+      <p:bgPr>
+        <a:solidFill>
+          <a:schemeClr val="bg1"/>
+        </a:solidFill>
+        <a:effectLst/>
+      </p:bgPr>
+    </p:bg>
+    <p:spTree>
+      <p:nvGrpSpPr>
+        <p:cNvPr id="1" name=""/>
+        <p:cNvGrpSpPr/>
+        <p:nvPr/>
+      </p:nvGrpSpPr>
+      <p:grpSpPr>
+        <a:xfrm>
+          <a:off x="0" y="0"/>
+          <a:ext cx="0" cy="0"/>
+          <a:chOff x="0" y="0"/>
+          <a:chExt cx="0" cy="0"/>
+        </a:xfrm>
+      </p:grpSpPr>
+      <p:sp>
+        <p:nvSpPr>
+          <p:cNvPr id="8" name="Rectangle 7">
+            <a:extLst>
+              <a:ext uri="{FF2B5EF4-FFF2-40B4-BE49-F238E27FC236}">
+                <a16:creationId xmlns:a16="http://schemas.microsoft.com/office/drawing/2014/main" id="{23962611-DFD5-4092-AAFD-559E3DFCE2C9}"/>
+              </a:ext>
+              <a:ext uri="{C183D7F6-B498-43B3-948B-1728B52AA6E4}">
+                <adec:decorative xmlns:adec="http://schemas.microsoft.com/office/drawing/2017/decorative" val="1"/>
+              </a:ext>
+            </a:extLst>
+          </p:cNvPr>
+          <p:cNvSpPr>
+            <a:spLocks noGrp="1" noRot="1" noChangeAspect="1" noMove="1" noResize="1" noEditPoints="1" noAdjustHandles="1" noChangeArrowheads="1" noChangeShapeType="1" noTextEdit="1"/>
+          </p:cNvSpPr>
+          <p:nvPr>
+            <p:extLst>
+              <p:ext uri="{386F3935-93C4-4BCD-93E2-E3B085C9AB24}">
+                <p16:designElem xmlns:p16="http://schemas.microsoft.com/office/powerpoint/2015/main" val="1"/>
+              </p:ext>
+            </p:extLst>
+          </p:nvPr>
+        </p:nvSpPr>
+        <p:spPr>
+          <a:xfrm>
+            <a:off x="475488" y="0"/>
+            <a:ext cx="10910292" cy="6858000"/>
+          </a:xfrm>
+          <a:prstGeom prst="rect">
+            <a:avLst/>
+          </a:prstGeom>
+          <a:gradFill>
+            <a:gsLst>
+              <a:gs pos="0">
+                <a:schemeClr val="accent1">
+                  <a:lumMod val="90000"/>
+                </a:schemeClr>
+              </a:gs>
+              <a:gs pos="25000">
+                <a:schemeClr val="accent1">
+                  <a:lumMod val="90000"/>
+                </a:schemeClr>
+              </a:gs>
+              <a:gs pos="94000">
+                <a:schemeClr val="bg2">
+                  <a:lumMod val="25000"/>
+                </a:schemeClr>
+              </a:gs>
+              <a:gs pos="100000">
+                <a:schemeClr val="bg2">
+                  <a:lumMod val="25000"/>
+                </a:schemeClr>
+              </a:gs>
+            </a:gsLst>
+            <a:lin ang="4200000" scaled="0"/>
+          </a:gradFill>
+          <a:ln>
+            <a:noFill/>
+          </a:ln>
+        </p:spPr>
+        <p:style>
+          <a:lnRef idx="2">
+            <a:schemeClr val="accent1">
+              <a:shade val="50000"/>
+            </a:schemeClr>
+          </a:lnRef>
+          <a:fillRef idx="1">
+            <a:schemeClr val="accent1"/>
+          </a:fillRef>
+          <a:effectRef idx="0">
+            <a:schemeClr val="accent1"/>
+          </a:effectRef>
+          <a:fontRef idx="minor">
+            <a:schemeClr val="lt1"/>
+          </a:fontRef>
+        </p:style>
+        <p:txBody>
+          <a:bodyPr rtlCol="0" anchor="ctr"/>
+          <a:lstStyle/>
+          <a:p>
+            <a:pPr algn="ctr"/>
+            <a:endParaRPr lang="en-US"/>
+          </a:p>
+        </p:txBody>
+      </p:sp>
+      <p:pic>
+        <p:nvPicPr>
+          <p:cNvPr id="10" name="Picture 9">
+            <a:extLst>
+              <a:ext uri="{FF2B5EF4-FFF2-40B4-BE49-F238E27FC236}">
+                <a16:creationId xmlns:a16="http://schemas.microsoft.com/office/drawing/2014/main" id="{2270F1FA-0425-408F-9861-80BF5AFB276D}"/>
+              </a:ext>
+              <a:ext uri="{C183D7F6-B498-43B3-948B-1728B52AA6E4}">
+                <adec:decorative xmlns:adec="http://schemas.microsoft.com/office/drawing/2017/decorative" val="1"/>
+              </a:ext>
+            </a:extLst>
+          </p:cNvPr>
+          <p:cNvPicPr>
+            <a:picLocks noGrp="1" noRot="1" noChangeAspect="1" noMove="1" noResize="1" noEditPoints="1" noAdjustHandles="1" noChangeArrowheads="1" noChangeShapeType="1" noCrop="1"/>
+          </p:cNvPicPr>
+          <p:nvPr>
+            <p:extLst>
+              <p:ext uri="{386F3935-93C4-4BCD-93E2-E3B085C9AB24}">
+                <p16:designElem xmlns:p16="http://schemas.microsoft.com/office/powerpoint/2015/main" val="1"/>
+              </p:ext>
+            </p:extLst>
+          </p:nvPr>
+        </p:nvPicPr>
+        <p:blipFill>
+          <a:blip r:embed="rId2">
+            <a:extLst>
+              <a:ext uri="{28A0092B-C50C-407E-A947-70E740481C1C}">
+                <a14:useLocalDpi xmlns:a14="http://schemas.microsoft.com/office/drawing/2010/main" val="0"/>
+              </a:ext>
+            </a:extLst>
+          </a:blip>
+          <a:stretch>
+            <a:fillRect/>
+          </a:stretch>
+        </p:blipFill>
+        <p:spPr>
+          <a:xfrm>
+            <a:off x="0" y="0"/>
+            <a:ext cx="12192000" cy="6858000"/>
+          </a:xfrm>
+          <a:prstGeom prst="rect">
+            <a:avLst/>
+          </a:prstGeom>
+        </p:spPr>
+      </p:pic>
+      <p:sp>
+        <p:nvSpPr>
+          <p:cNvPr id="2" name="Title 1">
+            <a:extLst>
+              <a:ext uri="{FF2B5EF4-FFF2-40B4-BE49-F238E27FC236}">
+                <a16:creationId xmlns:a16="http://schemas.microsoft.com/office/drawing/2014/main" id="{431AC192-D61F-4918-8A93-5EFA926D492D}"/>
+              </a:ext>
+            </a:extLst>
+          </p:cNvPr>
+          <p:cNvSpPr>
+            <a:spLocks noGrp="1"/>
+          </p:cNvSpPr>
+          <p:nvPr>
+            <p:ph type="title"/>
+          </p:nvPr>
+        </p:nvSpPr>
+        <p:spPr>
+          <a:xfrm>
+            <a:off x="2631863" y="445683"/>
+            <a:ext cx="6592036" cy="4099684"/>
+          </a:xfrm>
+        </p:spPr>
+        <p:txBody>
+          <a:bodyPr vert="horz" lIns="91440" tIns="45720" rIns="91440" bIns="45720" rtlCol="0" anchor="b">
+            <a:normAutofit fontScale="90000"/>
+          </a:bodyPr>
+          <a:lstStyle/>
+          <a:p>
+            <a:pPr algn="ctr"/>
+            <a:r>
+              <a:rPr lang="bg-BG" sz="7200" b="1" dirty="0">
+                <a:solidFill>
+                  <a:srgbClr val="FFFFFF"/>
+                </a:solidFill>
+              </a:rPr>
+              <a:t>Удостоверяване и </a:t>
+            </a:r>
+            <a:br>
+              <a:rPr lang="en-US" sz="7200" b="1" dirty="0">
+                <a:solidFill>
+                  <a:srgbClr val="FFFFFF"/>
+                </a:solidFill>
+              </a:rPr>
+            </a:br>
+            <a:br>
+              <a:rPr lang="en-US" sz="7200" b="1" dirty="0">
+                <a:solidFill>
+                  <a:srgbClr val="FFFFFF"/>
+                </a:solidFill>
+              </a:rPr>
+            </a:br>
+            <a:r>
+              <a:rPr lang="bg-BG" sz="7200" b="1" dirty="0">
+                <a:solidFill>
+                  <a:srgbClr val="FFFFFF"/>
+                </a:solidFill>
+              </a:rPr>
+              <a:t>упълномощаване</a:t>
+            </a:r>
+            <a:endParaRPr lang="en-US" sz="7200" b="1" kern="1200" dirty="0">
+              <a:solidFill>
+                <a:srgbClr val="FFFFFF"/>
+              </a:solidFill>
+              <a:latin typeface="+mj-lt"/>
+              <a:ea typeface="+mj-ea"/>
+              <a:cs typeface="+mj-cs"/>
+            </a:endParaRPr>
+          </a:p>
+        </p:txBody>
+      </p:sp>
+      <p:sp>
+        <p:nvSpPr>
+          <p:cNvPr id="4" name="Rectangle 3">
+            <a:extLst>
+              <a:ext uri="{FF2B5EF4-FFF2-40B4-BE49-F238E27FC236}">
+                <a16:creationId xmlns:a16="http://schemas.microsoft.com/office/drawing/2014/main" id="{B05B2568-6872-487D-A0D4-CC389747F8BB}"/>
+              </a:ext>
+            </a:extLst>
+          </p:cNvPr>
+          <p:cNvSpPr/>
+          <p:nvPr/>
+        </p:nvSpPr>
+        <p:spPr>
+          <a:xfrm>
+            <a:off x="3127899" y="2721114"/>
+            <a:ext cx="6096000" cy="707886"/>
+          </a:xfrm>
+          <a:prstGeom prst="rect">
+            <a:avLst/>
+          </a:prstGeom>
+        </p:spPr>
+        <p:txBody>
+          <a:bodyPr>
+            <a:spAutoFit/>
+          </a:bodyPr>
+          <a:lstStyle/>
+          <a:p>
+            <a:r>
+              <a:rPr lang="bg-BG" sz="2000" dirty="0" err="1">
+                <a:solidFill>
+                  <a:schemeClr val="bg1"/>
+                </a:solidFill>
+              </a:rPr>
+              <a:t>Определеляне</a:t>
+            </a:r>
+            <a:r>
+              <a:rPr lang="bg-BG" sz="2000" dirty="0">
+                <a:solidFill>
+                  <a:schemeClr val="bg1"/>
+                </a:solidFill>
+              </a:rPr>
+              <a:t> на</a:t>
+            </a:r>
+            <a:r>
+              <a:rPr lang="en-US" sz="2000" dirty="0">
+                <a:solidFill>
+                  <a:schemeClr val="bg1"/>
+                </a:solidFill>
+              </a:rPr>
+              <a:t> </a:t>
+            </a:r>
+            <a:r>
+              <a:rPr lang="en-US" sz="2000" dirty="0" err="1">
+                <a:solidFill>
+                  <a:schemeClr val="bg1"/>
+                </a:solidFill>
+              </a:rPr>
+              <a:t>самоличността</a:t>
+            </a:r>
+            <a:r>
+              <a:rPr lang="en-US" sz="2000" dirty="0">
+                <a:solidFill>
+                  <a:schemeClr val="bg1"/>
+                </a:solidFill>
+              </a:rPr>
+              <a:t> </a:t>
+            </a:r>
+            <a:r>
+              <a:rPr lang="en-US" sz="2000" dirty="0" err="1">
+                <a:solidFill>
+                  <a:schemeClr val="bg1"/>
+                </a:solidFill>
+              </a:rPr>
+              <a:t>на</a:t>
+            </a:r>
+            <a:r>
+              <a:rPr lang="en-US" sz="2000" dirty="0">
+                <a:solidFill>
+                  <a:schemeClr val="bg1"/>
+                </a:solidFill>
+              </a:rPr>
+              <a:t> </a:t>
+            </a:r>
+            <a:r>
+              <a:rPr lang="en-US" sz="2000" dirty="0" err="1">
+                <a:solidFill>
+                  <a:schemeClr val="bg1"/>
+                </a:solidFill>
+              </a:rPr>
+              <a:t>потребител</a:t>
+            </a:r>
+            <a:r>
+              <a:rPr lang="en-US" sz="2000" dirty="0">
+                <a:solidFill>
+                  <a:schemeClr val="bg1"/>
+                </a:solidFill>
+              </a:rPr>
+              <a:t> </a:t>
+            </a:r>
+            <a:r>
+              <a:rPr lang="en-US" sz="2000" dirty="0" err="1">
+                <a:solidFill>
+                  <a:schemeClr val="bg1"/>
+                </a:solidFill>
+              </a:rPr>
+              <a:t>на</a:t>
+            </a:r>
+            <a:r>
+              <a:rPr lang="en-US" sz="2000" dirty="0">
+                <a:solidFill>
+                  <a:schemeClr val="bg1"/>
+                </a:solidFill>
+              </a:rPr>
+              <a:t> </a:t>
+            </a:r>
+            <a:r>
+              <a:rPr lang="bg-BG" sz="2000" dirty="0">
+                <a:solidFill>
+                  <a:schemeClr val="bg1"/>
+                </a:solidFill>
+              </a:rPr>
+              <a:t>уеб базирана</a:t>
+            </a:r>
+            <a:r>
+              <a:rPr lang="en-US" sz="2000" dirty="0">
+                <a:solidFill>
+                  <a:schemeClr val="bg1"/>
+                </a:solidFill>
+              </a:rPr>
+              <a:t> </a:t>
+            </a:r>
+            <a:r>
+              <a:rPr lang="en-US" sz="2000" dirty="0" err="1">
+                <a:solidFill>
+                  <a:schemeClr val="bg1"/>
+                </a:solidFill>
+              </a:rPr>
+              <a:t>система</a:t>
+            </a:r>
+            <a:r>
+              <a:rPr lang="en-US" sz="2000" dirty="0">
+                <a:solidFill>
+                  <a:schemeClr val="bg1"/>
+                </a:solidFill>
+              </a:rPr>
+              <a:t>.</a:t>
+            </a:r>
+          </a:p>
+        </p:txBody>
+      </p:sp>
+      <p:sp>
+        <p:nvSpPr>
+          <p:cNvPr id="5" name="Rectangle 4">
+            <a:extLst>
+              <a:ext uri="{FF2B5EF4-FFF2-40B4-BE49-F238E27FC236}">
+                <a16:creationId xmlns:a16="http://schemas.microsoft.com/office/drawing/2014/main" id="{6A0105BA-E6AC-4A66-9202-718C031B1BBA}"/>
+              </a:ext>
+            </a:extLst>
+          </p:cNvPr>
+          <p:cNvSpPr/>
+          <p:nvPr/>
+        </p:nvSpPr>
+        <p:spPr>
+          <a:xfrm>
+            <a:off x="2879881" y="4457219"/>
+            <a:ext cx="6096000" cy="707886"/>
+          </a:xfrm>
+          <a:prstGeom prst="rect">
+            <a:avLst/>
+          </a:prstGeom>
+        </p:spPr>
+        <p:txBody>
+          <a:bodyPr>
+            <a:spAutoFit/>
+          </a:bodyPr>
+          <a:lstStyle/>
+          <a:p>
+            <a:r>
+              <a:rPr lang="en-US" sz="2000" dirty="0">
+                <a:solidFill>
+                  <a:schemeClr val="bg1"/>
+                </a:solidFill>
+              </a:rPr>
+              <a:t>е </a:t>
+            </a:r>
+            <a:r>
+              <a:rPr lang="en-US" sz="2000" dirty="0" err="1">
+                <a:solidFill>
+                  <a:schemeClr val="bg1"/>
+                </a:solidFill>
+              </a:rPr>
+              <a:t>функцията</a:t>
+            </a:r>
+            <a:r>
+              <a:rPr lang="en-US" sz="2000" dirty="0">
+                <a:solidFill>
+                  <a:schemeClr val="bg1"/>
+                </a:solidFill>
+              </a:rPr>
+              <a:t> </a:t>
+            </a:r>
+            <a:r>
+              <a:rPr lang="en-US" sz="2000" dirty="0" err="1">
+                <a:solidFill>
+                  <a:schemeClr val="bg1"/>
+                </a:solidFill>
+              </a:rPr>
+              <a:t>за</a:t>
+            </a:r>
+            <a:r>
+              <a:rPr lang="en-US" sz="2000" dirty="0">
+                <a:solidFill>
+                  <a:schemeClr val="bg1"/>
+                </a:solidFill>
+              </a:rPr>
+              <a:t> </a:t>
+            </a:r>
+            <a:r>
+              <a:rPr lang="en-US" sz="2000" dirty="0" err="1">
+                <a:solidFill>
+                  <a:schemeClr val="bg1"/>
+                </a:solidFill>
+              </a:rPr>
+              <a:t>определяне</a:t>
+            </a:r>
+            <a:r>
+              <a:rPr lang="en-US" sz="2000" dirty="0">
+                <a:solidFill>
+                  <a:schemeClr val="bg1"/>
+                </a:solidFill>
+              </a:rPr>
+              <a:t> </a:t>
+            </a:r>
+            <a:r>
+              <a:rPr lang="en-US" sz="2000" dirty="0" err="1">
+                <a:solidFill>
+                  <a:schemeClr val="bg1"/>
+                </a:solidFill>
+              </a:rPr>
+              <a:t>на</a:t>
+            </a:r>
+            <a:r>
+              <a:rPr lang="en-US" sz="2000" dirty="0">
+                <a:solidFill>
+                  <a:schemeClr val="bg1"/>
+                </a:solidFill>
+              </a:rPr>
+              <a:t> </a:t>
+            </a:r>
+            <a:r>
+              <a:rPr lang="en-US" sz="2000" dirty="0" err="1">
+                <a:solidFill>
+                  <a:schemeClr val="bg1"/>
+                </a:solidFill>
+              </a:rPr>
+              <a:t>права</a:t>
+            </a:r>
+            <a:r>
+              <a:rPr lang="en-US" sz="2000" dirty="0">
+                <a:solidFill>
+                  <a:schemeClr val="bg1"/>
+                </a:solidFill>
+              </a:rPr>
+              <a:t> / </a:t>
+            </a:r>
+            <a:r>
+              <a:rPr lang="en-US" sz="2000" dirty="0" err="1">
+                <a:solidFill>
+                  <a:schemeClr val="bg1"/>
+                </a:solidFill>
+              </a:rPr>
+              <a:t>привилегии</a:t>
+            </a:r>
+            <a:r>
+              <a:rPr lang="en-US" sz="2000" dirty="0">
+                <a:solidFill>
+                  <a:schemeClr val="bg1"/>
+                </a:solidFill>
+              </a:rPr>
+              <a:t> </a:t>
+            </a:r>
+            <a:r>
+              <a:rPr lang="en-US" sz="2000" dirty="0" err="1">
+                <a:solidFill>
+                  <a:schemeClr val="bg1"/>
+                </a:solidFill>
+              </a:rPr>
+              <a:t>за</a:t>
+            </a:r>
+            <a:r>
+              <a:rPr lang="en-US" sz="2000" dirty="0">
+                <a:solidFill>
+                  <a:schemeClr val="bg1"/>
+                </a:solidFill>
+              </a:rPr>
+              <a:t> </a:t>
+            </a:r>
+            <a:r>
+              <a:rPr lang="en-US" sz="2000" dirty="0" err="1">
+                <a:solidFill>
+                  <a:schemeClr val="bg1"/>
+                </a:solidFill>
+              </a:rPr>
+              <a:t>достъп</a:t>
+            </a:r>
+            <a:r>
+              <a:rPr lang="en-US" sz="2000" dirty="0">
+                <a:solidFill>
+                  <a:schemeClr val="bg1"/>
+                </a:solidFill>
+              </a:rPr>
+              <a:t> </a:t>
+            </a:r>
+            <a:r>
+              <a:rPr lang="en-US" sz="2000" dirty="0" err="1">
+                <a:solidFill>
+                  <a:schemeClr val="bg1"/>
+                </a:solidFill>
+              </a:rPr>
+              <a:t>до</a:t>
+            </a:r>
+            <a:r>
+              <a:rPr lang="en-US" sz="2000" dirty="0">
+                <a:solidFill>
+                  <a:schemeClr val="bg1"/>
+                </a:solidFill>
+              </a:rPr>
+              <a:t> </a:t>
+            </a:r>
+            <a:r>
+              <a:rPr lang="en-US" sz="2000" dirty="0" err="1">
+                <a:solidFill>
+                  <a:schemeClr val="bg1"/>
+                </a:solidFill>
+              </a:rPr>
+              <a:t>ресурси</a:t>
+            </a:r>
+            <a:endParaRPr lang="en-US" sz="2000" dirty="0">
+              <a:solidFill>
+                <a:schemeClr val="bg1"/>
+              </a:solidFill>
+            </a:endParaRPr>
+          </a:p>
+        </p:txBody>
+      </p:sp>
+    </p:spTree>
+    <p:extLst>
+      <p:ext uri="{BB962C8B-B14F-4D97-AF65-F5344CB8AC3E}">
+        <p14:creationId xmlns:p14="http://schemas.microsoft.com/office/powerpoint/2010/main" val="3903801666"/>
+      </p:ext>
+    </p:extLst>
+  </p:cSld>
+  <p:clrMapOvr>
+    <a:masterClrMapping/>
+  </p:clrMapOvr>
+</p:sld>
+</file>
+
+<file path=ppt/slides/slide14.xml><?xml version="1.0" encoding="utf-8"?>
+<p:sld xmlns:a="http://schemas.openxmlformats.org/drawingml/2006/main" xmlns:r="http://schemas.openxmlformats.org/officeDocument/2006/relationships" xmlns:p="http://schemas.openxmlformats.org/presentationml/2006/main">
+  <p:cSld>
+    <p:bg>
+      <p:bgPr>
+        <a:solidFill>
+          <a:schemeClr val="bg1"/>
+        </a:solidFill>
+        <a:effectLst/>
+      </p:bgPr>
+    </p:bg>
+    <p:spTree>
+      <p:nvGrpSpPr>
+        <p:cNvPr id="1" name=""/>
+        <p:cNvGrpSpPr/>
+        <p:nvPr/>
+      </p:nvGrpSpPr>
+      <p:grpSpPr>
+        <a:xfrm>
+          <a:off x="0" y="0"/>
+          <a:ext cx="0" cy="0"/>
+          <a:chOff x="0" y="0"/>
+          <a:chExt cx="0" cy="0"/>
+        </a:xfrm>
+      </p:grpSpPr>
+      <p:sp useBgFill="1">
+        <p:nvSpPr>
+          <p:cNvPr id="9" name="Rectangle 8">
+            <a:extLst>
+              <a:ext uri="{FF2B5EF4-FFF2-40B4-BE49-F238E27FC236}">
+                <a16:creationId xmlns:a16="http://schemas.microsoft.com/office/drawing/2014/main" id="{22F15A2D-2324-487D-A02A-BF46C5C580EB}"/>
+              </a:ext>
+              <a:ext uri="{C183D7F6-B498-43B3-948B-1728B52AA6E4}">
+                <adec:decorative xmlns:adec="http://schemas.microsoft.com/office/drawing/2017/decorative" val="1"/>
+              </a:ext>
+            </a:extLst>
+          </p:cNvPr>
+          <p:cNvSpPr>
+            <a:spLocks noGrp="1" noRot="1" noChangeAspect="1" noMove="1" noResize="1" noEditPoints="1" noAdjustHandles="1" noChangeArrowheads="1" noChangeShapeType="1" noTextEdit="1"/>
+          </p:cNvSpPr>
+          <p:nvPr>
+            <p:extLst>
+              <p:ext uri="{386F3935-93C4-4BCD-93E2-E3B085C9AB24}">
+                <p16:designElem xmlns:p16="http://schemas.microsoft.com/office/powerpoint/2015/main" val="1"/>
+              </p:ext>
+            </p:extLst>
+          </p:nvPr>
+        </p:nvSpPr>
+        <p:spPr>
+          <a:xfrm>
+            <a:off x="0" y="0"/>
+            <a:ext cx="12192000" cy="6858000"/>
+          </a:xfrm>
+          <a:prstGeom prst="rect">
+            <a:avLst/>
+          </a:prstGeom>
+          <a:ln>
+            <a:noFill/>
+          </a:ln>
+        </p:spPr>
+        <p:style>
+          <a:lnRef idx="2">
+            <a:schemeClr val="accent1">
+              <a:shade val="50000"/>
+            </a:schemeClr>
+          </a:lnRef>
+          <a:fillRef idx="1">
+            <a:schemeClr val="accent1"/>
+          </a:fillRef>
+          <a:effectRef idx="0">
+            <a:schemeClr val="accent1"/>
+          </a:effectRef>
+          <a:fontRef idx="minor">
+            <a:schemeClr val="lt1"/>
+          </a:fontRef>
+        </p:style>
+        <p:txBody>
+          <a:bodyPr rtlCol="0" anchor="ctr"/>
+          <a:lstStyle/>
+          <a:p>
+            <a:pPr algn="ctr"/>
+            <a:endParaRPr lang="en-US"/>
+          </a:p>
+        </p:txBody>
+      </p:sp>
+      <p:sp>
+        <p:nvSpPr>
+          <p:cNvPr id="11" name="Freeform: Shape 10">
+            <a:extLst>
+              <a:ext uri="{FF2B5EF4-FFF2-40B4-BE49-F238E27FC236}">
+                <a16:creationId xmlns:a16="http://schemas.microsoft.com/office/drawing/2014/main" id="{17A7F34E-D418-47E2-9F86-2C45BBC31210}"/>
+              </a:ext>
+              <a:ext uri="{C183D7F6-B498-43B3-948B-1728B52AA6E4}">
+                <adec:decorative xmlns:adec="http://schemas.microsoft.com/office/drawing/2017/decorative" val="1"/>
+              </a:ext>
+            </a:extLst>
+          </p:cNvPr>
+          <p:cNvSpPr>
+            <a:spLocks noGrp="1" noRot="1" noChangeAspect="1" noMove="1" noResize="1" noEditPoints="1" noAdjustHandles="1" noChangeArrowheads="1" noChangeShapeType="1" noTextEdit="1"/>
+          </p:cNvSpPr>
+          <p:nvPr>
+            <p:extLst>
+              <p:ext uri="{386F3935-93C4-4BCD-93E2-E3B085C9AB24}">
+                <p16:designElem xmlns:p16="http://schemas.microsoft.com/office/powerpoint/2015/main" val="1"/>
+              </p:ext>
+            </p:extLst>
+          </p:nvPr>
+        </p:nvSpPr>
+        <p:spPr>
+          <a:xfrm>
+            <a:off x="321732" y="321733"/>
+            <a:ext cx="11546828" cy="6214534"/>
+          </a:xfrm>
+          <a:custGeom>
+            <a:avLst/>
+            <a:gdLst>
+              <a:gd name="connsiteX0" fmla="*/ 0 w 11546828"/>
+              <a:gd name="connsiteY0" fmla="*/ 0 h 6214534"/>
+              <a:gd name="connsiteX1" fmla="*/ 7965430 w 11546828"/>
+              <a:gd name="connsiteY1" fmla="*/ 0 h 6214534"/>
+              <a:gd name="connsiteX2" fmla="*/ 7965430 w 11546828"/>
+              <a:gd name="connsiteY2" fmla="*/ 1786 h 6214534"/>
+              <a:gd name="connsiteX3" fmla="*/ 11546828 w 11546828"/>
+              <a:gd name="connsiteY3" fmla="*/ 1786 h 6214534"/>
+              <a:gd name="connsiteX4" fmla="*/ 11546828 w 11546828"/>
+              <a:gd name="connsiteY4" fmla="*/ 2866740 h 6214534"/>
+              <a:gd name="connsiteX5" fmla="*/ 11225095 w 11546828"/>
+              <a:gd name="connsiteY5" fmla="*/ 3179536 h 6214534"/>
+              <a:gd name="connsiteX6" fmla="*/ 11225095 w 11546828"/>
+              <a:gd name="connsiteY6" fmla="*/ 301542 h 6214534"/>
+              <a:gd name="connsiteX7" fmla="*/ 320042 w 11546828"/>
+              <a:gd name="connsiteY7" fmla="*/ 301542 h 6214534"/>
+              <a:gd name="connsiteX8" fmla="*/ 320042 w 11546828"/>
+              <a:gd name="connsiteY8" fmla="*/ 5909424 h 6214534"/>
+              <a:gd name="connsiteX9" fmla="*/ 8417210 w 11546828"/>
+              <a:gd name="connsiteY9" fmla="*/ 5909424 h 6214534"/>
+              <a:gd name="connsiteX10" fmla="*/ 8103383 w 11546828"/>
+              <a:gd name="connsiteY10" fmla="*/ 6214534 h 6214534"/>
+              <a:gd name="connsiteX11" fmla="*/ 7222929 w 11546828"/>
+              <a:gd name="connsiteY11" fmla="*/ 6214534 h 6214534"/>
+              <a:gd name="connsiteX12" fmla="*/ 7222929 w 11546828"/>
+              <a:gd name="connsiteY12" fmla="*/ 6212748 h 6214534"/>
+              <a:gd name="connsiteX13" fmla="*/ 0 w 11546828"/>
+              <a:gd name="connsiteY13" fmla="*/ 6212748 h 6214534"/>
+            </a:gdLst>
+            <a:ahLst/>
+            <a:cxnLst>
+              <a:cxn ang="0">
+                <a:pos x="connsiteX0" y="connsiteY0"/>
+              </a:cxn>
+              <a:cxn ang="0">
+                <a:pos x="connsiteX1" y="connsiteY1"/>
+              </a:cxn>
+              <a:cxn ang="0">
+                <a:pos x="connsiteX2" y="connsiteY2"/>
+              </a:cxn>
+              <a:cxn ang="0">
+                <a:pos x="connsiteX3" y="connsiteY3"/>
+              </a:cxn>
+              <a:cxn ang="0">
+                <a:pos x="connsiteX4" y="connsiteY4"/>
+              </a:cxn>
+              <a:cxn ang="0">
+                <a:pos x="connsiteX5" y="connsiteY5"/>
+              </a:cxn>
+              <a:cxn ang="0">
+                <a:pos x="connsiteX6" y="connsiteY6"/>
+              </a:cxn>
+              <a:cxn ang="0">
+                <a:pos x="connsiteX7" y="connsiteY7"/>
+              </a:cxn>
+              <a:cxn ang="0">
+                <a:pos x="connsiteX8" y="connsiteY8"/>
+              </a:cxn>
+              <a:cxn ang="0">
+                <a:pos x="connsiteX9" y="connsiteY9"/>
+              </a:cxn>
+              <a:cxn ang="0">
+                <a:pos x="connsiteX10" y="connsiteY10"/>
+              </a:cxn>
+              <a:cxn ang="0">
+                <a:pos x="connsiteX11" y="connsiteY11"/>
+              </a:cxn>
+              <a:cxn ang="0">
+                <a:pos x="connsiteX12" y="connsiteY12"/>
+              </a:cxn>
+              <a:cxn ang="0">
+                <a:pos x="connsiteX13" y="connsiteY13"/>
+              </a:cxn>
+            </a:cxnLst>
+            <a:rect l="l" t="t" r="r" b="b"/>
+            <a:pathLst>
+              <a:path w="11546828" h="6214534">
+                <a:moveTo>
+                  <a:pt x="0" y="0"/>
+                </a:moveTo>
+                <a:lnTo>
+                  <a:pt x="7965430" y="0"/>
+                </a:lnTo>
+                <a:lnTo>
+                  <a:pt x="7965430" y="1786"/>
+                </a:lnTo>
+                <a:lnTo>
+                  <a:pt x="11546828" y="1786"/>
+                </a:lnTo>
+                <a:lnTo>
+                  <a:pt x="11546828" y="2866740"/>
+                </a:lnTo>
+                <a:lnTo>
+                  <a:pt x="11225095" y="3179536"/>
+                </a:lnTo>
+                <a:lnTo>
+                  <a:pt x="11225095" y="301542"/>
+                </a:lnTo>
+                <a:lnTo>
+                  <a:pt x="320042" y="301542"/>
+                </a:lnTo>
+                <a:lnTo>
+                  <a:pt x="320042" y="5909424"/>
+                </a:lnTo>
+                <a:lnTo>
+                  <a:pt x="8417210" y="5909424"/>
+                </a:lnTo>
+                <a:lnTo>
+                  <a:pt x="8103383" y="6214534"/>
+                </a:lnTo>
+                <a:lnTo>
+                  <a:pt x="7222929" y="6214534"/>
+                </a:lnTo>
+                <a:lnTo>
+                  <a:pt x="7222929" y="6212748"/>
+                </a:lnTo>
+                <a:lnTo>
+                  <a:pt x="0" y="6212748"/>
+                </a:lnTo>
+                <a:close/>
+              </a:path>
+            </a:pathLst>
+          </a:custGeom>
+          <a:solidFill>
+            <a:schemeClr val="tx1">
+              <a:lumMod val="50000"/>
+              <a:lumOff val="50000"/>
+              <a:alpha val="25000"/>
+            </a:schemeClr>
+          </a:solidFill>
+          <a:ln>
+            <a:noFill/>
+          </a:ln>
+        </p:spPr>
+        <p:style>
+          <a:lnRef idx="2">
+            <a:schemeClr val="accent1">
+              <a:shade val="50000"/>
+            </a:schemeClr>
+          </a:lnRef>
+          <a:fillRef idx="1">
+            <a:schemeClr val="accent1"/>
+          </a:fillRef>
+          <a:effectRef idx="0">
+            <a:schemeClr val="accent1"/>
+          </a:effectRef>
+          <a:fontRef idx="minor">
+            <a:schemeClr val="lt1"/>
+          </a:fontRef>
+        </p:style>
+        <p:txBody>
+          <a:bodyPr wrap="square" rtlCol="0" anchor="ctr">
+            <a:noAutofit/>
+          </a:bodyPr>
+          <a:lstStyle/>
+          <a:p>
+            <a:pPr algn="ctr"/>
+            <a:endParaRPr lang="en-US"/>
+          </a:p>
+        </p:txBody>
+      </p:sp>
+      <p:sp>
+        <p:nvSpPr>
+          <p:cNvPr id="13" name="Right Triangle 12">
+            <a:extLst>
+              <a:ext uri="{FF2B5EF4-FFF2-40B4-BE49-F238E27FC236}">
+                <a16:creationId xmlns:a16="http://schemas.microsoft.com/office/drawing/2014/main" id="{2AEAFA59-923A-4F54-8B49-44C970BCC323}"/>
+              </a:ext>
+              <a:ext uri="{C183D7F6-B498-43B3-948B-1728B52AA6E4}">
+                <adec:decorative xmlns:adec="http://schemas.microsoft.com/office/drawing/2017/decorative" val="1"/>
+              </a:ext>
+            </a:extLst>
+          </p:cNvPr>
+          <p:cNvSpPr>
+            <a:spLocks noGrp="1" noRot="1" noChangeAspect="1" noMove="1" noResize="1" noEditPoints="1" noAdjustHandles="1" noChangeArrowheads="1" noChangeShapeType="1" noTextEdit="1"/>
+          </p:cNvSpPr>
+          <p:nvPr>
+            <p:extLst>
+              <p:ext uri="{386F3935-93C4-4BCD-93E2-E3B085C9AB24}">
+                <p16:designElem xmlns:p16="http://schemas.microsoft.com/office/powerpoint/2015/main" val="1"/>
+              </p:ext>
+            </p:extLst>
+          </p:nvPr>
+        </p:nvSpPr>
+        <p:spPr>
+          <a:xfrm flipH="1">
+            <a:off x="8576720" y="3335867"/>
+            <a:ext cx="3291840" cy="3200400"/>
+          </a:xfrm>
+          <a:prstGeom prst="rtTriangle">
+            <a:avLst/>
+          </a:prstGeom>
+          <a:solidFill>
+            <a:schemeClr val="accent4"/>
+          </a:solidFill>
+          <a:ln>
+            <a:noFill/>
+          </a:ln>
+        </p:spPr>
+        <p:style>
+          <a:lnRef idx="2">
+            <a:schemeClr val="accent1">
+              <a:shade val="50000"/>
+            </a:schemeClr>
+          </a:lnRef>
+          <a:fillRef idx="1">
+            <a:schemeClr val="accent1"/>
+          </a:fillRef>
+          <a:effectRef idx="0">
+            <a:schemeClr val="accent1"/>
+          </a:effectRef>
+          <a:fontRef idx="minor">
+            <a:schemeClr val="lt1"/>
+          </a:fontRef>
+        </p:style>
+        <p:txBody>
+          <a:bodyPr rtlCol="0" anchor="ctr"/>
+          <a:lstStyle/>
+          <a:p>
+            <a:pPr algn="ctr"/>
+            <a:endParaRPr lang="en-US" dirty="0"/>
+          </a:p>
+        </p:txBody>
+      </p:sp>
+      <p:pic>
+        <p:nvPicPr>
+          <p:cNvPr id="4" name="Picture 3">
+            <a:extLst>
+              <a:ext uri="{FF2B5EF4-FFF2-40B4-BE49-F238E27FC236}">
+                <a16:creationId xmlns:a16="http://schemas.microsoft.com/office/drawing/2014/main" id="{FA660BA3-2A79-47AF-B607-C25511E52BC5}"/>
+              </a:ext>
+            </a:extLst>
+          </p:cNvPr>
+          <p:cNvPicPr>
+            <a:picLocks noChangeAspect="1"/>
+          </p:cNvPicPr>
+          <p:nvPr/>
+        </p:nvPicPr>
+        <p:blipFill>
+          <a:blip r:embed="rId2"/>
+          <a:stretch>
+            <a:fillRect/>
+          </a:stretch>
+        </p:blipFill>
+        <p:spPr>
+          <a:xfrm>
+            <a:off x="627678" y="1009269"/>
+            <a:ext cx="10936643" cy="4839462"/>
+          </a:xfrm>
+          <a:prstGeom prst="rect">
+            <a:avLst/>
+          </a:prstGeom>
+        </p:spPr>
+      </p:pic>
+    </p:spTree>
+    <p:extLst>
+      <p:ext uri="{BB962C8B-B14F-4D97-AF65-F5344CB8AC3E}">
+        <p14:creationId xmlns:p14="http://schemas.microsoft.com/office/powerpoint/2010/main" val="3670657059"/>
+      </p:ext>
+    </p:extLst>
+  </p:cSld>
+  <p:clrMapOvr>
+    <a:masterClrMapping/>
+  </p:clrMapOvr>
+</p:sld>
+</file>
+
+<file path=ppt/slides/slide15.xml><?xml version="1.0" encoding="utf-8"?>
+<p:sld xmlns:a="http://schemas.openxmlformats.org/drawingml/2006/main" xmlns:r="http://schemas.openxmlformats.org/officeDocument/2006/relationships" xmlns:p="http://schemas.openxmlformats.org/presentationml/2006/main">
+  <p:cSld>
+    <p:spTree>
+      <p:nvGrpSpPr>
+        <p:cNvPr id="1" name=""/>
+        <p:cNvGrpSpPr/>
+        <p:nvPr/>
+      </p:nvGrpSpPr>
+      <p:grpSpPr>
+        <a:xfrm>
+          <a:off x="0" y="0"/>
+          <a:ext cx="0" cy="0"/>
+          <a:chOff x="0" y="0"/>
+          <a:chExt cx="0" cy="0"/>
+        </a:xfrm>
+      </p:grpSpPr>
+      <p:pic>
+        <p:nvPicPr>
+          <p:cNvPr id="4" name="Picture 3">
+            <a:extLst>
+              <a:ext uri="{FF2B5EF4-FFF2-40B4-BE49-F238E27FC236}">
+                <a16:creationId xmlns:a16="http://schemas.microsoft.com/office/drawing/2014/main" id="{7F9BF347-9FBD-4E5E-A0A5-5172A2E347FA}"/>
+              </a:ext>
+            </a:extLst>
+          </p:cNvPr>
+          <p:cNvPicPr>
+            <a:picLocks noChangeAspect="1"/>
+          </p:cNvPicPr>
+          <p:nvPr/>
+        </p:nvPicPr>
+        <p:blipFill>
+          <a:blip r:embed="rId2"/>
+          <a:stretch>
+            <a:fillRect/>
+          </a:stretch>
+        </p:blipFill>
+        <p:spPr>
+          <a:xfrm>
+            <a:off x="1862137" y="0"/>
+            <a:ext cx="8467725" cy="4030818"/>
+          </a:xfrm>
+          <a:prstGeom prst="rect">
+            <a:avLst/>
+          </a:prstGeom>
+        </p:spPr>
+      </p:pic>
+      <p:pic>
+        <p:nvPicPr>
+          <p:cNvPr id="5" name="Picture 4">
+            <a:extLst>
+              <a:ext uri="{FF2B5EF4-FFF2-40B4-BE49-F238E27FC236}">
+                <a16:creationId xmlns:a16="http://schemas.microsoft.com/office/drawing/2014/main" id="{DD68AE40-FCB2-4BBA-A1AE-5C82F341A382}"/>
+              </a:ext>
+            </a:extLst>
+          </p:cNvPr>
+          <p:cNvPicPr>
+            <a:picLocks noChangeAspect="1"/>
+          </p:cNvPicPr>
+          <p:nvPr/>
+        </p:nvPicPr>
+        <p:blipFill>
+          <a:blip r:embed="rId3"/>
+          <a:stretch>
+            <a:fillRect/>
+          </a:stretch>
+        </p:blipFill>
+        <p:spPr>
+          <a:xfrm>
+            <a:off x="0" y="2962275"/>
+            <a:ext cx="6896690" cy="3895725"/>
+          </a:xfrm>
+          <a:prstGeom prst="rect">
+            <a:avLst/>
+          </a:prstGeom>
+        </p:spPr>
+      </p:pic>
+      <p:pic>
+        <p:nvPicPr>
+          <p:cNvPr id="6" name="Picture 5">
+            <a:extLst>
+              <a:ext uri="{FF2B5EF4-FFF2-40B4-BE49-F238E27FC236}">
+                <a16:creationId xmlns:a16="http://schemas.microsoft.com/office/drawing/2014/main" id="{E3CC74E8-9C2F-4B4B-B9F3-5013808BB922}"/>
+              </a:ext>
+            </a:extLst>
+          </p:cNvPr>
+          <p:cNvPicPr>
+            <a:picLocks noChangeAspect="1"/>
+          </p:cNvPicPr>
+          <p:nvPr/>
+        </p:nvPicPr>
+        <p:blipFill>
+          <a:blip r:embed="rId4"/>
+          <a:stretch>
+            <a:fillRect/>
+          </a:stretch>
+        </p:blipFill>
+        <p:spPr>
+          <a:xfrm>
+            <a:off x="5257677" y="2962275"/>
+            <a:ext cx="6934323" cy="3895724"/>
+          </a:xfrm>
+          <a:prstGeom prst="rect">
+            <a:avLst/>
+          </a:prstGeom>
+        </p:spPr>
+      </p:pic>
+    </p:spTree>
+    <p:extLst>
+      <p:ext uri="{BB962C8B-B14F-4D97-AF65-F5344CB8AC3E}">
+        <p14:creationId xmlns:p14="http://schemas.microsoft.com/office/powerpoint/2010/main" val="1551569935"/>
+      </p:ext>
+    </p:extLst>
+  </p:cSld>
+  <p:clrMapOvr>
+    <a:masterClrMapping/>
+  </p:clrMapOvr>
+</p:sld>
+</file>
+
+<file path=ppt/slides/slide16.xml><?xml version="1.0" encoding="utf-8"?>
+<p:sld xmlns:a="http://schemas.openxmlformats.org/drawingml/2006/main" xmlns:r="http://schemas.openxmlformats.org/officeDocument/2006/relationships" xmlns:p="http://schemas.openxmlformats.org/presentationml/2006/main">
+  <p:cSld>
+    <p:spTree>
+      <p:nvGrpSpPr>
+        <p:cNvPr id="1" name=""/>
+        <p:cNvGrpSpPr/>
+        <p:nvPr/>
+      </p:nvGrpSpPr>
+      <p:grpSpPr>
+        <a:xfrm>
+          <a:off x="0" y="0"/>
+          <a:ext cx="0" cy="0"/>
+          <a:chOff x="0" y="0"/>
+          <a:chExt cx="0" cy="0"/>
+        </a:xfrm>
+      </p:grpSpPr>
+      <p:pic>
+        <p:nvPicPr>
+          <p:cNvPr id="4" name="Picture 3">
+            <a:extLst>
+              <a:ext uri="{FF2B5EF4-FFF2-40B4-BE49-F238E27FC236}">
+                <a16:creationId xmlns:a16="http://schemas.microsoft.com/office/drawing/2014/main" id="{93EA1EB8-6393-4977-BC7C-2759245B2D43}"/>
+              </a:ext>
+            </a:extLst>
+          </p:cNvPr>
+          <p:cNvPicPr>
+            <a:picLocks noChangeAspect="1"/>
+          </p:cNvPicPr>
+          <p:nvPr/>
+        </p:nvPicPr>
+        <p:blipFill>
+          <a:blip r:embed="rId2"/>
+          <a:stretch>
+            <a:fillRect/>
+          </a:stretch>
+        </p:blipFill>
+        <p:spPr>
+          <a:xfrm>
+            <a:off x="0" y="376237"/>
+            <a:ext cx="11950871" cy="6105525"/>
+          </a:xfrm>
+          <a:prstGeom prst="rect">
+            <a:avLst/>
+          </a:prstGeom>
+        </p:spPr>
+      </p:pic>
+      <p:pic>
+        <p:nvPicPr>
+          <p:cNvPr id="6" name="Picture 2" descr="Can Developers Really Avoid Social Login APIs Like Facebook's?">
+            <a:extLst>
+              <a:ext uri="{FF2B5EF4-FFF2-40B4-BE49-F238E27FC236}">
+                <a16:creationId xmlns:a16="http://schemas.microsoft.com/office/drawing/2014/main" id="{6ABA8032-F2B7-492B-BB46-3B5A97594DEE}"/>
+              </a:ext>
+            </a:extLst>
+          </p:cNvPr>
+          <p:cNvPicPr>
+            <a:picLocks noChangeAspect="1" noChangeArrowheads="1"/>
+          </p:cNvPicPr>
+          <p:nvPr/>
+        </p:nvPicPr>
+        <p:blipFill>
+          <a:blip r:embed="rId3">
+            <a:extLst>
+              <a:ext uri="{28A0092B-C50C-407E-A947-70E740481C1C}">
+                <a14:useLocalDpi xmlns:a14="http://schemas.microsoft.com/office/drawing/2010/main" val="0"/>
+              </a:ext>
+            </a:extLst>
+          </a:blip>
+          <a:srcRect/>
+          <a:stretch>
+            <a:fillRect/>
+          </a:stretch>
+        </p:blipFill>
+        <p:spPr bwMode="auto">
+          <a:xfrm>
+            <a:off x="8391525" y="3657600"/>
+            <a:ext cx="3800475" cy="2375297"/>
+          </a:xfrm>
+          <a:prstGeom prst="rect">
+            <a:avLst/>
+          </a:prstGeom>
+          <a:noFill/>
+          <a:extLst>
+            <a:ext uri="{909E8E84-426E-40DD-AFC4-6F175D3DCCD1}">
+              <a14:hiddenFill xmlns:a14="http://schemas.microsoft.com/office/drawing/2010/main">
+                <a:solidFill>
+                  <a:srgbClr val="FFFFFF"/>
+                </a:solidFill>
+              </a14:hiddenFill>
+            </a:ext>
+          </a:extLst>
+        </p:spPr>
+      </p:pic>
+    </p:spTree>
+    <p:extLst>
+      <p:ext uri="{BB962C8B-B14F-4D97-AF65-F5344CB8AC3E}">
+        <p14:creationId xmlns:p14="http://schemas.microsoft.com/office/powerpoint/2010/main" val="2069555567"/>
+      </p:ext>
+    </p:extLst>
+  </p:cSld>
+  <p:clrMapOvr>
+    <a:masterClrMapping/>
+  </p:clrMapOvr>
+</p:sld>
+</file>
+
 <file path=ppt/slides/slide2.xml><?xml version="1.0" encoding="utf-8"?>
 <p:sld xmlns:a="http://schemas.openxmlformats.org/drawingml/2006/main" xmlns:r="http://schemas.openxmlformats.org/officeDocument/2006/relationships" xmlns:p="http://schemas.openxmlformats.org/presentationml/2006/main">
   <p:cSld>
@@ -4099,6 +5975,32 @@
                 </a:effectLst>
               </a:rPr>
               <a:t> </a:t>
+            </a:r>
+            <a:r>
+              <a:rPr lang="bg-BG" sz="3600" dirty="0">
+                <a:ln w="0"/>
+                <a:effectLst>
+                  <a:outerShdw blurRad="38100" dist="19050" dir="2700000" algn="tl" rotWithShape="0">
+                    <a:schemeClr val="dk1">
+                      <a:alpha val="40000"/>
+                    </a:schemeClr>
+                  </a:outerShdw>
+                </a:effectLst>
+              </a:rPr>
+              <a:t>с </a:t>
+            </a:r>
+            <a:r>
+              <a:rPr lang="en-US" sz="3600" dirty="0">
+                <a:ln w="0"/>
+                <a:effectLst>
+                  <a:outerShdw blurRad="38100" dist="19050" dir="2700000" algn="tl" rotWithShape="0">
+                    <a:schemeClr val="dk1">
+                      <a:alpha val="40000"/>
+                    </a:schemeClr>
+                  </a:outerShdw>
+                </a:effectLst>
+              </a:rPr>
+              <a:t>GitHub</a:t>
             </a:r>
             <a:endParaRPr lang="en-US" sz="3600" b="0" cap="none" spc="0" dirty="0">
               <a:ln w="0"/>
@@ -4148,6 +6050,234 @@
       </p:grpSpPr>
       <p:pic>
         <p:nvPicPr>
+          <p:cNvPr id="4" name="Picture 3">
+            <a:extLst>
+              <a:ext uri="{FF2B5EF4-FFF2-40B4-BE49-F238E27FC236}">
+                <a16:creationId xmlns:a16="http://schemas.microsoft.com/office/drawing/2014/main" id="{155C61E0-CC53-499F-9BCD-0BA16AC9BB60}"/>
+              </a:ext>
+            </a:extLst>
+          </p:cNvPr>
+          <p:cNvPicPr>
+            <a:picLocks noChangeAspect="1"/>
+          </p:cNvPicPr>
+          <p:nvPr/>
+        </p:nvPicPr>
+        <p:blipFill>
+          <a:blip r:embed="rId2"/>
+          <a:stretch>
+            <a:fillRect/>
+          </a:stretch>
+        </p:blipFill>
+        <p:spPr>
+          <a:xfrm>
+            <a:off x="623887" y="940310"/>
+            <a:ext cx="10944225" cy="5800725"/>
+          </a:xfrm>
+          <a:prstGeom prst="rect">
+            <a:avLst/>
+          </a:prstGeom>
+        </p:spPr>
+      </p:pic>
+      <p:sp>
+        <p:nvSpPr>
+          <p:cNvPr id="6" name="Rectangle 5">
+            <a:extLst>
+              <a:ext uri="{FF2B5EF4-FFF2-40B4-BE49-F238E27FC236}">
+                <a16:creationId xmlns:a16="http://schemas.microsoft.com/office/drawing/2014/main" id="{BE8E3CDC-96E6-42A2-AF00-19E117E3C4DD}"/>
+              </a:ext>
+            </a:extLst>
+          </p:cNvPr>
+          <p:cNvSpPr/>
+          <p:nvPr/>
+        </p:nvSpPr>
+        <p:spPr>
+          <a:xfrm>
+            <a:off x="-564606" y="170869"/>
+            <a:ext cx="13321212" cy="769441"/>
+          </a:xfrm>
+          <a:prstGeom prst="rect">
+            <a:avLst/>
+          </a:prstGeom>
+          <a:noFill/>
+        </p:spPr>
+        <p:txBody>
+          <a:bodyPr wrap="square" lIns="91440" tIns="45720" rIns="91440" bIns="45720">
+            <a:spAutoFit/>
+          </a:bodyPr>
+          <a:lstStyle/>
+          <a:p>
+            <a:pPr algn="ctr"/>
+            <a:r>
+              <a:rPr lang="en-US" sz="4400" b="1" dirty="0">
+                <a:ln w="22225">
+                  <a:solidFill>
+                    <a:schemeClr val="accent2"/>
+                  </a:solidFill>
+                  <a:prstDash val="solid"/>
+                </a:ln>
+                <a:solidFill>
+                  <a:schemeClr val="accent2">
+                    <a:lumMod val="40000"/>
+                    <a:lumOff val="60000"/>
+                  </a:schemeClr>
+                </a:solidFill>
+              </a:rPr>
+              <a:t>https://students-manager.azurewebsites.net/</a:t>
+            </a:r>
+            <a:endParaRPr lang="en-US" sz="4400" b="1" cap="none" spc="0" dirty="0">
+              <a:ln w="22225">
+                <a:solidFill>
+                  <a:schemeClr val="accent2"/>
+                </a:solidFill>
+                <a:prstDash val="solid"/>
+              </a:ln>
+              <a:solidFill>
+                <a:schemeClr val="accent2">
+                  <a:lumMod val="40000"/>
+                  <a:lumOff val="60000"/>
+                </a:schemeClr>
+              </a:solidFill>
+              <a:effectLst/>
+            </a:endParaRPr>
+          </a:p>
+        </p:txBody>
+      </p:sp>
+      <p:sp>
+        <p:nvSpPr>
+          <p:cNvPr id="7" name="Thought Bubble: Cloud 6">
+            <a:extLst>
+              <a:ext uri="{FF2B5EF4-FFF2-40B4-BE49-F238E27FC236}">
+                <a16:creationId xmlns:a16="http://schemas.microsoft.com/office/drawing/2014/main" id="{A7D4FF61-245E-4CBF-85BC-CCB6BF0913CF}"/>
+              </a:ext>
+            </a:extLst>
+          </p:cNvPr>
+          <p:cNvSpPr/>
+          <p:nvPr/>
+        </p:nvSpPr>
+        <p:spPr>
+          <a:xfrm>
+            <a:off x="7164279" y="1544716"/>
+            <a:ext cx="4722921" cy="2512380"/>
+          </a:xfrm>
+          <a:prstGeom prst="cloudCallout">
+            <a:avLst/>
+          </a:prstGeom>
+        </p:spPr>
+        <p:style>
+          <a:lnRef idx="1">
+            <a:schemeClr val="accent2"/>
+          </a:lnRef>
+          <a:fillRef idx="2">
+            <a:schemeClr val="accent2"/>
+          </a:fillRef>
+          <a:effectRef idx="1">
+            <a:schemeClr val="accent2"/>
+          </a:effectRef>
+          <a:fontRef idx="minor">
+            <a:schemeClr val="dk1"/>
+          </a:fontRef>
+        </p:style>
+        <p:txBody>
+          <a:bodyPr rtlCol="0" anchor="ctr"/>
+          <a:lstStyle/>
+          <a:p>
+            <a:pPr algn="ctr"/>
+            <a:r>
+              <a:rPr lang="ru-RU" sz="1600" b="1" dirty="0" err="1"/>
+              <a:t>Модел</a:t>
+            </a:r>
+            <a:r>
+              <a:rPr lang="ru-RU" sz="1600" b="1" dirty="0"/>
+              <a:t>-</a:t>
+            </a:r>
+            <a:r>
+              <a:rPr lang="ru-RU" sz="1600" b="1" dirty="0" err="1"/>
+              <a:t>Изглед</a:t>
+            </a:r>
+            <a:r>
+              <a:rPr lang="ru-RU" sz="1600" b="1" dirty="0"/>
+              <a:t>-Контролер</a:t>
+            </a:r>
+            <a:r>
+              <a:rPr lang="ru-RU" sz="1600" dirty="0"/>
+              <a:t> е архитектурен шаблон за дизайн в </a:t>
+            </a:r>
+            <a:r>
+              <a:rPr lang="ru-RU" sz="1600" dirty="0" err="1"/>
+              <a:t>програмирането</a:t>
+            </a:r>
+            <a:r>
+              <a:rPr lang="ru-RU" sz="1600" dirty="0"/>
+              <a:t>, основан на </a:t>
+            </a:r>
+            <a:r>
+              <a:rPr lang="ru-RU" sz="1600" dirty="0" err="1"/>
+              <a:t>разделянето</a:t>
+            </a:r>
+            <a:r>
+              <a:rPr lang="ru-RU" sz="1600" dirty="0"/>
+              <a:t> на бизнес </a:t>
+            </a:r>
+            <a:r>
+              <a:rPr lang="ru-RU" sz="1600" dirty="0" err="1"/>
+              <a:t>логиката</a:t>
+            </a:r>
+            <a:r>
+              <a:rPr lang="ru-RU" sz="1600" dirty="0"/>
+              <a:t> от </a:t>
+            </a:r>
+            <a:r>
+              <a:rPr lang="ru-RU" sz="1600" dirty="0" err="1"/>
+              <a:t>графичния</a:t>
+            </a:r>
+            <a:r>
+              <a:rPr lang="ru-RU" sz="1600" dirty="0"/>
+              <a:t> интерфейс и </a:t>
+            </a:r>
+            <a:r>
+              <a:rPr lang="ru-RU" sz="1600" dirty="0" err="1"/>
+              <a:t>данните</a:t>
+            </a:r>
+            <a:r>
+              <a:rPr lang="ru-RU" sz="1600" dirty="0"/>
+              <a:t> в дадено приложение. </a:t>
+            </a:r>
+            <a:endParaRPr lang="en-US" sz="1600" dirty="0"/>
+          </a:p>
+        </p:txBody>
+      </p:sp>
+    </p:spTree>
+    <p:extLst>
+      <p:ext uri="{BB962C8B-B14F-4D97-AF65-F5344CB8AC3E}">
+        <p14:creationId xmlns:p14="http://schemas.microsoft.com/office/powerpoint/2010/main" val="222571311"/>
+      </p:ext>
+    </p:extLst>
+  </p:cSld>
+  <p:clrMapOvr>
+    <a:masterClrMapping/>
+  </p:clrMapOvr>
+</p:sld>
+</file>
+
+<file path=ppt/slides/slide4.xml><?xml version="1.0" encoding="utf-8"?>
+<p:sld xmlns:a="http://schemas.openxmlformats.org/drawingml/2006/main" xmlns:r="http://schemas.openxmlformats.org/officeDocument/2006/relationships" xmlns:p="http://schemas.openxmlformats.org/presentationml/2006/main">
+  <p:cSld>
+    <p:spTree>
+      <p:nvGrpSpPr>
+        <p:cNvPr id="1" name=""/>
+        <p:cNvGrpSpPr/>
+        <p:nvPr/>
+      </p:nvGrpSpPr>
+      <p:grpSpPr>
+        <a:xfrm>
+          <a:off x="0" y="0"/>
+          <a:ext cx="0" cy="0"/>
+          <a:chOff x="0" y="0"/>
+          <a:chExt cx="0" cy="0"/>
+        </a:xfrm>
+      </p:grpSpPr>
+      <p:pic>
+        <p:nvPicPr>
           <p:cNvPr id="2050" name="Picture 2" descr="webapi">
             <a:extLst>
               <a:ext uri="{FF2B5EF4-FFF2-40B4-BE49-F238E27FC236}">
@@ -4800,7 +6930,7 @@
 </p:sld>
 </file>
 
-<file path=ppt/slides/slide4.xml><?xml version="1.0" encoding="utf-8"?>
+<file path=ppt/slides/slide5.xml><?xml version="1.0" encoding="utf-8"?>
 <p:sld xmlns:a="http://schemas.openxmlformats.org/drawingml/2006/main" xmlns:r="http://schemas.openxmlformats.org/officeDocument/2006/relationships" xmlns:p="http://schemas.openxmlformats.org/presentationml/2006/main">
   <p:cSld>
     <p:spTree>
@@ -4877,181 +7007,6 @@
 </p:sld>
 </file>
 
-<file path=ppt/slides/slide5.xml><?xml version="1.0" encoding="utf-8"?>
-<p:sld xmlns:a="http://schemas.openxmlformats.org/drawingml/2006/main" xmlns:r="http://schemas.openxmlformats.org/officeDocument/2006/relationships" xmlns:p="http://schemas.openxmlformats.org/presentationml/2006/main">
-  <p:cSld>
-    <p:spTree>
-      <p:nvGrpSpPr>
-        <p:cNvPr id="1" name=""/>
-        <p:cNvGrpSpPr/>
-        <p:nvPr/>
-      </p:nvGrpSpPr>
-      <p:grpSpPr>
-        <a:xfrm>
-          <a:off x="0" y="0"/>
-          <a:ext cx="0" cy="0"/>
-          <a:chOff x="0" y="0"/>
-          <a:chExt cx="0" cy="0"/>
-        </a:xfrm>
-      </p:grpSpPr>
-      <p:pic>
-        <p:nvPicPr>
-          <p:cNvPr id="6" name="Picture 5">
-            <a:extLst>
-              <a:ext uri="{FF2B5EF4-FFF2-40B4-BE49-F238E27FC236}">
-                <a16:creationId xmlns:a16="http://schemas.microsoft.com/office/drawing/2014/main" id="{16A3390A-6F28-4EF3-9593-75B8B63DEBD3}"/>
-              </a:ext>
-            </a:extLst>
-          </p:cNvPr>
-          <p:cNvPicPr>
-            <a:picLocks noChangeAspect="1"/>
-          </p:cNvPicPr>
-          <p:nvPr/>
-        </p:nvPicPr>
-        <p:blipFill>
-          <a:blip r:embed="rId2"/>
-          <a:stretch>
-            <a:fillRect/>
-          </a:stretch>
-        </p:blipFill>
-        <p:spPr>
-          <a:xfrm>
-            <a:off x="2749654" y="2228295"/>
-            <a:ext cx="9442346" cy="4629705"/>
-          </a:xfrm>
-          <a:prstGeom prst="rect">
-            <a:avLst/>
-          </a:prstGeom>
-        </p:spPr>
-      </p:pic>
-      <p:pic>
-        <p:nvPicPr>
-          <p:cNvPr id="9" name="Picture 2" descr="Postman Reviews: 610+ User Reviews and Ratings in 2021 | G2">
-            <a:extLst>
-              <a:ext uri="{FF2B5EF4-FFF2-40B4-BE49-F238E27FC236}">
-                <a16:creationId xmlns:a16="http://schemas.microsoft.com/office/drawing/2014/main" id="{54B241D5-5EA7-4838-9CFB-015D9D626749}"/>
-              </a:ext>
-            </a:extLst>
-          </p:cNvPr>
-          <p:cNvPicPr>
-            <a:picLocks noChangeAspect="1" noChangeArrowheads="1"/>
-          </p:cNvPicPr>
-          <p:nvPr/>
-        </p:nvPicPr>
-        <p:blipFill>
-          <a:blip r:embed="rId3">
-            <a:extLst>
-              <a:ext uri="{28A0092B-C50C-407E-A947-70E740481C1C}">
-                <a14:useLocalDpi xmlns:a14="http://schemas.microsoft.com/office/drawing/2010/main" val="0"/>
-              </a:ext>
-            </a:extLst>
-          </a:blip>
-          <a:srcRect/>
-          <a:stretch>
-            <a:fillRect/>
-          </a:stretch>
-        </p:blipFill>
-        <p:spPr bwMode="auto">
-          <a:xfrm>
-            <a:off x="0" y="0"/>
-            <a:ext cx="5715000" cy="3000375"/>
-          </a:xfrm>
-          <a:prstGeom prst="rect">
-            <a:avLst/>
-          </a:prstGeom>
-          <a:noFill/>
-          <a:extLst>
-            <a:ext uri="{909E8E84-426E-40DD-AFC4-6F175D3DCCD1}">
-              <a14:hiddenFill xmlns:a14="http://schemas.microsoft.com/office/drawing/2010/main">
-                <a:solidFill>
-                  <a:srgbClr val="FFFFFF"/>
-                </a:solidFill>
-              </a14:hiddenFill>
-            </a:ext>
-          </a:extLst>
-        </p:spPr>
-      </p:pic>
-      <p:sp>
-        <p:nvSpPr>
-          <p:cNvPr id="10" name="Rectangle 9">
-            <a:extLst>
-              <a:ext uri="{FF2B5EF4-FFF2-40B4-BE49-F238E27FC236}">
-                <a16:creationId xmlns:a16="http://schemas.microsoft.com/office/drawing/2014/main" id="{4B610742-E1E6-4928-A007-042238B81BBC}"/>
-              </a:ext>
-            </a:extLst>
-          </p:cNvPr>
-          <p:cNvSpPr/>
-          <p:nvPr/>
-        </p:nvSpPr>
-        <p:spPr>
-          <a:xfrm>
-            <a:off x="3452264" y="199293"/>
-            <a:ext cx="3938066" cy="369332"/>
-          </a:xfrm>
-          <a:prstGeom prst="rect">
-            <a:avLst/>
-          </a:prstGeom>
-        </p:spPr>
-        <p:txBody>
-          <a:bodyPr wrap="none">
-            <a:spAutoFit/>
-          </a:bodyPr>
-          <a:lstStyle/>
-          <a:p>
-            <a:r>
-              <a:rPr lang="en-US" dirty="0"/>
-              <a:t>https://www.postman.com/downloads/</a:t>
-            </a:r>
-          </a:p>
-        </p:txBody>
-      </p:sp>
-      <p:sp>
-        <p:nvSpPr>
-          <p:cNvPr id="7" name="Rectangle 6">
-            <a:extLst>
-              <a:ext uri="{FF2B5EF4-FFF2-40B4-BE49-F238E27FC236}">
-                <a16:creationId xmlns:a16="http://schemas.microsoft.com/office/drawing/2014/main" id="{B160F69C-3185-426E-BC44-AA70F0BDC52E}"/>
-              </a:ext>
-            </a:extLst>
-          </p:cNvPr>
-          <p:cNvSpPr/>
-          <p:nvPr/>
-        </p:nvSpPr>
-        <p:spPr>
-          <a:xfrm>
-            <a:off x="5153782" y="1116806"/>
-            <a:ext cx="2317045" cy="369332"/>
-          </a:xfrm>
-          <a:prstGeom prst="rect">
-            <a:avLst/>
-          </a:prstGeom>
-        </p:spPr>
-        <p:txBody>
-          <a:bodyPr wrap="none">
-            <a:spAutoFit/>
-          </a:bodyPr>
-          <a:lstStyle/>
-          <a:p>
-            <a:r>
-              <a:rPr lang="en-US" dirty="0"/>
-              <a:t>https://hoppscotch.io/</a:t>
-            </a:r>
-          </a:p>
-        </p:txBody>
-      </p:sp>
-    </p:spTree>
-    <p:extLst>
-      <p:ext uri="{BB962C8B-B14F-4D97-AF65-F5344CB8AC3E}">
-        <p14:creationId xmlns:p14="http://schemas.microsoft.com/office/powerpoint/2010/main" val="2273421450"/>
-      </p:ext>
-    </p:extLst>
-  </p:cSld>
-  <p:clrMapOvr>
-    <a:masterClrMapping/>
-  </p:clrMapOvr>
-</p:sld>
-</file>
-
 <file path=ppt/slides/slide6.xml><?xml version="1.0" encoding="utf-8"?>
 <p:sld xmlns:a="http://schemas.openxmlformats.org/drawingml/2006/main" xmlns:r="http://schemas.openxmlformats.org/officeDocument/2006/relationships" xmlns:p="http://schemas.openxmlformats.org/presentationml/2006/main">
   <p:cSld>
@@ -5676,10 +7631,299 @@
           </a:p>
         </p:txBody>
       </p:sp>
+      <p:sp>
+        <p:nvSpPr>
+          <p:cNvPr id="2" name="Rectangle 1">
+            <a:extLst>
+              <a:ext uri="{FF2B5EF4-FFF2-40B4-BE49-F238E27FC236}">
+                <a16:creationId xmlns:a16="http://schemas.microsoft.com/office/drawing/2014/main" id="{086E7039-2AC5-44D9-A708-DDCA7270984A}"/>
+              </a:ext>
+            </a:extLst>
+          </p:cNvPr>
+          <p:cNvSpPr/>
+          <p:nvPr/>
+        </p:nvSpPr>
+        <p:spPr>
+          <a:xfrm>
+            <a:off x="73746" y="5755928"/>
+            <a:ext cx="12118254" cy="923330"/>
+          </a:xfrm>
+          <a:prstGeom prst="rect">
+            <a:avLst/>
+          </a:prstGeom>
+          <a:noFill/>
+        </p:spPr>
+        <p:txBody>
+          <a:bodyPr wrap="none" lIns="91440" tIns="45720" rIns="91440" bIns="45720">
+            <a:spAutoFit/>
+          </a:bodyPr>
+          <a:lstStyle/>
+          <a:p>
+            <a:pPr algn="ctr"/>
+            <a:r>
+              <a:rPr lang="en-US" sz="5400" b="1" spc="50" dirty="0" err="1">
+                <a:ln w="9525" cmpd="sng">
+                  <a:solidFill>
+                    <a:schemeClr val="accent1"/>
+                  </a:solidFill>
+                  <a:prstDash val="solid"/>
+                </a:ln>
+                <a:solidFill>
+                  <a:srgbClr val="70AD47">
+                    <a:tint val="1000"/>
+                  </a:srgbClr>
+                </a:solidFill>
+                <a:effectLst>
+                  <a:glow rad="38100">
+                    <a:schemeClr val="accent1">
+                      <a:alpha val="40000"/>
+                    </a:schemeClr>
+                  </a:glow>
+                </a:effectLst>
+              </a:rPr>
+              <a:t>Kinvey</a:t>
+            </a:r>
+            <a:r>
+              <a:rPr lang="en-US" sz="5400" b="1" spc="50" dirty="0">
+                <a:ln w="9525" cmpd="sng">
+                  <a:solidFill>
+                    <a:schemeClr val="accent1"/>
+                  </a:solidFill>
+                  <a:prstDash val="solid"/>
+                </a:ln>
+                <a:solidFill>
+                  <a:srgbClr val="70AD47">
+                    <a:tint val="1000"/>
+                  </a:srgbClr>
+                </a:solidFill>
+                <a:effectLst>
+                  <a:glow rad="38100">
+                    <a:schemeClr val="accent1">
+                      <a:alpha val="40000"/>
+                    </a:schemeClr>
+                  </a:glow>
+                </a:effectLst>
+              </a:rPr>
+              <a:t> - Please verify your email address</a:t>
+            </a:r>
+            <a:endParaRPr lang="en-US" sz="5400" b="1" cap="none" spc="50" dirty="0">
+              <a:ln w="9525" cmpd="sng">
+                <a:solidFill>
+                  <a:schemeClr val="accent1"/>
+                </a:solidFill>
+                <a:prstDash val="solid"/>
+              </a:ln>
+              <a:solidFill>
+                <a:srgbClr val="70AD47">
+                  <a:tint val="1000"/>
+                </a:srgbClr>
+              </a:solidFill>
+              <a:effectLst>
+                <a:glow rad="38100">
+                  <a:schemeClr val="accent1">
+                    <a:alpha val="40000"/>
+                  </a:schemeClr>
+                </a:glow>
+              </a:effectLst>
+            </a:endParaRPr>
+          </a:p>
+        </p:txBody>
+      </p:sp>
     </p:spTree>
     <p:extLst>
       <p:ext uri="{BB962C8B-B14F-4D97-AF65-F5344CB8AC3E}">
         <p14:creationId xmlns:p14="http://schemas.microsoft.com/office/powerpoint/2010/main" val="1828273136"/>
+      </p:ext>
+    </p:extLst>
+  </p:cSld>
+  <p:clrMapOvr>
+    <a:masterClrMapping/>
+  </p:clrMapOvr>
+</p:sld>
+</file>
+
+<file path=ppt/slides/slide8.xml><?xml version="1.0" encoding="utf-8"?>
+<p:sld xmlns:a="http://schemas.openxmlformats.org/drawingml/2006/main" xmlns:r="http://schemas.openxmlformats.org/officeDocument/2006/relationships" xmlns:p="http://schemas.openxmlformats.org/presentationml/2006/main">
+  <p:cSld>
+    <p:spTree>
+      <p:nvGrpSpPr>
+        <p:cNvPr id="1" name=""/>
+        <p:cNvGrpSpPr/>
+        <p:nvPr/>
+      </p:nvGrpSpPr>
+      <p:grpSpPr>
+        <a:xfrm>
+          <a:off x="0" y="0"/>
+          <a:ext cx="0" cy="0"/>
+          <a:chOff x="0" y="0"/>
+          <a:chExt cx="0" cy="0"/>
+        </a:xfrm>
+      </p:grpSpPr>
+      <p:pic>
+        <p:nvPicPr>
+          <p:cNvPr id="4" name="Picture 3">
+            <a:extLst>
+              <a:ext uri="{FF2B5EF4-FFF2-40B4-BE49-F238E27FC236}">
+                <a16:creationId xmlns:a16="http://schemas.microsoft.com/office/drawing/2014/main" id="{9370F8FD-4E6A-4C2F-A363-E16A32A86F21}"/>
+              </a:ext>
+            </a:extLst>
+          </p:cNvPr>
+          <p:cNvPicPr>
+            <a:picLocks noChangeAspect="1"/>
+          </p:cNvPicPr>
+          <p:nvPr/>
+        </p:nvPicPr>
+        <p:blipFill>
+          <a:blip r:embed="rId2"/>
+          <a:stretch>
+            <a:fillRect/>
+          </a:stretch>
+        </p:blipFill>
+        <p:spPr>
+          <a:xfrm>
+            <a:off x="0" y="988130"/>
+            <a:ext cx="12192000" cy="5414400"/>
+          </a:xfrm>
+          <a:prstGeom prst="roundRect">
+            <a:avLst>
+              <a:gd name="adj" fmla="val 8594"/>
+            </a:avLst>
+          </a:prstGeom>
+          <a:solidFill>
+            <a:srgbClr val="FFFFFF">
+              <a:shade val="85000"/>
+            </a:srgbClr>
+          </a:solidFill>
+          <a:ln>
+            <a:noFill/>
+          </a:ln>
+          <a:effectLst>
+            <a:reflection blurRad="12700" stA="38000" endPos="28000" dist="5000" dir="5400000" sy="-100000" algn="bl" rotWithShape="0"/>
+          </a:effectLst>
+        </p:spPr>
+      </p:pic>
+      <p:sp>
+        <p:nvSpPr>
+          <p:cNvPr id="5" name="Rectangle 4">
+            <a:extLst>
+              <a:ext uri="{FF2B5EF4-FFF2-40B4-BE49-F238E27FC236}">
+                <a16:creationId xmlns:a16="http://schemas.microsoft.com/office/drawing/2014/main" id="{07471016-D94B-4151-AFA5-DFA8A3462929}"/>
+              </a:ext>
+            </a:extLst>
+          </p:cNvPr>
+          <p:cNvSpPr/>
+          <p:nvPr/>
+        </p:nvSpPr>
+        <p:spPr>
+          <a:xfrm>
+            <a:off x="4471677" y="455470"/>
+            <a:ext cx="3248646" cy="369332"/>
+          </a:xfrm>
+          <a:prstGeom prst="rect">
+            <a:avLst/>
+          </a:prstGeom>
+        </p:spPr>
+        <p:txBody>
+          <a:bodyPr wrap="none">
+            <a:spAutoFit/>
+          </a:bodyPr>
+          <a:lstStyle/>
+          <a:p>
+            <a:r>
+              <a:rPr lang="en-US" dirty="0"/>
+              <a:t>https://console.kinvey.com/apps</a:t>
+            </a:r>
+          </a:p>
+        </p:txBody>
+      </p:sp>
+    </p:spTree>
+    <p:extLst>
+      <p:ext uri="{BB962C8B-B14F-4D97-AF65-F5344CB8AC3E}">
+        <p14:creationId xmlns:p14="http://schemas.microsoft.com/office/powerpoint/2010/main" val="3968049571"/>
+      </p:ext>
+    </p:extLst>
+  </p:cSld>
+  <p:clrMapOvr>
+    <a:masterClrMapping/>
+  </p:clrMapOvr>
+</p:sld>
+</file>
+
+<file path=ppt/slides/slide9.xml><?xml version="1.0" encoding="utf-8"?>
+<p:sld xmlns:a="http://schemas.openxmlformats.org/drawingml/2006/main" xmlns:r="http://schemas.openxmlformats.org/officeDocument/2006/relationships" xmlns:p="http://schemas.openxmlformats.org/presentationml/2006/main">
+  <p:cSld>
+    <p:spTree>
+      <p:nvGrpSpPr>
+        <p:cNvPr id="1" name=""/>
+        <p:cNvGrpSpPr/>
+        <p:nvPr/>
+      </p:nvGrpSpPr>
+      <p:grpSpPr>
+        <a:xfrm>
+          <a:off x="0" y="0"/>
+          <a:ext cx="0" cy="0"/>
+          <a:chOff x="0" y="0"/>
+          <a:chExt cx="0" cy="0"/>
+        </a:xfrm>
+      </p:grpSpPr>
+      <p:pic>
+        <p:nvPicPr>
+          <p:cNvPr id="4" name="Picture 3">
+            <a:extLst>
+              <a:ext uri="{FF2B5EF4-FFF2-40B4-BE49-F238E27FC236}">
+                <a16:creationId xmlns:a16="http://schemas.microsoft.com/office/drawing/2014/main" id="{F49BD52B-F9AA-463D-8DCB-6C7A482DF7DD}"/>
+              </a:ext>
+            </a:extLst>
+          </p:cNvPr>
+          <p:cNvPicPr>
+            <a:picLocks noChangeAspect="1"/>
+          </p:cNvPicPr>
+          <p:nvPr/>
+        </p:nvPicPr>
+        <p:blipFill>
+          <a:blip r:embed="rId2"/>
+          <a:stretch>
+            <a:fillRect/>
+          </a:stretch>
+        </p:blipFill>
+        <p:spPr>
+          <a:xfrm>
+            <a:off x="738187" y="1241117"/>
+            <a:ext cx="10715625" cy="3324225"/>
+          </a:xfrm>
+          <a:prstGeom prst="rect">
+            <a:avLst/>
+          </a:prstGeom>
+          <a:ln w="127000" cap="rnd">
+            <a:solidFill>
+              <a:srgbClr val="FFFFFF"/>
+            </a:solidFill>
+          </a:ln>
+          <a:effectLst>
+            <a:outerShdw blurRad="76200" dist="95250" dir="10500000" sx="97000" sy="23000" kx="900000" algn="br" rotWithShape="0">
+              <a:srgbClr val="000000">
+                <a:alpha val="20000"/>
+              </a:srgbClr>
+            </a:outerShdw>
+          </a:effectLst>
+          <a:scene3d>
+            <a:camera prst="orthographicFront"/>
+            <a:lightRig rig="twoPt" dir="t">
+              <a:rot lat="0" lon="0" rev="7800000"/>
+            </a:lightRig>
+          </a:scene3d>
+          <a:sp3d contourW="6350">
+            <a:bevelT w="50800" h="16510"/>
+            <a:contourClr>
+              <a:srgbClr val="C0C0C0"/>
+            </a:contourClr>
+          </a:sp3d>
+        </p:spPr>
+      </p:pic>
+    </p:spTree>
+    <p:extLst>
+      <p:ext uri="{BB962C8B-B14F-4D97-AF65-F5344CB8AC3E}">
+        <p14:creationId xmlns:p14="http://schemas.microsoft.com/office/powerpoint/2010/main" val="4149859075"/>
       </p:ext>
     </p:extLst>
   </p:cSld>

--- a/03. Async JS/lecture.pptx
+++ b/03. Async JS/lecture.pptx
@@ -21,6 +21,8 @@
     <p:sldId id="269" r:id="rId15"/>
     <p:sldId id="270" r:id="rId16"/>
     <p:sldId id="271" r:id="rId17"/>
+    <p:sldId id="272" r:id="rId18"/>
+    <p:sldId id="273" r:id="rId19"/>
   </p:sldIdLst>
   <p:sldSz cx="12192000" cy="6858000"/>
   <p:notesSz cx="6858000" cy="9144000"/>
@@ -5715,6 +5717,716 @@
     <p:extLst>
       <p:ext uri="{BB962C8B-B14F-4D97-AF65-F5344CB8AC3E}">
         <p14:creationId xmlns:p14="http://schemas.microsoft.com/office/powerpoint/2010/main" val="2069555567"/>
+      </p:ext>
+    </p:extLst>
+  </p:cSld>
+  <p:clrMapOvr>
+    <a:masterClrMapping/>
+  </p:clrMapOvr>
+</p:sld>
+</file>
+
+<file path=ppt/slides/slide17.xml><?xml version="1.0" encoding="utf-8"?>
+<p:sld xmlns:a="http://schemas.openxmlformats.org/drawingml/2006/main" xmlns:r="http://schemas.openxmlformats.org/officeDocument/2006/relationships" xmlns:p="http://schemas.openxmlformats.org/presentationml/2006/main">
+  <p:cSld>
+    <p:bg>
+      <p:bgPr>
+        <a:solidFill>
+          <a:schemeClr val="bg1"/>
+        </a:solidFill>
+        <a:effectLst/>
+      </p:bgPr>
+    </p:bg>
+    <p:spTree>
+      <p:nvGrpSpPr>
+        <p:cNvPr id="1" name=""/>
+        <p:cNvGrpSpPr/>
+        <p:nvPr/>
+      </p:nvGrpSpPr>
+      <p:grpSpPr>
+        <a:xfrm>
+          <a:off x="0" y="0"/>
+          <a:ext cx="0" cy="0"/>
+          <a:chOff x="0" y="0"/>
+          <a:chExt cx="0" cy="0"/>
+        </a:xfrm>
+      </p:grpSpPr>
+      <p:sp>
+        <p:nvSpPr>
+          <p:cNvPr id="9" name="Rectangle 8">
+            <a:extLst>
+              <a:ext uri="{FF2B5EF4-FFF2-40B4-BE49-F238E27FC236}">
+                <a16:creationId xmlns:a16="http://schemas.microsoft.com/office/drawing/2014/main" id="{F3060C83-F051-4F0E-ABAD-AA0DFC48B218}"/>
+              </a:ext>
+              <a:ext uri="{C183D7F6-B498-43B3-948B-1728B52AA6E4}">
+                <adec:decorative xmlns:adec="http://schemas.microsoft.com/office/drawing/2017/decorative" val="1"/>
+              </a:ext>
+            </a:extLst>
+          </p:cNvPr>
+          <p:cNvSpPr>
+            <a:spLocks noGrp="1" noRot="1" noChangeAspect="1" noMove="1" noResize="1" noEditPoints="1" noAdjustHandles="1" noChangeArrowheads="1" noChangeShapeType="1" noTextEdit="1"/>
+          </p:cNvSpPr>
+          <p:nvPr>
+            <p:extLst>
+              <p:ext uri="{386F3935-93C4-4BCD-93E2-E3B085C9AB24}">
+                <p16:designElem xmlns:p16="http://schemas.microsoft.com/office/powerpoint/2015/main" val="1"/>
+              </p:ext>
+            </p:extLst>
+          </p:nvPr>
+        </p:nvSpPr>
+        <p:spPr>
+          <a:xfrm>
+            <a:off x="0" y="0"/>
+            <a:ext cx="12192000" cy="6858000"/>
+          </a:xfrm>
+          <a:prstGeom prst="rect">
+            <a:avLst/>
+          </a:prstGeom>
+          <a:solidFill>
+            <a:schemeClr val="bg1"/>
+          </a:solidFill>
+          <a:ln>
+            <a:noFill/>
+          </a:ln>
+        </p:spPr>
+        <p:style>
+          <a:lnRef idx="2">
+            <a:schemeClr val="accent1">
+              <a:shade val="50000"/>
+            </a:schemeClr>
+          </a:lnRef>
+          <a:fillRef idx="1">
+            <a:schemeClr val="accent1"/>
+          </a:fillRef>
+          <a:effectRef idx="0">
+            <a:schemeClr val="accent1"/>
+          </a:effectRef>
+          <a:fontRef idx="minor">
+            <a:schemeClr val="lt1"/>
+          </a:fontRef>
+        </p:style>
+        <p:txBody>
+          <a:bodyPr rtlCol="0" anchor="ctr"/>
+          <a:lstStyle/>
+          <a:p>
+            <a:pPr algn="ctr"/>
+            <a:endParaRPr lang="en-US" dirty="0"/>
+          </a:p>
+        </p:txBody>
+      </p:sp>
+      <p:sp>
+        <p:nvSpPr>
+          <p:cNvPr id="11" name="Freeform: Shape 10">
+            <a:extLst>
+              <a:ext uri="{FF2B5EF4-FFF2-40B4-BE49-F238E27FC236}">
+                <a16:creationId xmlns:a16="http://schemas.microsoft.com/office/drawing/2014/main" id="{83C98ABE-055B-441F-B07E-44F97F083C39}"/>
+              </a:ext>
+              <a:ext uri="{C183D7F6-B498-43B3-948B-1728B52AA6E4}">
+                <adec:decorative xmlns:adec="http://schemas.microsoft.com/office/drawing/2017/decorative" val="1"/>
+              </a:ext>
+            </a:extLst>
+          </p:cNvPr>
+          <p:cNvSpPr>
+            <a:spLocks noGrp="1" noRot="1" noChangeAspect="1" noMove="1" noResize="1" noEditPoints="1" noAdjustHandles="1" noChangeArrowheads="1" noChangeShapeType="1" noTextEdit="1"/>
+          </p:cNvSpPr>
+          <p:nvPr>
+            <p:extLst>
+              <p:ext uri="{386F3935-93C4-4BCD-93E2-E3B085C9AB24}">
+                <p16:designElem xmlns:p16="http://schemas.microsoft.com/office/powerpoint/2015/main" val="1"/>
+              </p:ext>
+            </p:extLst>
+          </p:nvPr>
+        </p:nvSpPr>
+        <p:spPr>
+          <a:xfrm rot="18900000" flipH="1">
+            <a:off x="-376156" y="-253670"/>
+            <a:ext cx="1827638" cy="1376989"/>
+          </a:xfrm>
+          <a:custGeom>
+            <a:avLst/>
+            <a:gdLst>
+              <a:gd name="connsiteX0" fmla="*/ 0 w 1827638"/>
+              <a:gd name="connsiteY0" fmla="*/ 987379 h 1376989"/>
+              <a:gd name="connsiteX1" fmla="*/ 987379 w 1827638"/>
+              <a:gd name="connsiteY1" fmla="*/ 0 h 1376989"/>
+              <a:gd name="connsiteX2" fmla="*/ 1827638 w 1827638"/>
+              <a:gd name="connsiteY2" fmla="*/ 840260 h 1376989"/>
+              <a:gd name="connsiteX3" fmla="*/ 1827638 w 1827638"/>
+              <a:gd name="connsiteY3" fmla="*/ 1376989 h 1376989"/>
+              <a:gd name="connsiteX4" fmla="*/ 0 w 1827638"/>
+              <a:gd name="connsiteY4" fmla="*/ 1376989 h 1376989"/>
+            </a:gdLst>
+            <a:ahLst/>
+            <a:cxnLst>
+              <a:cxn ang="0">
+                <a:pos x="connsiteX0" y="connsiteY0"/>
+              </a:cxn>
+              <a:cxn ang="0">
+                <a:pos x="connsiteX1" y="connsiteY1"/>
+              </a:cxn>
+              <a:cxn ang="0">
+                <a:pos x="connsiteX2" y="connsiteY2"/>
+              </a:cxn>
+              <a:cxn ang="0">
+                <a:pos x="connsiteX3" y="connsiteY3"/>
+              </a:cxn>
+              <a:cxn ang="0">
+                <a:pos x="connsiteX4" y="connsiteY4"/>
+              </a:cxn>
+            </a:cxnLst>
+            <a:rect l="l" t="t" r="r" b="b"/>
+            <a:pathLst>
+              <a:path w="1827638" h="1376989">
+                <a:moveTo>
+                  <a:pt x="0" y="987379"/>
+                </a:moveTo>
+                <a:lnTo>
+                  <a:pt x="987379" y="0"/>
+                </a:lnTo>
+                <a:lnTo>
+                  <a:pt x="1827638" y="840260"/>
+                </a:lnTo>
+                <a:lnTo>
+                  <a:pt x="1827638" y="1376989"/>
+                </a:lnTo>
+                <a:lnTo>
+                  <a:pt x="0" y="1376989"/>
+                </a:lnTo>
+                <a:close/>
+              </a:path>
+            </a:pathLst>
+          </a:custGeom>
+          <a:solidFill>
+            <a:schemeClr val="accent1">
+              <a:alpha val="30000"/>
+            </a:schemeClr>
+          </a:solidFill>
+          <a:ln>
+            <a:noFill/>
+          </a:ln>
+        </p:spPr>
+        <p:style>
+          <a:lnRef idx="2">
+            <a:schemeClr val="accent1">
+              <a:shade val="50000"/>
+            </a:schemeClr>
+          </a:lnRef>
+          <a:fillRef idx="1">
+            <a:schemeClr val="accent1"/>
+          </a:fillRef>
+          <a:effectRef idx="0">
+            <a:schemeClr val="accent1"/>
+          </a:effectRef>
+          <a:fontRef idx="minor">
+            <a:schemeClr val="lt1"/>
+          </a:fontRef>
+        </p:style>
+        <p:txBody>
+          <a:bodyPr rtlCol="0" anchor="ctr"/>
+          <a:lstStyle/>
+          <a:p>
+            <a:pPr algn="ctr"/>
+            <a:endParaRPr lang="en-US" dirty="0"/>
+          </a:p>
+        </p:txBody>
+      </p:sp>
+      <p:sp>
+        <p:nvSpPr>
+          <p:cNvPr id="13" name="Rectangle 12">
+            <a:extLst>
+              <a:ext uri="{FF2B5EF4-FFF2-40B4-BE49-F238E27FC236}">
+                <a16:creationId xmlns:a16="http://schemas.microsoft.com/office/drawing/2014/main" id="{29FDB030-9B49-4CED-8CCD-4D99382388AC}"/>
+              </a:ext>
+              <a:ext uri="{C183D7F6-B498-43B3-948B-1728B52AA6E4}">
+                <adec:decorative xmlns:adec="http://schemas.microsoft.com/office/drawing/2017/decorative" val="1"/>
+              </a:ext>
+            </a:extLst>
+          </p:cNvPr>
+          <p:cNvSpPr>
+            <a:spLocks noGrp="1" noRot="1" noChangeAspect="1" noMove="1" noResize="1" noEditPoints="1" noAdjustHandles="1" noChangeArrowheads="1" noChangeShapeType="1" noTextEdit="1"/>
+          </p:cNvSpPr>
+          <p:nvPr>
+            <p:extLst>
+              <p:ext uri="{386F3935-93C4-4BCD-93E2-E3B085C9AB24}">
+                <p16:designElem xmlns:p16="http://schemas.microsoft.com/office/powerpoint/2015/main" val="1"/>
+              </p:ext>
+            </p:extLst>
+          </p:nvPr>
+        </p:nvSpPr>
+        <p:spPr>
+          <a:xfrm rot="18900000" flipH="1">
+            <a:off x="891641" y="422146"/>
+            <a:ext cx="645368" cy="645368"/>
+          </a:xfrm>
+          <a:prstGeom prst="rect">
+            <a:avLst/>
+          </a:prstGeom>
+          <a:solidFill>
+            <a:schemeClr val="accent1">
+              <a:alpha val="30000"/>
+            </a:schemeClr>
+          </a:solidFill>
+          <a:ln>
+            <a:noFill/>
+          </a:ln>
+        </p:spPr>
+        <p:style>
+          <a:lnRef idx="2">
+            <a:schemeClr val="accent1">
+              <a:shade val="50000"/>
+            </a:schemeClr>
+          </a:lnRef>
+          <a:fillRef idx="1">
+            <a:schemeClr val="accent1"/>
+          </a:fillRef>
+          <a:effectRef idx="0">
+            <a:schemeClr val="accent1"/>
+          </a:effectRef>
+          <a:fontRef idx="minor">
+            <a:schemeClr val="lt1"/>
+          </a:fontRef>
+        </p:style>
+        <p:txBody>
+          <a:bodyPr rtlCol="0" anchor="ctr"/>
+          <a:lstStyle/>
+          <a:p>
+            <a:pPr algn="ctr"/>
+            <a:endParaRPr lang="en-US"/>
+          </a:p>
+        </p:txBody>
+      </p:sp>
+      <p:sp>
+        <p:nvSpPr>
+          <p:cNvPr id="15" name="Rectangle 14">
+            <a:extLst>
+              <a:ext uri="{FF2B5EF4-FFF2-40B4-BE49-F238E27FC236}">
+                <a16:creationId xmlns:a16="http://schemas.microsoft.com/office/drawing/2014/main" id="{3783CA14-24A1-485C-8B30-D6A5D87987AD}"/>
+              </a:ext>
+              <a:ext uri="{C183D7F6-B498-43B3-948B-1728B52AA6E4}">
+                <adec:decorative xmlns:adec="http://schemas.microsoft.com/office/drawing/2017/decorative" val="1"/>
+              </a:ext>
+            </a:extLst>
+          </p:cNvPr>
+          <p:cNvSpPr>
+            <a:spLocks noGrp="1" noRot="1" noChangeAspect="1" noMove="1" noResize="1" noEditPoints="1" noAdjustHandles="1" noChangeArrowheads="1" noChangeShapeType="1" noTextEdit="1"/>
+          </p:cNvSpPr>
+          <p:nvPr>
+            <p:extLst>
+              <p:ext uri="{386F3935-93C4-4BCD-93E2-E3B085C9AB24}">
+                <p16:designElem xmlns:p16="http://schemas.microsoft.com/office/powerpoint/2015/main" val="1"/>
+              </p:ext>
+            </p:extLst>
+          </p:nvPr>
+        </p:nvSpPr>
+        <p:spPr>
+          <a:xfrm rot="18900000" flipH="1">
+            <a:off x="10043482" y="655140"/>
+            <a:ext cx="687472" cy="687472"/>
+          </a:xfrm>
+          <a:prstGeom prst="rect">
+            <a:avLst/>
+          </a:prstGeom>
+          <a:solidFill>
+            <a:schemeClr val="accent4">
+              <a:alpha val="30000"/>
+            </a:schemeClr>
+          </a:solidFill>
+          <a:ln>
+            <a:noFill/>
+          </a:ln>
+        </p:spPr>
+        <p:style>
+          <a:lnRef idx="2">
+            <a:schemeClr val="accent1">
+              <a:shade val="50000"/>
+            </a:schemeClr>
+          </a:lnRef>
+          <a:fillRef idx="1">
+            <a:schemeClr val="accent1"/>
+          </a:fillRef>
+          <a:effectRef idx="0">
+            <a:schemeClr val="accent1"/>
+          </a:effectRef>
+          <a:fontRef idx="minor">
+            <a:schemeClr val="lt1"/>
+          </a:fontRef>
+        </p:style>
+        <p:txBody>
+          <a:bodyPr rtlCol="0" anchor="ctr"/>
+          <a:lstStyle/>
+          <a:p>
+            <a:pPr algn="ctr"/>
+            <a:endParaRPr lang="en-US"/>
+          </a:p>
+        </p:txBody>
+      </p:sp>
+      <p:sp>
+        <p:nvSpPr>
+          <p:cNvPr id="17" name="Freeform: Shape 16">
+            <a:extLst>
+              <a:ext uri="{FF2B5EF4-FFF2-40B4-BE49-F238E27FC236}">
+                <a16:creationId xmlns:a16="http://schemas.microsoft.com/office/drawing/2014/main" id="{9A97C86A-04D6-40F7-AE84-31AB43E6A846}"/>
+              </a:ext>
+              <a:ext uri="{C183D7F6-B498-43B3-948B-1728B52AA6E4}">
+                <adec:decorative xmlns:adec="http://schemas.microsoft.com/office/drawing/2017/decorative" val="1"/>
+              </a:ext>
+            </a:extLst>
+          </p:cNvPr>
+          <p:cNvSpPr>
+            <a:spLocks noGrp="1" noRot="1" noChangeAspect="1" noMove="1" noResize="1" noEditPoints="1" noAdjustHandles="1" noChangeArrowheads="1" noChangeShapeType="1" noTextEdit="1"/>
+          </p:cNvSpPr>
+          <p:nvPr>
+            <p:extLst>
+              <p:ext uri="{386F3935-93C4-4BCD-93E2-E3B085C9AB24}">
+                <p16:designElem xmlns:p16="http://schemas.microsoft.com/office/powerpoint/2015/main" val="1"/>
+              </p:ext>
+            </p:extLst>
+          </p:nvPr>
+        </p:nvSpPr>
+        <p:spPr>
+          <a:xfrm rot="10800000" flipH="1">
+            <a:off x="9356643" y="0"/>
+            <a:ext cx="2835357" cy="1480837"/>
+          </a:xfrm>
+          <a:custGeom>
+            <a:avLst/>
+            <a:gdLst>
+              <a:gd name="connsiteX0" fmla="*/ 2835357 w 2835357"/>
+              <a:gd name="connsiteY0" fmla="*/ 1480837 h 1480837"/>
+              <a:gd name="connsiteX1" fmla="*/ 0 w 2835357"/>
+              <a:gd name="connsiteY1" fmla="*/ 1480837 h 1480837"/>
+              <a:gd name="connsiteX2" fmla="*/ 1552727 w 2835357"/>
+              <a:gd name="connsiteY2" fmla="*/ 0 h 1480837"/>
+              <a:gd name="connsiteX3" fmla="*/ 2835357 w 2835357"/>
+              <a:gd name="connsiteY3" fmla="*/ 1223245 h 1480837"/>
+            </a:gdLst>
+            <a:ahLst/>
+            <a:cxnLst>
+              <a:cxn ang="0">
+                <a:pos x="connsiteX0" y="connsiteY0"/>
+              </a:cxn>
+              <a:cxn ang="0">
+                <a:pos x="connsiteX1" y="connsiteY1"/>
+              </a:cxn>
+              <a:cxn ang="0">
+                <a:pos x="connsiteX2" y="connsiteY2"/>
+              </a:cxn>
+              <a:cxn ang="0">
+                <a:pos x="connsiteX3" y="connsiteY3"/>
+              </a:cxn>
+            </a:cxnLst>
+            <a:rect l="l" t="t" r="r" b="b"/>
+            <a:pathLst>
+              <a:path w="2835357" h="1480837">
+                <a:moveTo>
+                  <a:pt x="2835357" y="1480837"/>
+                </a:moveTo>
+                <a:lnTo>
+                  <a:pt x="0" y="1480837"/>
+                </a:lnTo>
+                <a:lnTo>
+                  <a:pt x="1552727" y="0"/>
+                </a:lnTo>
+                <a:lnTo>
+                  <a:pt x="2835357" y="1223245"/>
+                </a:lnTo>
+                <a:close/>
+              </a:path>
+            </a:pathLst>
+          </a:custGeom>
+          <a:solidFill>
+            <a:schemeClr val="accent4">
+              <a:alpha val="30000"/>
+            </a:schemeClr>
+          </a:solidFill>
+          <a:ln>
+            <a:noFill/>
+          </a:ln>
+        </p:spPr>
+        <p:style>
+          <a:lnRef idx="2">
+            <a:schemeClr val="accent1">
+              <a:shade val="50000"/>
+            </a:schemeClr>
+          </a:lnRef>
+          <a:fillRef idx="1">
+            <a:schemeClr val="accent1"/>
+          </a:fillRef>
+          <a:effectRef idx="0">
+            <a:schemeClr val="accent1"/>
+          </a:effectRef>
+          <a:fontRef idx="minor">
+            <a:schemeClr val="lt1"/>
+          </a:fontRef>
+        </p:style>
+        <p:txBody>
+          <a:bodyPr wrap="square" rtlCol="0" anchor="ctr">
+            <a:noAutofit/>
+          </a:bodyPr>
+          <a:lstStyle/>
+          <a:p>
+            <a:pPr algn="ctr"/>
+            <a:endParaRPr lang="en-US" dirty="0"/>
+          </a:p>
+        </p:txBody>
+      </p:sp>
+      <p:sp>
+        <p:nvSpPr>
+          <p:cNvPr id="19" name="Isosceles Triangle 18">
+            <a:extLst>
+              <a:ext uri="{FF2B5EF4-FFF2-40B4-BE49-F238E27FC236}">
+                <a16:creationId xmlns:a16="http://schemas.microsoft.com/office/drawing/2014/main" id="{FF9F2414-84E8-453E-B1F3-389FDE8192D9}"/>
+              </a:ext>
+              <a:ext uri="{C183D7F6-B498-43B3-948B-1728B52AA6E4}">
+                <adec:decorative xmlns:adec="http://schemas.microsoft.com/office/drawing/2017/decorative" val="1"/>
+              </a:ext>
+            </a:extLst>
+          </p:cNvPr>
+          <p:cNvSpPr>
+            <a:spLocks noGrp="1" noRot="1" noChangeAspect="1" noMove="1" noResize="1" noEditPoints="1" noAdjustHandles="1" noChangeArrowheads="1" noChangeShapeType="1" noTextEdit="1"/>
+          </p:cNvSpPr>
+          <p:nvPr>
+            <p:extLst>
+              <p:ext uri="{386F3935-93C4-4BCD-93E2-E3B085C9AB24}">
+                <p16:designElem xmlns:p16="http://schemas.microsoft.com/office/powerpoint/2015/main" val="1"/>
+              </p:ext>
+            </p:extLst>
+          </p:nvPr>
+        </p:nvSpPr>
+        <p:spPr>
+          <a:xfrm flipH="1">
+            <a:off x="7976344" y="6115501"/>
+            <a:ext cx="1494513" cy="742499"/>
+          </a:xfrm>
+          <a:prstGeom prst="triangle">
+            <a:avLst/>
+          </a:prstGeom>
+          <a:solidFill>
+            <a:schemeClr val="accent1">
+              <a:alpha val="30000"/>
+            </a:schemeClr>
+          </a:solidFill>
+          <a:ln>
+            <a:noFill/>
+          </a:ln>
+        </p:spPr>
+        <p:style>
+          <a:lnRef idx="2">
+            <a:schemeClr val="accent1">
+              <a:shade val="50000"/>
+            </a:schemeClr>
+          </a:lnRef>
+          <a:fillRef idx="1">
+            <a:schemeClr val="accent1"/>
+          </a:fillRef>
+          <a:effectRef idx="0">
+            <a:schemeClr val="accent1"/>
+          </a:effectRef>
+          <a:fontRef idx="minor">
+            <a:schemeClr val="lt1"/>
+          </a:fontRef>
+        </p:style>
+        <p:txBody>
+          <a:bodyPr rtlCol="0" anchor="ctr"/>
+          <a:lstStyle/>
+          <a:p>
+            <a:pPr algn="ctr"/>
+            <a:endParaRPr lang="en-US"/>
+          </a:p>
+        </p:txBody>
+      </p:sp>
+      <p:pic>
+        <p:nvPicPr>
+          <p:cNvPr id="4" name="Picture 3">
+            <a:extLst>
+              <a:ext uri="{FF2B5EF4-FFF2-40B4-BE49-F238E27FC236}">
+                <a16:creationId xmlns:a16="http://schemas.microsoft.com/office/drawing/2014/main" id="{90B4F59C-986C-4C0B-87DE-13ABE56BB173}"/>
+              </a:ext>
+            </a:extLst>
+          </p:cNvPr>
+          <p:cNvPicPr>
+            <a:picLocks noChangeAspect="1"/>
+          </p:cNvPicPr>
+          <p:nvPr/>
+        </p:nvPicPr>
+        <p:blipFill>
+          <a:blip r:embed="rId2"/>
+          <a:stretch>
+            <a:fillRect/>
+          </a:stretch>
+        </p:blipFill>
+        <p:spPr>
+          <a:xfrm>
+            <a:off x="757980" y="1899358"/>
+            <a:ext cx="10905066" cy="3162468"/>
+          </a:xfrm>
+          <a:prstGeom prst="rect">
+            <a:avLst/>
+          </a:prstGeom>
+          <a:ln>
+            <a:noFill/>
+          </a:ln>
+        </p:spPr>
+      </p:pic>
+      <p:sp>
+        <p:nvSpPr>
+          <p:cNvPr id="21" name="Isosceles Triangle 20">
+            <a:extLst>
+              <a:ext uri="{FF2B5EF4-FFF2-40B4-BE49-F238E27FC236}">
+                <a16:creationId xmlns:a16="http://schemas.microsoft.com/office/drawing/2014/main" id="{3ECA69A1-7536-43AC-85EF-C7106179F5ED}"/>
+              </a:ext>
+              <a:ext uri="{C183D7F6-B498-43B3-948B-1728B52AA6E4}">
+                <adec:decorative xmlns:adec="http://schemas.microsoft.com/office/drawing/2017/decorative" val="1"/>
+              </a:ext>
+            </a:extLst>
+          </p:cNvPr>
+          <p:cNvSpPr>
+            <a:spLocks noGrp="1" noRot="1" noChangeAspect="1" noMove="1" noResize="1" noEditPoints="1" noAdjustHandles="1" noChangeArrowheads="1" noChangeShapeType="1" noTextEdit="1"/>
+          </p:cNvSpPr>
+          <p:nvPr>
+            <p:extLst>
+              <p:ext uri="{386F3935-93C4-4BCD-93E2-E3B085C9AB24}">
+                <p16:designElem xmlns:p16="http://schemas.microsoft.com/office/powerpoint/2015/main" val="1"/>
+              </p:ext>
+            </p:extLst>
+          </p:nvPr>
+        </p:nvSpPr>
+        <p:spPr>
+          <a:xfrm flipH="1">
+            <a:off x="7604080" y="6453143"/>
+            <a:ext cx="814903" cy="404857"/>
+          </a:xfrm>
+          <a:prstGeom prst="triangle">
+            <a:avLst/>
+          </a:prstGeom>
+          <a:solidFill>
+            <a:schemeClr val="accent1">
+              <a:alpha val="30000"/>
+            </a:schemeClr>
+          </a:solidFill>
+          <a:ln>
+            <a:noFill/>
+          </a:ln>
+        </p:spPr>
+        <p:style>
+          <a:lnRef idx="2">
+            <a:schemeClr val="accent1">
+              <a:shade val="50000"/>
+            </a:schemeClr>
+          </a:lnRef>
+          <a:fillRef idx="1">
+            <a:schemeClr val="accent1"/>
+          </a:fillRef>
+          <a:effectRef idx="0">
+            <a:schemeClr val="accent1"/>
+          </a:effectRef>
+          <a:fontRef idx="minor">
+            <a:schemeClr val="lt1"/>
+          </a:fontRef>
+        </p:style>
+        <p:txBody>
+          <a:bodyPr rtlCol="0" anchor="ctr"/>
+          <a:lstStyle/>
+          <a:p>
+            <a:pPr algn="ctr"/>
+            <a:endParaRPr lang="en-US"/>
+          </a:p>
+        </p:txBody>
+      </p:sp>
+    </p:spTree>
+    <p:extLst>
+      <p:ext uri="{BB962C8B-B14F-4D97-AF65-F5344CB8AC3E}">
+        <p14:creationId xmlns:p14="http://schemas.microsoft.com/office/powerpoint/2010/main" val="4276281161"/>
+      </p:ext>
+    </p:extLst>
+  </p:cSld>
+  <p:clrMapOvr>
+    <a:masterClrMapping/>
+  </p:clrMapOvr>
+</p:sld>
+</file>
+
+<file path=ppt/slides/slide18.xml><?xml version="1.0" encoding="utf-8"?>
+<p:sld xmlns:a="http://schemas.openxmlformats.org/drawingml/2006/main" xmlns:r="http://schemas.openxmlformats.org/officeDocument/2006/relationships" xmlns:p="http://schemas.openxmlformats.org/presentationml/2006/main">
+  <p:cSld>
+    <p:spTree>
+      <p:nvGrpSpPr>
+        <p:cNvPr id="1" name=""/>
+        <p:cNvGrpSpPr/>
+        <p:nvPr/>
+      </p:nvGrpSpPr>
+      <p:grpSpPr>
+        <a:xfrm>
+          <a:off x="0" y="0"/>
+          <a:ext cx="0" cy="0"/>
+          <a:chOff x="0" y="0"/>
+          <a:chExt cx="0" cy="0"/>
+        </a:xfrm>
+      </p:grpSpPr>
+      <p:pic>
+        <p:nvPicPr>
+          <p:cNvPr id="4" name="Picture 3">
+            <a:extLst>
+              <a:ext uri="{FF2B5EF4-FFF2-40B4-BE49-F238E27FC236}">
+                <a16:creationId xmlns:a16="http://schemas.microsoft.com/office/drawing/2014/main" id="{F696A360-FC90-4591-ADAF-8E419142FA52}"/>
+              </a:ext>
+            </a:extLst>
+          </p:cNvPr>
+          <p:cNvPicPr>
+            <a:picLocks noChangeAspect="1"/>
+          </p:cNvPicPr>
+          <p:nvPr/>
+        </p:nvPicPr>
+        <p:blipFill>
+          <a:blip r:embed="rId2"/>
+          <a:stretch>
+            <a:fillRect/>
+          </a:stretch>
+        </p:blipFill>
+        <p:spPr>
+          <a:xfrm>
+            <a:off x="0" y="228600"/>
+            <a:ext cx="12192000" cy="6144276"/>
+          </a:xfrm>
+          <a:prstGeom prst="rect">
+            <a:avLst/>
+          </a:prstGeom>
+        </p:spPr>
+      </p:pic>
+      <p:pic>
+        <p:nvPicPr>
+          <p:cNvPr id="5" name="Picture 4">
+            <a:extLst>
+              <a:ext uri="{FF2B5EF4-FFF2-40B4-BE49-F238E27FC236}">
+                <a16:creationId xmlns:a16="http://schemas.microsoft.com/office/drawing/2014/main" id="{A0CBCED9-46DA-4220-9A57-658F1D039A9D}"/>
+              </a:ext>
+            </a:extLst>
+          </p:cNvPr>
+          <p:cNvPicPr>
+            <a:picLocks noChangeAspect="1"/>
+          </p:cNvPicPr>
+          <p:nvPr/>
+        </p:nvPicPr>
+        <p:blipFill>
+          <a:blip r:embed="rId3"/>
+          <a:stretch>
+            <a:fillRect/>
+          </a:stretch>
+        </p:blipFill>
+        <p:spPr>
+          <a:xfrm>
+            <a:off x="4814887" y="3219450"/>
+            <a:ext cx="7267575" cy="1333500"/>
+          </a:xfrm>
+          <a:prstGeom prst="rect">
+            <a:avLst/>
+          </a:prstGeom>
+        </p:spPr>
+      </p:pic>
+    </p:spTree>
+    <p:extLst>
+      <p:ext uri="{BB962C8B-B14F-4D97-AF65-F5344CB8AC3E}">
+        <p14:creationId xmlns:p14="http://schemas.microsoft.com/office/powerpoint/2010/main" val="618227683"/>
       </p:ext>
     </p:extLst>
   </p:cSld>

--- a/03. Async JS/lecture.pptx
+++ b/03. Async JS/lecture.pptx
@@ -23,6 +23,7 @@
     <p:sldId id="271" r:id="rId17"/>
     <p:sldId id="272" r:id="rId18"/>
     <p:sldId id="273" r:id="rId19"/>
+    <p:sldId id="274" r:id="rId20"/>
   </p:sldIdLst>
   <p:sldSz cx="12192000" cy="6858000"/>
   <p:notesSz cx="6858000" cy="9144000"/>
@@ -6427,6 +6428,96 @@
     <p:extLst>
       <p:ext uri="{BB962C8B-B14F-4D97-AF65-F5344CB8AC3E}">
         <p14:creationId xmlns:p14="http://schemas.microsoft.com/office/powerpoint/2010/main" val="618227683"/>
+      </p:ext>
+    </p:extLst>
+  </p:cSld>
+  <p:clrMapOvr>
+    <a:masterClrMapping/>
+  </p:clrMapOvr>
+</p:sld>
+</file>
+
+<file path=ppt/slides/slide19.xml><?xml version="1.0" encoding="utf-8"?>
+<p:sld xmlns:a="http://schemas.openxmlformats.org/drawingml/2006/main" xmlns:r="http://schemas.openxmlformats.org/officeDocument/2006/relationships" xmlns:p="http://schemas.openxmlformats.org/presentationml/2006/main">
+  <p:cSld>
+    <p:spTree>
+      <p:nvGrpSpPr>
+        <p:cNvPr id="1" name=""/>
+        <p:cNvGrpSpPr/>
+        <p:nvPr/>
+      </p:nvGrpSpPr>
+      <p:grpSpPr>
+        <a:xfrm>
+          <a:off x="0" y="0"/>
+          <a:ext cx="0" cy="0"/>
+          <a:chOff x="0" y="0"/>
+          <a:chExt cx="0" cy="0"/>
+        </a:xfrm>
+      </p:grpSpPr>
+      <p:pic>
+        <p:nvPicPr>
+          <p:cNvPr id="4" name="Picture 3">
+            <a:extLst>
+              <a:ext uri="{FF2B5EF4-FFF2-40B4-BE49-F238E27FC236}">
+                <a16:creationId xmlns:a16="http://schemas.microsoft.com/office/drawing/2014/main" id="{F24CF0FB-35FA-493B-AF40-8F913700E31C}"/>
+              </a:ext>
+            </a:extLst>
+          </p:cNvPr>
+          <p:cNvPicPr>
+            <a:picLocks noChangeAspect="1"/>
+          </p:cNvPicPr>
+          <p:nvPr/>
+        </p:nvPicPr>
+        <p:blipFill>
+          <a:blip r:embed="rId2"/>
+          <a:stretch>
+            <a:fillRect/>
+          </a:stretch>
+        </p:blipFill>
+        <p:spPr>
+          <a:xfrm>
+            <a:off x="0" y="538192"/>
+            <a:ext cx="12192000" cy="2890808"/>
+          </a:xfrm>
+          <a:prstGeom prst="rect">
+            <a:avLst/>
+          </a:prstGeom>
+        </p:spPr>
+      </p:pic>
+      <p:pic>
+        <p:nvPicPr>
+          <p:cNvPr id="5" name="Picture 4">
+            <a:extLst>
+              <a:ext uri="{FF2B5EF4-FFF2-40B4-BE49-F238E27FC236}">
+                <a16:creationId xmlns:a16="http://schemas.microsoft.com/office/drawing/2014/main" id="{900D9F43-94B4-40F5-83F1-01ECB3054C9C}"/>
+              </a:ext>
+            </a:extLst>
+          </p:cNvPr>
+          <p:cNvPicPr>
+            <a:picLocks noChangeAspect="1"/>
+          </p:cNvPicPr>
+          <p:nvPr/>
+        </p:nvPicPr>
+        <p:blipFill>
+          <a:blip r:embed="rId3"/>
+          <a:stretch>
+            <a:fillRect/>
+          </a:stretch>
+        </p:blipFill>
+        <p:spPr>
+          <a:xfrm>
+            <a:off x="0" y="2490847"/>
+            <a:ext cx="9239250" cy="4029075"/>
+          </a:xfrm>
+          <a:prstGeom prst="rect">
+            <a:avLst/>
+          </a:prstGeom>
+        </p:spPr>
+      </p:pic>
+    </p:spTree>
+    <p:extLst>
+      <p:ext uri="{BB962C8B-B14F-4D97-AF65-F5344CB8AC3E}">
+        <p14:creationId xmlns:p14="http://schemas.microsoft.com/office/powerpoint/2010/main" val="182538622"/>
       </p:ext>
     </p:extLst>
   </p:cSld>

--- a/03. Async JS/lecture.pptx
+++ b/03. Async JS/lecture.pptx
@@ -5,25 +5,24 @@
     <p:sldMasterId id="2147483648" r:id="rId1"/>
   </p:sldMasterIdLst>
   <p:sldIdLst>
-    <p:sldId id="256" r:id="rId2"/>
-    <p:sldId id="257" r:id="rId3"/>
-    <p:sldId id="263" r:id="rId4"/>
-    <p:sldId id="258" r:id="rId5"/>
-    <p:sldId id="259" r:id="rId6"/>
-    <p:sldId id="261" r:id="rId7"/>
-    <p:sldId id="262" r:id="rId8"/>
-    <p:sldId id="264" r:id="rId9"/>
-    <p:sldId id="265" r:id="rId10"/>
-    <p:sldId id="266" r:id="rId11"/>
-    <p:sldId id="268" r:id="rId12"/>
-    <p:sldId id="260" r:id="rId13"/>
-    <p:sldId id="267" r:id="rId14"/>
-    <p:sldId id="269" r:id="rId15"/>
-    <p:sldId id="270" r:id="rId16"/>
-    <p:sldId id="271" r:id="rId17"/>
-    <p:sldId id="272" r:id="rId18"/>
-    <p:sldId id="273" r:id="rId19"/>
-    <p:sldId id="274" r:id="rId20"/>
+    <p:sldId id="263" r:id="rId2"/>
+    <p:sldId id="258" r:id="rId3"/>
+    <p:sldId id="259" r:id="rId4"/>
+    <p:sldId id="261" r:id="rId5"/>
+    <p:sldId id="262" r:id="rId6"/>
+    <p:sldId id="275" r:id="rId7"/>
+    <p:sldId id="264" r:id="rId8"/>
+    <p:sldId id="265" r:id="rId9"/>
+    <p:sldId id="266" r:id="rId10"/>
+    <p:sldId id="268" r:id="rId11"/>
+    <p:sldId id="260" r:id="rId12"/>
+    <p:sldId id="267" r:id="rId13"/>
+    <p:sldId id="269" r:id="rId14"/>
+    <p:sldId id="270" r:id="rId15"/>
+    <p:sldId id="271" r:id="rId16"/>
+    <p:sldId id="272" r:id="rId17"/>
+    <p:sldId id="273" r:id="rId18"/>
+    <p:sldId id="274" r:id="rId19"/>
   </p:sldIdLst>
   <p:sldSz cx="12192000" cy="6858000"/>
   <p:notesSz cx="6858000" cy="9144000"/>
@@ -277,7 +276,7 @@
           <a:p>
             <a:fld id="{D883871B-DB0C-4DA8-8F99-FC2241E6FFF9}" type="datetimeFigureOut">
               <a:rPr lang="en-US" smtClean="0"/>
-              <a:t>3/4/2021</a:t>
+              <a:t>3/6/2022</a:t>
             </a:fld>
             <a:endParaRPr lang="en-US"/>
           </a:p>
@@ -475,7 +474,7 @@
           <a:p>
             <a:fld id="{D883871B-DB0C-4DA8-8F99-FC2241E6FFF9}" type="datetimeFigureOut">
               <a:rPr lang="en-US" smtClean="0"/>
-              <a:t>3/4/2021</a:t>
+              <a:t>3/6/2022</a:t>
             </a:fld>
             <a:endParaRPr lang="en-US"/>
           </a:p>
@@ -683,7 +682,7 @@
           <a:p>
             <a:fld id="{D883871B-DB0C-4DA8-8F99-FC2241E6FFF9}" type="datetimeFigureOut">
               <a:rPr lang="en-US" smtClean="0"/>
-              <a:t>3/4/2021</a:t>
+              <a:t>3/6/2022</a:t>
             </a:fld>
             <a:endParaRPr lang="en-US"/>
           </a:p>
@@ -881,7 +880,7 @@
           <a:p>
             <a:fld id="{D883871B-DB0C-4DA8-8F99-FC2241E6FFF9}" type="datetimeFigureOut">
               <a:rPr lang="en-US" smtClean="0"/>
-              <a:t>3/4/2021</a:t>
+              <a:t>3/6/2022</a:t>
             </a:fld>
             <a:endParaRPr lang="en-US"/>
           </a:p>
@@ -1156,7 +1155,7 @@
           <a:p>
             <a:fld id="{D883871B-DB0C-4DA8-8F99-FC2241E6FFF9}" type="datetimeFigureOut">
               <a:rPr lang="en-US" smtClean="0"/>
-              <a:t>3/4/2021</a:t>
+              <a:t>3/6/2022</a:t>
             </a:fld>
             <a:endParaRPr lang="en-US"/>
           </a:p>
@@ -1421,7 +1420,7 @@
           <a:p>
             <a:fld id="{D883871B-DB0C-4DA8-8F99-FC2241E6FFF9}" type="datetimeFigureOut">
               <a:rPr lang="en-US" smtClean="0"/>
-              <a:t>3/4/2021</a:t>
+              <a:t>3/6/2022</a:t>
             </a:fld>
             <a:endParaRPr lang="en-US"/>
           </a:p>
@@ -1833,7 +1832,7 @@
           <a:p>
             <a:fld id="{D883871B-DB0C-4DA8-8F99-FC2241E6FFF9}" type="datetimeFigureOut">
               <a:rPr lang="en-US" smtClean="0"/>
-              <a:t>3/4/2021</a:t>
+              <a:t>3/6/2022</a:t>
             </a:fld>
             <a:endParaRPr lang="en-US"/>
           </a:p>
@@ -1974,7 +1973,7 @@
           <a:p>
             <a:fld id="{D883871B-DB0C-4DA8-8F99-FC2241E6FFF9}" type="datetimeFigureOut">
               <a:rPr lang="en-US" smtClean="0"/>
-              <a:t>3/4/2021</a:t>
+              <a:t>3/6/2022</a:t>
             </a:fld>
             <a:endParaRPr lang="en-US"/>
           </a:p>
@@ -2087,7 +2086,7 @@
           <a:p>
             <a:fld id="{D883871B-DB0C-4DA8-8F99-FC2241E6FFF9}" type="datetimeFigureOut">
               <a:rPr lang="en-US" smtClean="0"/>
-              <a:t>3/4/2021</a:t>
+              <a:t>3/6/2022</a:t>
             </a:fld>
             <a:endParaRPr lang="en-US"/>
           </a:p>
@@ -2398,7 +2397,7 @@
           <a:p>
             <a:fld id="{D883871B-DB0C-4DA8-8F99-FC2241E6FFF9}" type="datetimeFigureOut">
               <a:rPr lang="en-US" smtClean="0"/>
-              <a:t>3/4/2021</a:t>
+              <a:t>3/6/2022</a:t>
             </a:fld>
             <a:endParaRPr lang="en-US"/>
           </a:p>
@@ -2686,7 +2685,7 @@
           <a:p>
             <a:fld id="{D883871B-DB0C-4DA8-8F99-FC2241E6FFF9}" type="datetimeFigureOut">
               <a:rPr lang="en-US" smtClean="0"/>
-              <a:t>3/4/2021</a:t>
+              <a:t>3/6/2022</a:t>
             </a:fld>
             <a:endParaRPr lang="en-US"/>
           </a:p>
@@ -2927,7 +2926,7 @@
           <a:p>
             <a:fld id="{D883871B-DB0C-4DA8-8F99-FC2241E6FFF9}" type="datetimeFigureOut">
               <a:rPr lang="en-US" smtClean="0"/>
-              <a:t>3/4/2021</a:t>
+              <a:t>3/6/2022</a:t>
             </a:fld>
             <a:endParaRPr lang="en-US"/>
           </a:p>
@@ -3344,545 +3343,12 @@
           <a:chExt cx="0" cy="0"/>
         </a:xfrm>
       </p:grpSpPr>
-      <p:sp>
-        <p:nvSpPr>
-          <p:cNvPr id="3" name="Subtitle 2">
-            <a:extLst>
-              <a:ext uri="{FF2B5EF4-FFF2-40B4-BE49-F238E27FC236}">
-                <a16:creationId xmlns:a16="http://schemas.microsoft.com/office/drawing/2014/main" id="{831B193C-CBD8-4937-B12D-279F14260FFE}"/>
-              </a:ext>
-            </a:extLst>
-          </p:cNvPr>
-          <p:cNvSpPr>
-            <a:spLocks noGrp="1"/>
-          </p:cNvSpPr>
-          <p:nvPr>
-            <p:ph type="subTitle" idx="1"/>
-          </p:nvPr>
-        </p:nvSpPr>
-        <p:spPr>
-          <a:xfrm>
-            <a:off x="481012" y="3699693"/>
-            <a:ext cx="11229975" cy="2470288"/>
-          </a:xfrm>
-        </p:spPr>
-        <p:txBody>
-          <a:bodyPr>
-            <a:normAutofit/>
-          </a:bodyPr>
-          <a:lstStyle/>
-          <a:p>
-            <a:pPr algn="just"/>
-            <a:r>
-              <a:rPr lang="ru-RU" dirty="0"/>
-              <a:t>Уеб </a:t>
-            </a:r>
-            <a:r>
-              <a:rPr lang="ru-RU" dirty="0" err="1"/>
-              <a:t>базирана</a:t>
-            </a:r>
-            <a:r>
-              <a:rPr lang="ru-RU" dirty="0"/>
-              <a:t> услуга за </a:t>
-            </a:r>
-            <a:r>
-              <a:rPr lang="ru-RU" dirty="0" err="1"/>
-              <a:t>разполагане</a:t>
-            </a:r>
-            <a:r>
-              <a:rPr lang="ru-RU" dirty="0"/>
-              <a:t> на </a:t>
-            </a:r>
-            <a:r>
-              <a:rPr lang="ru-RU" dirty="0" err="1"/>
-              <a:t>софтуерни</a:t>
-            </a:r>
-            <a:r>
-              <a:rPr lang="ru-RU" dirty="0"/>
-              <a:t> </a:t>
-            </a:r>
-            <a:r>
-              <a:rPr lang="ru-RU" dirty="0" err="1"/>
-              <a:t>проекти</a:t>
-            </a:r>
-            <a:r>
-              <a:rPr lang="ru-RU" dirty="0"/>
-              <a:t> </a:t>
-            </a:r>
-            <a:r>
-              <a:rPr lang="ru-RU" dirty="0" err="1"/>
-              <a:t>върху</a:t>
-            </a:r>
-            <a:r>
-              <a:rPr lang="ru-RU" dirty="0"/>
-              <a:t> </a:t>
-            </a:r>
-            <a:r>
-              <a:rPr lang="ru-RU" dirty="0" err="1"/>
-              <a:t>отдалечен</a:t>
-            </a:r>
-            <a:r>
-              <a:rPr lang="ru-RU" dirty="0"/>
-              <a:t> интернет </a:t>
-            </a:r>
-            <a:r>
-              <a:rPr lang="ru-RU" dirty="0" err="1"/>
-              <a:t>сървър</a:t>
-            </a:r>
-            <a:r>
-              <a:rPr lang="ru-RU" dirty="0"/>
-              <a:t> в </a:t>
-            </a:r>
-            <a:r>
-              <a:rPr lang="ru-RU" dirty="0" err="1"/>
-              <a:t>т.нар</a:t>
-            </a:r>
-            <a:r>
-              <a:rPr lang="ru-RU" dirty="0"/>
-              <a:t>. </a:t>
-            </a:r>
-            <a:r>
-              <a:rPr lang="en-US" dirty="0"/>
-              <a:t>x</a:t>
-            </a:r>
-            <a:r>
-              <a:rPr lang="ru-RU" dirty="0" err="1"/>
-              <a:t>ранилище</a:t>
-            </a:r>
-            <a:r>
-              <a:rPr lang="en-US" dirty="0"/>
-              <a:t>. </a:t>
-            </a:r>
-            <a:r>
-              <a:rPr lang="ru-RU" dirty="0" err="1"/>
-              <a:t>Базира</a:t>
-            </a:r>
-            <a:r>
-              <a:rPr lang="ru-RU" dirty="0"/>
-              <a:t> се на </a:t>
-            </a:r>
-            <a:r>
-              <a:rPr lang="ru-RU" dirty="0" err="1"/>
-              <a:t>Git</a:t>
-            </a:r>
-            <a:r>
-              <a:rPr lang="ru-RU" dirty="0"/>
-              <a:t> </a:t>
-            </a:r>
-            <a:r>
-              <a:rPr lang="ru-RU" dirty="0" err="1"/>
-              <a:t>системите</a:t>
-            </a:r>
-            <a:r>
-              <a:rPr lang="ru-RU" dirty="0"/>
-              <a:t> за </a:t>
-            </a:r>
-            <a:r>
-              <a:rPr lang="ru-RU" dirty="0" err="1"/>
-              <a:t>контрол</a:t>
-            </a:r>
-            <a:r>
-              <a:rPr lang="ru-RU" dirty="0"/>
-              <a:t> и управление на </a:t>
-            </a:r>
-            <a:r>
-              <a:rPr lang="ru-RU" dirty="0" err="1"/>
-              <a:t>версиите</a:t>
-            </a:r>
-            <a:r>
-              <a:rPr lang="en-US" dirty="0"/>
-              <a:t> </a:t>
-            </a:r>
-            <a:r>
-              <a:rPr lang="bg-BG" dirty="0"/>
-              <a:t>В това </a:t>
-            </a:r>
-            <a:r>
-              <a:rPr lang="ru-RU" dirty="0"/>
-              <a:t>хранилище се </a:t>
-            </a:r>
-            <a:r>
-              <a:rPr lang="ru-RU" dirty="0" err="1"/>
-              <a:t>съхраняват</a:t>
-            </a:r>
-            <a:r>
-              <a:rPr lang="ru-RU" dirty="0"/>
-              <a:t> </a:t>
-            </a:r>
-            <a:r>
-              <a:rPr lang="ru-RU" dirty="0" err="1"/>
-              <a:t>файлове</a:t>
-            </a:r>
-            <a:r>
-              <a:rPr lang="ru-RU" dirty="0"/>
-              <a:t> на </a:t>
-            </a:r>
-            <a:r>
-              <a:rPr lang="ru-RU" dirty="0" err="1"/>
-              <a:t>проекти</a:t>
-            </a:r>
-            <a:r>
-              <a:rPr lang="ru-RU" dirty="0"/>
-              <a:t>. </a:t>
-            </a:r>
-            <a:r>
-              <a:rPr lang="ru-RU" dirty="0" err="1"/>
-              <a:t>Когато</a:t>
-            </a:r>
-            <a:r>
-              <a:rPr lang="ru-RU" dirty="0"/>
-              <a:t> </a:t>
-            </a:r>
-            <a:r>
-              <a:rPr lang="ru-RU" dirty="0" err="1"/>
-              <a:t>някой</a:t>
-            </a:r>
-            <a:r>
-              <a:rPr lang="ru-RU" dirty="0"/>
-              <a:t> </a:t>
-            </a:r>
-            <a:r>
-              <a:rPr lang="ru-RU" dirty="0" err="1"/>
-              <a:t>започне</a:t>
-            </a:r>
-            <a:r>
-              <a:rPr lang="ru-RU" dirty="0"/>
-              <a:t> да </a:t>
-            </a:r>
-            <a:r>
-              <a:rPr lang="ru-RU" dirty="0" err="1"/>
-              <a:t>работи</a:t>
-            </a:r>
-            <a:r>
-              <a:rPr lang="ru-RU" dirty="0"/>
-              <a:t> по проект, той </a:t>
-            </a:r>
-            <a:r>
-              <a:rPr lang="ru-RU" dirty="0" err="1"/>
-              <a:t>създава</a:t>
-            </a:r>
-            <a:r>
-              <a:rPr lang="ru-RU" dirty="0"/>
-              <a:t> </a:t>
-            </a:r>
-            <a:r>
-              <a:rPr lang="ru-RU" dirty="0" err="1"/>
-              <a:t>копие</a:t>
-            </a:r>
-            <a:r>
-              <a:rPr lang="ru-RU" dirty="0"/>
-              <a:t> на </a:t>
-            </a:r>
-            <a:r>
-              <a:rPr lang="ru-RU" dirty="0" err="1"/>
-              <a:t>файловете</a:t>
-            </a:r>
-            <a:r>
-              <a:rPr lang="ru-RU" dirty="0"/>
-              <a:t> от </a:t>
-            </a:r>
-            <a:r>
-              <a:rPr lang="ru-RU" dirty="0" err="1"/>
-              <a:t>това</a:t>
-            </a:r>
-            <a:r>
-              <a:rPr lang="ru-RU" dirty="0"/>
-              <a:t> хранилище на </a:t>
-            </a:r>
-            <a:r>
-              <a:rPr lang="ru-RU" dirty="0" err="1"/>
-              <a:t>своята</a:t>
-            </a:r>
-            <a:r>
-              <a:rPr lang="ru-RU" dirty="0"/>
-              <a:t> система и </a:t>
-            </a:r>
-            <a:r>
-              <a:rPr lang="ru-RU" dirty="0" err="1"/>
-              <a:t>работи</a:t>
-            </a:r>
-            <a:r>
-              <a:rPr lang="ru-RU" dirty="0"/>
-              <a:t> с </a:t>
-            </a:r>
-            <a:r>
-              <a:rPr lang="ru-RU" dirty="0" err="1"/>
-              <a:t>тези</a:t>
-            </a:r>
-            <a:r>
-              <a:rPr lang="ru-RU" dirty="0"/>
-              <a:t> копия. В </a:t>
-            </a:r>
-            <a:r>
-              <a:rPr lang="ru-RU" dirty="0" err="1"/>
-              <a:t>процеса</a:t>
-            </a:r>
-            <a:r>
-              <a:rPr lang="ru-RU" dirty="0"/>
-              <a:t> на работа </a:t>
-            </a:r>
-            <a:r>
-              <a:rPr lang="ru-RU" dirty="0" err="1"/>
-              <a:t>потребителят</a:t>
-            </a:r>
-            <a:r>
-              <a:rPr lang="ru-RU" dirty="0"/>
-              <a:t> </a:t>
-            </a:r>
-            <a:r>
-              <a:rPr lang="ru-RU" dirty="0" err="1"/>
-              <a:t>може</a:t>
-            </a:r>
-            <a:r>
-              <a:rPr lang="ru-RU" dirty="0"/>
-              <a:t> да </a:t>
-            </a:r>
-            <a:r>
-              <a:rPr lang="ru-RU" dirty="0" err="1"/>
-              <a:t>изпраща</a:t>
-            </a:r>
-            <a:r>
-              <a:rPr lang="ru-RU" dirty="0"/>
-              <a:t> </a:t>
-            </a:r>
-            <a:r>
-              <a:rPr lang="ru-RU" dirty="0" err="1"/>
-              <a:t>към</a:t>
-            </a:r>
-            <a:r>
-              <a:rPr lang="ru-RU" dirty="0"/>
-              <a:t> </a:t>
-            </a:r>
-            <a:r>
-              <a:rPr lang="ru-RU" dirty="0" err="1"/>
-              <a:t>хранилището</a:t>
-            </a:r>
-            <a:r>
-              <a:rPr lang="ru-RU" dirty="0"/>
-              <a:t> </a:t>
-            </a:r>
-            <a:r>
-              <a:rPr lang="ru-RU" dirty="0" err="1"/>
-              <a:t>направени</a:t>
-            </a:r>
-            <a:r>
-              <a:rPr lang="ru-RU" dirty="0"/>
-              <a:t> от него </a:t>
-            </a:r>
-            <a:r>
-              <a:rPr lang="ru-RU" dirty="0" err="1"/>
-              <a:t>промени</a:t>
-            </a:r>
-            <a:r>
-              <a:rPr lang="ru-RU" dirty="0"/>
-              <a:t> и да </a:t>
-            </a:r>
-            <a:r>
-              <a:rPr lang="ru-RU" dirty="0" err="1"/>
-              <a:t>получава</a:t>
-            </a:r>
-            <a:r>
-              <a:rPr lang="ru-RU" dirty="0"/>
-              <a:t> </a:t>
-            </a:r>
-            <a:r>
-              <a:rPr lang="ru-RU" dirty="0" err="1"/>
-              <a:t>промени</a:t>
-            </a:r>
-            <a:r>
-              <a:rPr lang="ru-RU" dirty="0"/>
-              <a:t>, </a:t>
-            </a:r>
-            <a:r>
-              <a:rPr lang="ru-RU" dirty="0" err="1"/>
-              <a:t>направени</a:t>
-            </a:r>
-            <a:r>
-              <a:rPr lang="ru-RU" dirty="0"/>
-              <a:t> по проекта от </a:t>
-            </a:r>
-            <a:r>
-              <a:rPr lang="ru-RU" dirty="0" err="1"/>
-              <a:t>други</a:t>
-            </a:r>
-            <a:r>
-              <a:rPr lang="ru-RU" dirty="0"/>
-              <a:t> хора</a:t>
-            </a:r>
-            <a:r>
-              <a:rPr lang="en-US" dirty="0"/>
-              <a:t>)</a:t>
-            </a:r>
-            <a:r>
-              <a:rPr lang="ru-RU" dirty="0"/>
-              <a:t>.</a:t>
-            </a:r>
-            <a:endParaRPr lang="en-US" dirty="0"/>
-          </a:p>
-        </p:txBody>
-      </p:sp>
-      <p:pic>
-        <p:nvPicPr>
-          <p:cNvPr id="1028" name="Picture 4" descr="Join GitHub · GitHub">
-            <a:extLst>
-              <a:ext uri="{FF2B5EF4-FFF2-40B4-BE49-F238E27FC236}">
-                <a16:creationId xmlns:a16="http://schemas.microsoft.com/office/drawing/2014/main" id="{FEB4976D-CEE7-46FF-B8B1-0A46D38270C1}"/>
-              </a:ext>
-            </a:extLst>
-          </p:cNvPr>
-          <p:cNvPicPr>
-            <a:picLocks noChangeAspect="1" noChangeArrowheads="1"/>
-          </p:cNvPicPr>
-          <p:nvPr/>
-        </p:nvPicPr>
-        <p:blipFill>
-          <a:blip r:embed="rId2">
-            <a:extLst>
-              <a:ext uri="{BEBA8EAE-BF5A-486C-A8C5-ECC9F3942E4B}">
-                <a14:imgProps xmlns:a14="http://schemas.microsoft.com/office/drawing/2010/main">
-                  <a14:imgLayer r:embed="rId3">
-                    <a14:imgEffect>
-                      <a14:backgroundRemoval t="10000" b="90000" l="10000" r="90000"/>
-                    </a14:imgEffect>
-                  </a14:imgLayer>
-                </a14:imgProps>
-              </a:ext>
-              <a:ext uri="{28A0092B-C50C-407E-A947-70E740481C1C}">
-                <a14:useLocalDpi xmlns:a14="http://schemas.microsoft.com/office/drawing/2010/main" val="0"/>
-              </a:ext>
-            </a:extLst>
-          </a:blip>
-          <a:srcRect/>
-          <a:stretch>
-            <a:fillRect/>
-          </a:stretch>
-        </p:blipFill>
-        <p:spPr bwMode="auto">
-          <a:xfrm>
-            <a:off x="7543799" y="-111453"/>
-            <a:ext cx="4724769" cy="2480504"/>
-          </a:xfrm>
-          <a:prstGeom prst="roundRect">
-            <a:avLst>
-              <a:gd name="adj" fmla="val 16667"/>
-            </a:avLst>
-          </a:prstGeom>
-          <a:ln>
-            <a:noFill/>
-          </a:ln>
-          <a:effectLst>
-            <a:outerShdw blurRad="76200" dist="38100" dir="7800000" algn="tl" rotWithShape="0">
-              <a:srgbClr val="000000">
-                <a:alpha val="40000"/>
-              </a:srgbClr>
-            </a:outerShdw>
-          </a:effectLst>
-          <a:scene3d>
-            <a:camera prst="orthographicFront"/>
-            <a:lightRig rig="contrasting" dir="t">
-              <a:rot lat="0" lon="0" rev="4200000"/>
-            </a:lightRig>
-          </a:scene3d>
-          <a:sp3d prstMaterial="plastic">
-            <a:bevelT w="381000" h="114300" prst="relaxedInset"/>
-            <a:contourClr>
-              <a:srgbClr val="969696"/>
-            </a:contourClr>
-          </a:sp3d>
-          <a:extLst>
-            <a:ext uri="{909E8E84-426E-40DD-AFC4-6F175D3DCCD1}">
-              <a14:hiddenFill xmlns:a14="http://schemas.microsoft.com/office/drawing/2010/main">
-                <a:solidFill>
-                  <a:srgbClr val="FFFFFF"/>
-                </a:solidFill>
-              </a14:hiddenFill>
-            </a:ext>
-          </a:extLst>
-        </p:spPr>
-      </p:pic>
-      <p:pic>
-        <p:nvPicPr>
-          <p:cNvPr id="6" name="Picture 2" descr="Лого на GitHub">
-            <a:extLst>
-              <a:ext uri="{FF2B5EF4-FFF2-40B4-BE49-F238E27FC236}">
-                <a16:creationId xmlns:a16="http://schemas.microsoft.com/office/drawing/2014/main" id="{4D87EB2E-8B98-4D95-971E-22ACF9F28960}"/>
-              </a:ext>
-            </a:extLst>
-          </p:cNvPr>
-          <p:cNvPicPr>
-            <a:picLocks noChangeAspect="1" noChangeArrowheads="1"/>
-          </p:cNvPicPr>
-          <p:nvPr/>
-        </p:nvPicPr>
-        <p:blipFill>
-          <a:blip r:embed="rId4">
-            <a:extLst>
-              <a:ext uri="{28A0092B-C50C-407E-A947-70E740481C1C}">
-                <a14:useLocalDpi xmlns:a14="http://schemas.microsoft.com/office/drawing/2010/main" val="0"/>
-              </a:ext>
-            </a:extLst>
-          </a:blip>
-          <a:srcRect/>
-          <a:stretch>
-            <a:fillRect/>
-          </a:stretch>
-        </p:blipFill>
-        <p:spPr bwMode="auto">
-          <a:xfrm>
-            <a:off x="2505075" y="1581309"/>
-            <a:ext cx="7181850" cy="1937603"/>
-          </a:xfrm>
-          <a:prstGeom prst="rect">
-            <a:avLst/>
-          </a:prstGeom>
-          <a:noFill/>
-          <a:extLst>
-            <a:ext uri="{909E8E84-426E-40DD-AFC4-6F175D3DCCD1}">
-              <a14:hiddenFill xmlns:a14="http://schemas.microsoft.com/office/drawing/2010/main">
-                <a:solidFill>
-                  <a:srgbClr val="FFFFFF"/>
-                </a:solidFill>
-              </a14:hiddenFill>
-            </a:ext>
-          </a:extLst>
-        </p:spPr>
-      </p:pic>
-    </p:spTree>
-    <p:extLst>
-      <p:ext uri="{BB962C8B-B14F-4D97-AF65-F5344CB8AC3E}">
-        <p14:creationId xmlns:p14="http://schemas.microsoft.com/office/powerpoint/2010/main" val="1847923635"/>
-      </p:ext>
-    </p:extLst>
-  </p:cSld>
-  <p:clrMapOvr>
-    <a:masterClrMapping/>
-  </p:clrMapOvr>
-</p:sld>
-</file>
-
-<file path=ppt/slides/slide10.xml><?xml version="1.0" encoding="utf-8"?>
-<p:sld xmlns:a="http://schemas.openxmlformats.org/drawingml/2006/main" xmlns:r="http://schemas.openxmlformats.org/officeDocument/2006/relationships" xmlns:p="http://schemas.openxmlformats.org/presentationml/2006/main">
-  <p:cSld>
-    <p:spTree>
-      <p:nvGrpSpPr>
-        <p:cNvPr id="1" name=""/>
-        <p:cNvGrpSpPr/>
-        <p:nvPr/>
-      </p:nvGrpSpPr>
-      <p:grpSpPr>
-        <a:xfrm>
-          <a:off x="0" y="0"/>
-          <a:ext cx="0" cy="0"/>
-          <a:chOff x="0" y="0"/>
-          <a:chExt cx="0" cy="0"/>
-        </a:xfrm>
-      </p:grpSpPr>
       <p:pic>
         <p:nvPicPr>
           <p:cNvPr id="4" name="Picture 3">
             <a:extLst>
               <a:ext uri="{FF2B5EF4-FFF2-40B4-BE49-F238E27FC236}">
-                <a16:creationId xmlns:a16="http://schemas.microsoft.com/office/drawing/2014/main" id="{E30292C5-A265-4BB8-8F31-FD4E0E770D5D}"/>
+                <a16:creationId xmlns:a16="http://schemas.microsoft.com/office/drawing/2014/main" id="{155C61E0-CC53-499F-9BCD-0BA16AC9BB60}"/>
               </a:ext>
             </a:extLst>
           </p:cNvPr>
@@ -3899,30 +3365,20 @@
         </p:blipFill>
         <p:spPr>
           <a:xfrm>
-            <a:off x="0" y="1000803"/>
-            <a:ext cx="12192000" cy="5708650"/>
+            <a:off x="623887" y="940310"/>
+            <a:ext cx="10944225" cy="5800725"/>
           </a:xfrm>
           <a:prstGeom prst="rect">
             <a:avLst/>
           </a:prstGeom>
-          <a:ln>
-            <a:noFill/>
-          </a:ln>
-          <a:effectLst>
-            <a:outerShdw blurRad="190500" algn="tl" rotWithShape="0">
-              <a:srgbClr val="000000">
-                <a:alpha val="70000"/>
-              </a:srgbClr>
-            </a:outerShdw>
-          </a:effectLst>
         </p:spPr>
       </p:pic>
       <p:sp>
         <p:nvSpPr>
-          <p:cNvPr id="5" name="Rectangle 4">
-            <a:extLst>
-              <a:ext uri="{FF2B5EF4-FFF2-40B4-BE49-F238E27FC236}">
-                <a16:creationId xmlns:a16="http://schemas.microsoft.com/office/drawing/2014/main" id="{27276953-BDFB-49C8-A469-36F7EB827643}"/>
+          <p:cNvPr id="6" name="Rectangle 5">
+            <a:extLst>
+              <a:ext uri="{FF2B5EF4-FFF2-40B4-BE49-F238E27FC236}">
+                <a16:creationId xmlns:a16="http://schemas.microsoft.com/office/drawing/2014/main" id="{BE8E3CDC-96E6-42A2-AF00-19E117E3C4DD}"/>
               </a:ext>
             </a:extLst>
           </p:cNvPr>
@@ -3931,30 +3387,164 @@
         </p:nvSpPr>
         <p:spPr>
           <a:xfrm>
-            <a:off x="1589102" y="477020"/>
-            <a:ext cx="10209321" cy="400110"/>
+            <a:off x="-564606" y="170869"/>
+            <a:ext cx="13321212" cy="769441"/>
           </a:xfrm>
           <a:prstGeom prst="rect">
             <a:avLst/>
           </a:prstGeom>
-        </p:spPr>
-        <p:txBody>
-          <a:bodyPr wrap="square">
+          <a:noFill/>
+        </p:spPr>
+        <p:txBody>
+          <a:bodyPr wrap="square" lIns="91440" tIns="45720" rIns="91440" bIns="45720">
             <a:spAutoFit/>
           </a:bodyPr>
           <a:lstStyle/>
           <a:p>
-            <a:r>
-              <a:rPr lang="en-US" sz="2000" dirty="0"/>
-              <a:t>https://console.kinvey.com/apps/BooksApp-fbd01/environments/kid_r11QOPsMd/dashboard</a:t>
-            </a:r>
+            <a:pPr algn="ctr"/>
+            <a:r>
+              <a:rPr lang="en-US" sz="4400" b="1" dirty="0">
+                <a:ln w="22225">
+                  <a:solidFill>
+                    <a:schemeClr val="accent2"/>
+                  </a:solidFill>
+                  <a:prstDash val="solid"/>
+                </a:ln>
+                <a:solidFill>
+                  <a:schemeClr val="accent2">
+                    <a:lumMod val="40000"/>
+                    <a:lumOff val="60000"/>
+                  </a:schemeClr>
+                </a:solidFill>
+              </a:rPr>
+              <a:t>https://students-manager.site/</a:t>
+            </a:r>
+            <a:endParaRPr lang="en-US" sz="4400" b="1" cap="none" spc="0" dirty="0">
+              <a:ln w="22225">
+                <a:solidFill>
+                  <a:schemeClr val="accent2"/>
+                </a:solidFill>
+                <a:prstDash val="solid"/>
+              </a:ln>
+              <a:solidFill>
+                <a:schemeClr val="accent2">
+                  <a:lumMod val="40000"/>
+                  <a:lumOff val="60000"/>
+                </a:schemeClr>
+              </a:solidFill>
+              <a:effectLst/>
+            </a:endParaRPr>
+          </a:p>
+        </p:txBody>
+      </p:sp>
+      <p:sp>
+        <p:nvSpPr>
+          <p:cNvPr id="7" name="Thought Bubble: Cloud 6">
+            <a:extLst>
+              <a:ext uri="{FF2B5EF4-FFF2-40B4-BE49-F238E27FC236}">
+                <a16:creationId xmlns:a16="http://schemas.microsoft.com/office/drawing/2014/main" id="{A7D4FF61-245E-4CBF-85BC-CCB6BF0913CF}"/>
+              </a:ext>
+            </a:extLst>
+          </p:cNvPr>
+          <p:cNvSpPr/>
+          <p:nvPr/>
+        </p:nvSpPr>
+        <p:spPr>
+          <a:xfrm>
+            <a:off x="7164279" y="1544716"/>
+            <a:ext cx="4722921" cy="2512380"/>
+          </a:xfrm>
+          <a:prstGeom prst="cloudCallout">
+            <a:avLst/>
+          </a:prstGeom>
+        </p:spPr>
+        <p:style>
+          <a:lnRef idx="1">
+            <a:schemeClr val="accent2"/>
+          </a:lnRef>
+          <a:fillRef idx="2">
+            <a:schemeClr val="accent2"/>
+          </a:fillRef>
+          <a:effectRef idx="1">
+            <a:schemeClr val="accent2"/>
+          </a:effectRef>
+          <a:fontRef idx="minor">
+            <a:schemeClr val="dk1"/>
+          </a:fontRef>
+        </p:style>
+        <p:txBody>
+          <a:bodyPr rtlCol="0" anchor="ctr"/>
+          <a:lstStyle/>
+          <a:p>
+            <a:pPr algn="ctr"/>
+            <a:r>
+              <a:rPr lang="ru-RU" sz="1600" b="1" dirty="0" err="1"/>
+              <a:t>Модел</a:t>
+            </a:r>
+            <a:r>
+              <a:rPr lang="ru-RU" sz="1600" b="1" dirty="0"/>
+              <a:t>-</a:t>
+            </a:r>
+            <a:r>
+              <a:rPr lang="ru-RU" sz="1600" b="1" dirty="0" err="1"/>
+              <a:t>Изглед</a:t>
+            </a:r>
+            <a:r>
+              <a:rPr lang="ru-RU" sz="1600" b="1" dirty="0"/>
+              <a:t>-Контролер</a:t>
+            </a:r>
+            <a:r>
+              <a:rPr lang="ru-RU" sz="1600" dirty="0"/>
+              <a:t> е архитектурен шаблон за дизайн в </a:t>
+            </a:r>
+            <a:r>
+              <a:rPr lang="ru-RU" sz="1600" dirty="0" err="1"/>
+              <a:t>програмирането</a:t>
+            </a:r>
+            <a:r>
+              <a:rPr lang="ru-RU" sz="1600" dirty="0"/>
+              <a:t>, основан на </a:t>
+            </a:r>
+            <a:r>
+              <a:rPr lang="ru-RU" sz="1600" dirty="0" err="1"/>
+              <a:t>разделянето</a:t>
+            </a:r>
+            <a:r>
+              <a:rPr lang="ru-RU" sz="1600" dirty="0"/>
+              <a:t> на бизнес </a:t>
+            </a:r>
+            <a:r>
+              <a:rPr lang="ru-RU" sz="1600" dirty="0" err="1"/>
+              <a:t>логиката</a:t>
+            </a:r>
+            <a:r>
+              <a:rPr lang="ru-RU" sz="1600" dirty="0"/>
+              <a:t> от </a:t>
+            </a:r>
+            <a:r>
+              <a:rPr lang="ru-RU" sz="1600" dirty="0" err="1"/>
+              <a:t>графичния</a:t>
+            </a:r>
+            <a:r>
+              <a:rPr lang="ru-RU" sz="1600" dirty="0"/>
+              <a:t> интерфейс и </a:t>
+            </a:r>
+            <a:r>
+              <a:rPr lang="ru-RU" sz="1600" dirty="0" err="1"/>
+              <a:t>данните</a:t>
+            </a:r>
+            <a:r>
+              <a:rPr lang="ru-RU" sz="1600" dirty="0"/>
+              <a:t> в дадено приложение. </a:t>
+            </a:r>
+            <a:endParaRPr lang="en-US" sz="1600" dirty="0"/>
           </a:p>
         </p:txBody>
       </p:sp>
     </p:spTree>
     <p:extLst>
       <p:ext uri="{BB962C8B-B14F-4D97-AF65-F5344CB8AC3E}">
-        <p14:creationId xmlns:p14="http://schemas.microsoft.com/office/powerpoint/2010/main" val="2750421178"/>
+        <p14:creationId xmlns:p14="http://schemas.microsoft.com/office/powerpoint/2010/main" val="222571311"/>
       </p:ext>
     </p:extLst>
   </p:cSld>
@@ -3964,7 +3554,7 @@
 </p:sld>
 </file>
 
-<file path=ppt/slides/slide11.xml><?xml version="1.0" encoding="utf-8"?>
+<file path=ppt/slides/slide10.xml><?xml version="1.0" encoding="utf-8"?>
 <p:sld xmlns:a="http://schemas.openxmlformats.org/drawingml/2006/main" xmlns:r="http://schemas.openxmlformats.org/officeDocument/2006/relationships" xmlns:p="http://schemas.openxmlformats.org/presentationml/2006/main">
   <p:cSld>
     <p:bg>
@@ -4359,7 +3949,7 @@
 </p:sld>
 </file>
 
-<file path=ppt/slides/slide12.xml><?xml version="1.0" encoding="utf-8"?>
+<file path=ppt/slides/slide11.xml><?xml version="1.0" encoding="utf-8"?>
 <p:sld xmlns:a="http://schemas.openxmlformats.org/drawingml/2006/main" xmlns:r="http://schemas.openxmlformats.org/officeDocument/2006/relationships" xmlns:p="http://schemas.openxmlformats.org/presentationml/2006/main">
   <p:cSld>
     <p:spTree>
@@ -4534,7 +4124,7 @@
 </p:sld>
 </file>
 
-<file path=ppt/slides/slide13.xml><?xml version="1.0" encoding="utf-8"?>
+<file path=ppt/slides/slide12.xml><?xml version="1.0" encoding="utf-8"?>
 <p:sld xmlns:a="http://schemas.openxmlformats.org/drawingml/2006/main" xmlns:r="http://schemas.openxmlformats.org/officeDocument/2006/relationships" xmlns:p="http://schemas.openxmlformats.org/presentationml/2006/main">
   <p:cSld>
     <p:bg>
@@ -4746,7 +4336,7 @@
                   <a:srgbClr val="FFFFFF"/>
                 </a:solidFill>
               </a:rPr>
-              <a:t>упълномощаване</a:t>
+              <a:t>Упълномощаване</a:t>
             </a:r>
             <a:endParaRPr lang="en-US" sz="7200" b="1" kern="1200" dirty="0">
               <a:solidFill>
@@ -5117,7 +4707,7 @@
 </p:sld>
 </file>
 
-<file path=ppt/slides/slide14.xml><?xml version="1.0" encoding="utf-8"?>
+<file path=ppt/slides/slide13.xml><?xml version="1.0" encoding="utf-8"?>
 <p:sld xmlns:a="http://schemas.openxmlformats.org/drawingml/2006/main" xmlns:r="http://schemas.openxmlformats.org/officeDocument/2006/relationships" xmlns:p="http://schemas.openxmlformats.org/presentationml/2006/main">
   <p:cSld>
     <p:bg>
@@ -5500,6 +5090,126 @@
 </p:sld>
 </file>
 
+<file path=ppt/slides/slide14.xml><?xml version="1.0" encoding="utf-8"?>
+<p:sld xmlns:a="http://schemas.openxmlformats.org/drawingml/2006/main" xmlns:r="http://schemas.openxmlformats.org/officeDocument/2006/relationships" xmlns:p="http://schemas.openxmlformats.org/presentationml/2006/main">
+  <p:cSld>
+    <p:spTree>
+      <p:nvGrpSpPr>
+        <p:cNvPr id="1" name=""/>
+        <p:cNvGrpSpPr/>
+        <p:nvPr/>
+      </p:nvGrpSpPr>
+      <p:grpSpPr>
+        <a:xfrm>
+          <a:off x="0" y="0"/>
+          <a:ext cx="0" cy="0"/>
+          <a:chOff x="0" y="0"/>
+          <a:chExt cx="0" cy="0"/>
+        </a:xfrm>
+      </p:grpSpPr>
+      <p:pic>
+        <p:nvPicPr>
+          <p:cNvPr id="4" name="Picture 3">
+            <a:extLst>
+              <a:ext uri="{FF2B5EF4-FFF2-40B4-BE49-F238E27FC236}">
+                <a16:creationId xmlns:a16="http://schemas.microsoft.com/office/drawing/2014/main" id="{7F9BF347-9FBD-4E5E-A0A5-5172A2E347FA}"/>
+              </a:ext>
+            </a:extLst>
+          </p:cNvPr>
+          <p:cNvPicPr>
+            <a:picLocks noChangeAspect="1"/>
+          </p:cNvPicPr>
+          <p:nvPr/>
+        </p:nvPicPr>
+        <p:blipFill>
+          <a:blip r:embed="rId2"/>
+          <a:stretch>
+            <a:fillRect/>
+          </a:stretch>
+        </p:blipFill>
+        <p:spPr>
+          <a:xfrm>
+            <a:off x="1862137" y="0"/>
+            <a:ext cx="8467725" cy="4030818"/>
+          </a:xfrm>
+          <a:prstGeom prst="rect">
+            <a:avLst/>
+          </a:prstGeom>
+        </p:spPr>
+      </p:pic>
+      <p:pic>
+        <p:nvPicPr>
+          <p:cNvPr id="5" name="Picture 4">
+            <a:extLst>
+              <a:ext uri="{FF2B5EF4-FFF2-40B4-BE49-F238E27FC236}">
+                <a16:creationId xmlns:a16="http://schemas.microsoft.com/office/drawing/2014/main" id="{DD68AE40-FCB2-4BBA-A1AE-5C82F341A382}"/>
+              </a:ext>
+            </a:extLst>
+          </p:cNvPr>
+          <p:cNvPicPr>
+            <a:picLocks noChangeAspect="1"/>
+          </p:cNvPicPr>
+          <p:nvPr/>
+        </p:nvPicPr>
+        <p:blipFill>
+          <a:blip r:embed="rId3"/>
+          <a:stretch>
+            <a:fillRect/>
+          </a:stretch>
+        </p:blipFill>
+        <p:spPr>
+          <a:xfrm>
+            <a:off x="0" y="2962275"/>
+            <a:ext cx="6896690" cy="3895725"/>
+          </a:xfrm>
+          <a:prstGeom prst="rect">
+            <a:avLst/>
+          </a:prstGeom>
+        </p:spPr>
+      </p:pic>
+      <p:pic>
+        <p:nvPicPr>
+          <p:cNvPr id="6" name="Picture 5">
+            <a:extLst>
+              <a:ext uri="{FF2B5EF4-FFF2-40B4-BE49-F238E27FC236}">
+                <a16:creationId xmlns:a16="http://schemas.microsoft.com/office/drawing/2014/main" id="{E3CC74E8-9C2F-4B4B-B9F3-5013808BB922}"/>
+              </a:ext>
+            </a:extLst>
+          </p:cNvPr>
+          <p:cNvPicPr>
+            <a:picLocks noChangeAspect="1"/>
+          </p:cNvPicPr>
+          <p:nvPr/>
+        </p:nvPicPr>
+        <p:blipFill>
+          <a:blip r:embed="rId4"/>
+          <a:stretch>
+            <a:fillRect/>
+          </a:stretch>
+        </p:blipFill>
+        <p:spPr>
+          <a:xfrm>
+            <a:off x="5257677" y="2962275"/>
+            <a:ext cx="6934323" cy="3895724"/>
+          </a:xfrm>
+          <a:prstGeom prst="rect">
+            <a:avLst/>
+          </a:prstGeom>
+        </p:spPr>
+      </p:pic>
+    </p:spTree>
+    <p:extLst>
+      <p:ext uri="{BB962C8B-B14F-4D97-AF65-F5344CB8AC3E}">
+        <p14:creationId xmlns:p14="http://schemas.microsoft.com/office/powerpoint/2010/main" val="1551569935"/>
+      </p:ext>
+    </p:extLst>
+  </p:cSld>
+  <p:clrMapOvr>
+    <a:masterClrMapping/>
+  </p:clrMapOvr>
+</p:sld>
+</file>
+
 <file path=ppt/slides/slide15.xml><?xml version="1.0" encoding="utf-8"?>
 <p:sld xmlns:a="http://schemas.openxmlformats.org/drawingml/2006/main" xmlns:r="http://schemas.openxmlformats.org/officeDocument/2006/relationships" xmlns:p="http://schemas.openxmlformats.org/presentationml/2006/main">
   <p:cSld>
@@ -5522,126 +5232,6 @@
           <p:cNvPr id="4" name="Picture 3">
             <a:extLst>
               <a:ext uri="{FF2B5EF4-FFF2-40B4-BE49-F238E27FC236}">
-                <a16:creationId xmlns:a16="http://schemas.microsoft.com/office/drawing/2014/main" id="{7F9BF347-9FBD-4E5E-A0A5-5172A2E347FA}"/>
-              </a:ext>
-            </a:extLst>
-          </p:cNvPr>
-          <p:cNvPicPr>
-            <a:picLocks noChangeAspect="1"/>
-          </p:cNvPicPr>
-          <p:nvPr/>
-        </p:nvPicPr>
-        <p:blipFill>
-          <a:blip r:embed="rId2"/>
-          <a:stretch>
-            <a:fillRect/>
-          </a:stretch>
-        </p:blipFill>
-        <p:spPr>
-          <a:xfrm>
-            <a:off x="1862137" y="0"/>
-            <a:ext cx="8467725" cy="4030818"/>
-          </a:xfrm>
-          <a:prstGeom prst="rect">
-            <a:avLst/>
-          </a:prstGeom>
-        </p:spPr>
-      </p:pic>
-      <p:pic>
-        <p:nvPicPr>
-          <p:cNvPr id="5" name="Picture 4">
-            <a:extLst>
-              <a:ext uri="{FF2B5EF4-FFF2-40B4-BE49-F238E27FC236}">
-                <a16:creationId xmlns:a16="http://schemas.microsoft.com/office/drawing/2014/main" id="{DD68AE40-FCB2-4BBA-A1AE-5C82F341A382}"/>
-              </a:ext>
-            </a:extLst>
-          </p:cNvPr>
-          <p:cNvPicPr>
-            <a:picLocks noChangeAspect="1"/>
-          </p:cNvPicPr>
-          <p:nvPr/>
-        </p:nvPicPr>
-        <p:blipFill>
-          <a:blip r:embed="rId3"/>
-          <a:stretch>
-            <a:fillRect/>
-          </a:stretch>
-        </p:blipFill>
-        <p:spPr>
-          <a:xfrm>
-            <a:off x="0" y="2962275"/>
-            <a:ext cx="6896690" cy="3895725"/>
-          </a:xfrm>
-          <a:prstGeom prst="rect">
-            <a:avLst/>
-          </a:prstGeom>
-        </p:spPr>
-      </p:pic>
-      <p:pic>
-        <p:nvPicPr>
-          <p:cNvPr id="6" name="Picture 5">
-            <a:extLst>
-              <a:ext uri="{FF2B5EF4-FFF2-40B4-BE49-F238E27FC236}">
-                <a16:creationId xmlns:a16="http://schemas.microsoft.com/office/drawing/2014/main" id="{E3CC74E8-9C2F-4B4B-B9F3-5013808BB922}"/>
-              </a:ext>
-            </a:extLst>
-          </p:cNvPr>
-          <p:cNvPicPr>
-            <a:picLocks noChangeAspect="1"/>
-          </p:cNvPicPr>
-          <p:nvPr/>
-        </p:nvPicPr>
-        <p:blipFill>
-          <a:blip r:embed="rId4"/>
-          <a:stretch>
-            <a:fillRect/>
-          </a:stretch>
-        </p:blipFill>
-        <p:spPr>
-          <a:xfrm>
-            <a:off x="5257677" y="2962275"/>
-            <a:ext cx="6934323" cy="3895724"/>
-          </a:xfrm>
-          <a:prstGeom prst="rect">
-            <a:avLst/>
-          </a:prstGeom>
-        </p:spPr>
-      </p:pic>
-    </p:spTree>
-    <p:extLst>
-      <p:ext uri="{BB962C8B-B14F-4D97-AF65-F5344CB8AC3E}">
-        <p14:creationId xmlns:p14="http://schemas.microsoft.com/office/powerpoint/2010/main" val="1551569935"/>
-      </p:ext>
-    </p:extLst>
-  </p:cSld>
-  <p:clrMapOvr>
-    <a:masterClrMapping/>
-  </p:clrMapOvr>
-</p:sld>
-</file>
-
-<file path=ppt/slides/slide16.xml><?xml version="1.0" encoding="utf-8"?>
-<p:sld xmlns:a="http://schemas.openxmlformats.org/drawingml/2006/main" xmlns:r="http://schemas.openxmlformats.org/officeDocument/2006/relationships" xmlns:p="http://schemas.openxmlformats.org/presentationml/2006/main">
-  <p:cSld>
-    <p:spTree>
-      <p:nvGrpSpPr>
-        <p:cNvPr id="1" name=""/>
-        <p:cNvGrpSpPr/>
-        <p:nvPr/>
-      </p:nvGrpSpPr>
-      <p:grpSpPr>
-        <a:xfrm>
-          <a:off x="0" y="0"/>
-          <a:ext cx="0" cy="0"/>
-          <a:chOff x="0" y="0"/>
-          <a:chExt cx="0" cy="0"/>
-        </a:xfrm>
-      </p:grpSpPr>
-      <p:pic>
-        <p:nvPicPr>
-          <p:cNvPr id="4" name="Picture 3">
-            <a:extLst>
-              <a:ext uri="{FF2B5EF4-FFF2-40B4-BE49-F238E27FC236}">
                 <a16:creationId xmlns:a16="http://schemas.microsoft.com/office/drawing/2014/main" id="{93EA1EB8-6393-4977-BC7C-2759245B2D43}"/>
               </a:ext>
             </a:extLst>
@@ -5727,7 +5317,7 @@
 </p:sld>
 </file>
 
-<file path=ppt/slides/slide17.xml><?xml version="1.0" encoding="utf-8"?>
+<file path=ppt/slides/slide16.xml><?xml version="1.0" encoding="utf-8"?>
 <p:sld xmlns:a="http://schemas.openxmlformats.org/drawingml/2006/main" xmlns:r="http://schemas.openxmlformats.org/officeDocument/2006/relationships" xmlns:p="http://schemas.openxmlformats.org/presentationml/2006/main">
   <p:cSld>
     <p:bg>
@@ -6347,7 +5937,7 @@
 </p:sld>
 </file>
 
-<file path=ppt/slides/slide18.xml><?xml version="1.0" encoding="utf-8"?>
+<file path=ppt/slides/slide17.xml><?xml version="1.0" encoding="utf-8"?>
 <p:sld xmlns:a="http://schemas.openxmlformats.org/drawingml/2006/main" xmlns:r="http://schemas.openxmlformats.org/officeDocument/2006/relationships" xmlns:p="http://schemas.openxmlformats.org/presentationml/2006/main">
   <p:cSld>
     <p:spTree>
@@ -6437,7 +6027,7 @@
 </p:sld>
 </file>
 
-<file path=ppt/slides/slide19.xml><?xml version="1.0" encoding="utf-8"?>
+<file path=ppt/slides/slide18.xml><?xml version="1.0" encoding="utf-8"?>
 <p:sld xmlns:a="http://schemas.openxmlformats.org/drawingml/2006/main" xmlns:r="http://schemas.openxmlformats.org/officeDocument/2006/relationships" xmlns:p="http://schemas.openxmlformats.org/presentationml/2006/main">
   <p:cSld>
     <p:spTree>
@@ -6546,541 +6136,6 @@
       </p:grpSpPr>
       <p:pic>
         <p:nvPicPr>
-          <p:cNvPr id="4" name="Picture 3">
-            <a:extLst>
-              <a:ext uri="{FF2B5EF4-FFF2-40B4-BE49-F238E27FC236}">
-                <a16:creationId xmlns:a16="http://schemas.microsoft.com/office/drawing/2014/main" id="{931DE818-2482-42D0-B448-6C4AD3BCEBD3}"/>
-              </a:ext>
-            </a:extLst>
-          </p:cNvPr>
-          <p:cNvPicPr>
-            <a:picLocks noChangeAspect="1"/>
-          </p:cNvPicPr>
-          <p:nvPr/>
-        </p:nvPicPr>
-        <p:blipFill>
-          <a:blip r:embed="rId2"/>
-          <a:stretch>
-            <a:fillRect/>
-          </a:stretch>
-        </p:blipFill>
-        <p:spPr>
-          <a:xfrm>
-            <a:off x="1139798" y="0"/>
-            <a:ext cx="9912403" cy="6858000"/>
-          </a:xfrm>
-          <a:prstGeom prst="rect">
-            <a:avLst/>
-          </a:prstGeom>
-        </p:spPr>
-      </p:pic>
-      <p:sp>
-        <p:nvSpPr>
-          <p:cNvPr id="5" name="Rectangle 4">
-            <a:extLst>
-              <a:ext uri="{FF2B5EF4-FFF2-40B4-BE49-F238E27FC236}">
-                <a16:creationId xmlns:a16="http://schemas.microsoft.com/office/drawing/2014/main" id="{D6BE6BE7-54F7-43B7-9D35-6BD914D262EB}"/>
-              </a:ext>
-            </a:extLst>
-          </p:cNvPr>
-          <p:cNvSpPr/>
-          <p:nvPr/>
-        </p:nvSpPr>
-        <p:spPr>
-          <a:xfrm>
-            <a:off x="4321861" y="1900535"/>
-            <a:ext cx="6653424" cy="1200329"/>
-          </a:xfrm>
-          <a:prstGeom prst="rect">
-            <a:avLst/>
-          </a:prstGeom>
-          <a:noFill/>
-        </p:spPr>
-        <p:txBody>
-          <a:bodyPr wrap="none" lIns="91440" tIns="45720" rIns="91440" bIns="45720">
-            <a:spAutoFit/>
-          </a:bodyPr>
-          <a:lstStyle/>
-          <a:p>
-            <a:pPr algn="ctr"/>
-            <a:r>
-              <a:rPr lang="ru-RU" sz="3600" b="0" cap="none" spc="0" dirty="0">
-                <a:ln w="0"/>
-                <a:solidFill>
-                  <a:schemeClr val="tx1"/>
-                </a:solidFill>
-                <a:effectLst>
-                  <a:outerShdw blurRad="38100" dist="19050" dir="2700000" algn="tl" rotWithShape="0">
-                    <a:schemeClr val="dk1">
-                      <a:alpha val="40000"/>
-                    </a:schemeClr>
-                  </a:outerShdw>
-                </a:effectLst>
-              </a:rPr>
-              <a:t>Инструмент, </a:t>
-            </a:r>
-            <a:r>
-              <a:rPr lang="ru-RU" sz="3600" b="0" cap="none" spc="0" dirty="0" err="1">
-                <a:ln w="0"/>
-                <a:solidFill>
-                  <a:schemeClr val="tx1"/>
-                </a:solidFill>
-                <a:effectLst>
-                  <a:outerShdw blurRad="38100" dist="19050" dir="2700000" algn="tl" rotWithShape="0">
-                    <a:schemeClr val="dk1">
-                      <a:alpha val="40000"/>
-                    </a:schemeClr>
-                  </a:outerShdw>
-                </a:effectLst>
-              </a:rPr>
-              <a:t>който</a:t>
-            </a:r>
-            <a:r>
-              <a:rPr lang="ru-RU" sz="3600" b="0" cap="none" spc="0" dirty="0">
-                <a:ln w="0"/>
-                <a:solidFill>
-                  <a:schemeClr val="tx1"/>
-                </a:solidFill>
-                <a:effectLst>
-                  <a:outerShdw blurRad="38100" dist="19050" dir="2700000" algn="tl" rotWithShape="0">
-                    <a:schemeClr val="dk1">
-                      <a:alpha val="40000"/>
-                    </a:schemeClr>
-                  </a:outerShdw>
-                </a:effectLst>
-              </a:rPr>
-              <a:t> </a:t>
-            </a:r>
-            <a:r>
-              <a:rPr lang="ru-RU" sz="3600" b="0" cap="none" spc="0" dirty="0" err="1">
-                <a:ln w="0"/>
-                <a:solidFill>
-                  <a:schemeClr val="tx1"/>
-                </a:solidFill>
-                <a:effectLst>
-                  <a:outerShdw blurRad="38100" dist="19050" dir="2700000" algn="tl" rotWithShape="0">
-                    <a:schemeClr val="dk1">
-                      <a:alpha val="40000"/>
-                    </a:schemeClr>
-                  </a:outerShdw>
-                </a:effectLst>
-              </a:rPr>
-              <a:t>ви</a:t>
-            </a:r>
-            <a:r>
-              <a:rPr lang="ru-RU" sz="3600" b="0" cap="none" spc="0" dirty="0">
-                <a:ln w="0"/>
-                <a:solidFill>
-                  <a:schemeClr val="tx1"/>
-                </a:solidFill>
-                <a:effectLst>
-                  <a:outerShdw blurRad="38100" dist="19050" dir="2700000" algn="tl" rotWithShape="0">
-                    <a:schemeClr val="dk1">
-                      <a:alpha val="40000"/>
-                    </a:schemeClr>
-                  </a:outerShdw>
-                </a:effectLst>
-              </a:rPr>
-              <a:t> </a:t>
-            </a:r>
-            <a:r>
-              <a:rPr lang="ru-RU" sz="3600" b="0" cap="none" spc="0" dirty="0" err="1">
-                <a:ln w="0"/>
-                <a:solidFill>
-                  <a:schemeClr val="tx1"/>
-                </a:solidFill>
-                <a:effectLst>
-                  <a:outerShdw blurRad="38100" dist="19050" dir="2700000" algn="tl" rotWithShape="0">
-                    <a:schemeClr val="dk1">
-                      <a:alpha val="40000"/>
-                    </a:schemeClr>
-                  </a:outerShdw>
-                </a:effectLst>
-              </a:rPr>
-              <a:t>позволява</a:t>
-            </a:r>
-            <a:r>
-              <a:rPr lang="ru-RU" sz="3600" b="0" cap="none" spc="0" dirty="0">
-                <a:ln w="0"/>
-                <a:solidFill>
-                  <a:schemeClr val="tx1"/>
-                </a:solidFill>
-                <a:effectLst>
-                  <a:outerShdw blurRad="38100" dist="19050" dir="2700000" algn="tl" rotWithShape="0">
-                    <a:schemeClr val="dk1">
-                      <a:alpha val="40000"/>
-                    </a:schemeClr>
-                  </a:outerShdw>
-                </a:effectLst>
-              </a:rPr>
-              <a:t> </a:t>
-            </a:r>
-            <a:endParaRPr lang="en-US" sz="3600" b="0" cap="none" spc="0" dirty="0">
-              <a:ln w="0"/>
-              <a:solidFill>
-                <a:schemeClr val="tx1"/>
-              </a:solidFill>
-              <a:effectLst>
-                <a:outerShdw blurRad="38100" dist="19050" dir="2700000" algn="tl" rotWithShape="0">
-                  <a:schemeClr val="dk1">
-                    <a:alpha val="40000"/>
-                  </a:schemeClr>
-                </a:outerShdw>
-              </a:effectLst>
-            </a:endParaRPr>
-          </a:p>
-          <a:p>
-            <a:pPr algn="ctr"/>
-            <a:r>
-              <a:rPr lang="ru-RU" sz="3600" b="0" cap="none" spc="0" dirty="0">
-                <a:ln w="0"/>
-                <a:solidFill>
-                  <a:schemeClr val="tx1"/>
-                </a:solidFill>
-                <a:effectLst>
-                  <a:outerShdw blurRad="38100" dist="19050" dir="2700000" algn="tl" rotWithShape="0">
-                    <a:schemeClr val="dk1">
-                      <a:alpha val="40000"/>
-                    </a:schemeClr>
-                  </a:outerShdw>
-                </a:effectLst>
-              </a:rPr>
-              <a:t>да </a:t>
-            </a:r>
-            <a:r>
-              <a:rPr lang="ru-RU" sz="3600" b="0" cap="none" spc="0" dirty="0" err="1">
-                <a:ln w="0"/>
-                <a:solidFill>
-                  <a:schemeClr val="tx1"/>
-                </a:solidFill>
-                <a:effectLst>
-                  <a:outerShdw blurRad="38100" dist="19050" dir="2700000" algn="tl" rotWithShape="0">
-                    <a:schemeClr val="dk1">
-                      <a:alpha val="40000"/>
-                    </a:schemeClr>
-                  </a:outerShdw>
-                </a:effectLst>
-              </a:rPr>
-              <a:t>взаимодействате</a:t>
-            </a:r>
-            <a:r>
-              <a:rPr lang="ru-RU" sz="3600" b="0" cap="none" spc="0" dirty="0">
-                <a:ln w="0"/>
-                <a:solidFill>
-                  <a:schemeClr val="tx1"/>
-                </a:solidFill>
-                <a:effectLst>
-                  <a:outerShdw blurRad="38100" dist="19050" dir="2700000" algn="tl" rotWithShape="0">
-                    <a:schemeClr val="dk1">
-                      <a:alpha val="40000"/>
-                    </a:schemeClr>
-                  </a:outerShdw>
-                </a:effectLst>
-              </a:rPr>
-              <a:t> </a:t>
-            </a:r>
-            <a:r>
-              <a:rPr lang="bg-BG" sz="3600" dirty="0">
-                <a:ln w="0"/>
-                <a:effectLst>
-                  <a:outerShdw blurRad="38100" dist="19050" dir="2700000" algn="tl" rotWithShape="0">
-                    <a:schemeClr val="dk1">
-                      <a:alpha val="40000"/>
-                    </a:schemeClr>
-                  </a:outerShdw>
-                </a:effectLst>
-              </a:rPr>
-              <a:t>с </a:t>
-            </a:r>
-            <a:r>
-              <a:rPr lang="en-US" sz="3600" dirty="0">
-                <a:ln w="0"/>
-                <a:effectLst>
-                  <a:outerShdw blurRad="38100" dist="19050" dir="2700000" algn="tl" rotWithShape="0">
-                    <a:schemeClr val="dk1">
-                      <a:alpha val="40000"/>
-                    </a:schemeClr>
-                  </a:outerShdw>
-                </a:effectLst>
-              </a:rPr>
-              <a:t>GitHub</a:t>
-            </a:r>
-            <a:endParaRPr lang="en-US" sz="3600" b="0" cap="none" spc="0" dirty="0">
-              <a:ln w="0"/>
-              <a:solidFill>
-                <a:schemeClr val="tx1"/>
-              </a:solidFill>
-              <a:effectLst>
-                <a:outerShdw blurRad="38100" dist="19050" dir="2700000" algn="tl" rotWithShape="0">
-                  <a:schemeClr val="dk1">
-                    <a:alpha val="40000"/>
-                  </a:schemeClr>
-                </a:outerShdw>
-              </a:effectLst>
-            </a:endParaRPr>
-          </a:p>
-        </p:txBody>
-      </p:sp>
-    </p:spTree>
-    <p:extLst>
-      <p:ext uri="{BB962C8B-B14F-4D97-AF65-F5344CB8AC3E}">
-        <p14:creationId xmlns:p14="http://schemas.microsoft.com/office/powerpoint/2010/main" val="4173356950"/>
-      </p:ext>
-    </p:extLst>
-  </p:cSld>
-  <p:clrMapOvr>
-    <a:masterClrMapping/>
-  </p:clrMapOvr>
-</p:sld>
-</file>
-
-<file path=ppt/slides/slide3.xml><?xml version="1.0" encoding="utf-8"?>
-<p:sld xmlns:a="http://schemas.openxmlformats.org/drawingml/2006/main" xmlns:r="http://schemas.openxmlformats.org/officeDocument/2006/relationships" xmlns:p="http://schemas.openxmlformats.org/presentationml/2006/main">
-  <p:cSld>
-    <p:spTree>
-      <p:nvGrpSpPr>
-        <p:cNvPr id="1" name=""/>
-        <p:cNvGrpSpPr/>
-        <p:nvPr/>
-      </p:nvGrpSpPr>
-      <p:grpSpPr>
-        <a:xfrm>
-          <a:off x="0" y="0"/>
-          <a:ext cx="0" cy="0"/>
-          <a:chOff x="0" y="0"/>
-          <a:chExt cx="0" cy="0"/>
-        </a:xfrm>
-      </p:grpSpPr>
-      <p:pic>
-        <p:nvPicPr>
-          <p:cNvPr id="4" name="Picture 3">
-            <a:extLst>
-              <a:ext uri="{FF2B5EF4-FFF2-40B4-BE49-F238E27FC236}">
-                <a16:creationId xmlns:a16="http://schemas.microsoft.com/office/drawing/2014/main" id="{155C61E0-CC53-499F-9BCD-0BA16AC9BB60}"/>
-              </a:ext>
-            </a:extLst>
-          </p:cNvPr>
-          <p:cNvPicPr>
-            <a:picLocks noChangeAspect="1"/>
-          </p:cNvPicPr>
-          <p:nvPr/>
-        </p:nvPicPr>
-        <p:blipFill>
-          <a:blip r:embed="rId2"/>
-          <a:stretch>
-            <a:fillRect/>
-          </a:stretch>
-        </p:blipFill>
-        <p:spPr>
-          <a:xfrm>
-            <a:off x="623887" y="940310"/>
-            <a:ext cx="10944225" cy="5800725"/>
-          </a:xfrm>
-          <a:prstGeom prst="rect">
-            <a:avLst/>
-          </a:prstGeom>
-        </p:spPr>
-      </p:pic>
-      <p:sp>
-        <p:nvSpPr>
-          <p:cNvPr id="6" name="Rectangle 5">
-            <a:extLst>
-              <a:ext uri="{FF2B5EF4-FFF2-40B4-BE49-F238E27FC236}">
-                <a16:creationId xmlns:a16="http://schemas.microsoft.com/office/drawing/2014/main" id="{BE8E3CDC-96E6-42A2-AF00-19E117E3C4DD}"/>
-              </a:ext>
-            </a:extLst>
-          </p:cNvPr>
-          <p:cNvSpPr/>
-          <p:nvPr/>
-        </p:nvSpPr>
-        <p:spPr>
-          <a:xfrm>
-            <a:off x="-564606" y="170869"/>
-            <a:ext cx="13321212" cy="769441"/>
-          </a:xfrm>
-          <a:prstGeom prst="rect">
-            <a:avLst/>
-          </a:prstGeom>
-          <a:noFill/>
-        </p:spPr>
-        <p:txBody>
-          <a:bodyPr wrap="square" lIns="91440" tIns="45720" rIns="91440" bIns="45720">
-            <a:spAutoFit/>
-          </a:bodyPr>
-          <a:lstStyle/>
-          <a:p>
-            <a:pPr algn="ctr"/>
-            <a:r>
-              <a:rPr lang="en-US" sz="4400" b="1" dirty="0">
-                <a:ln w="22225">
-                  <a:solidFill>
-                    <a:schemeClr val="accent2"/>
-                  </a:solidFill>
-                  <a:prstDash val="solid"/>
-                </a:ln>
-                <a:solidFill>
-                  <a:schemeClr val="accent2">
-                    <a:lumMod val="40000"/>
-                    <a:lumOff val="60000"/>
-                  </a:schemeClr>
-                </a:solidFill>
-              </a:rPr>
-              <a:t>https://students-manager.azurewebsites.net/</a:t>
-            </a:r>
-            <a:endParaRPr lang="en-US" sz="4400" b="1" cap="none" spc="0" dirty="0">
-              <a:ln w="22225">
-                <a:solidFill>
-                  <a:schemeClr val="accent2"/>
-                </a:solidFill>
-                <a:prstDash val="solid"/>
-              </a:ln>
-              <a:solidFill>
-                <a:schemeClr val="accent2">
-                  <a:lumMod val="40000"/>
-                  <a:lumOff val="60000"/>
-                </a:schemeClr>
-              </a:solidFill>
-              <a:effectLst/>
-            </a:endParaRPr>
-          </a:p>
-        </p:txBody>
-      </p:sp>
-      <p:sp>
-        <p:nvSpPr>
-          <p:cNvPr id="7" name="Thought Bubble: Cloud 6">
-            <a:extLst>
-              <a:ext uri="{FF2B5EF4-FFF2-40B4-BE49-F238E27FC236}">
-                <a16:creationId xmlns:a16="http://schemas.microsoft.com/office/drawing/2014/main" id="{A7D4FF61-245E-4CBF-85BC-CCB6BF0913CF}"/>
-              </a:ext>
-            </a:extLst>
-          </p:cNvPr>
-          <p:cNvSpPr/>
-          <p:nvPr/>
-        </p:nvSpPr>
-        <p:spPr>
-          <a:xfrm>
-            <a:off x="7164279" y="1544716"/>
-            <a:ext cx="4722921" cy="2512380"/>
-          </a:xfrm>
-          <a:prstGeom prst="cloudCallout">
-            <a:avLst/>
-          </a:prstGeom>
-        </p:spPr>
-        <p:style>
-          <a:lnRef idx="1">
-            <a:schemeClr val="accent2"/>
-          </a:lnRef>
-          <a:fillRef idx="2">
-            <a:schemeClr val="accent2"/>
-          </a:fillRef>
-          <a:effectRef idx="1">
-            <a:schemeClr val="accent2"/>
-          </a:effectRef>
-          <a:fontRef idx="minor">
-            <a:schemeClr val="dk1"/>
-          </a:fontRef>
-        </p:style>
-        <p:txBody>
-          <a:bodyPr rtlCol="0" anchor="ctr"/>
-          <a:lstStyle/>
-          <a:p>
-            <a:pPr algn="ctr"/>
-            <a:r>
-              <a:rPr lang="ru-RU" sz="1600" b="1" dirty="0" err="1"/>
-              <a:t>Модел</a:t>
-            </a:r>
-            <a:r>
-              <a:rPr lang="ru-RU" sz="1600" b="1" dirty="0"/>
-              <a:t>-</a:t>
-            </a:r>
-            <a:r>
-              <a:rPr lang="ru-RU" sz="1600" b="1" dirty="0" err="1"/>
-              <a:t>Изглед</a:t>
-            </a:r>
-            <a:r>
-              <a:rPr lang="ru-RU" sz="1600" b="1" dirty="0"/>
-              <a:t>-Контролер</a:t>
-            </a:r>
-            <a:r>
-              <a:rPr lang="ru-RU" sz="1600" dirty="0"/>
-              <a:t> е архитектурен шаблон за дизайн в </a:t>
-            </a:r>
-            <a:r>
-              <a:rPr lang="ru-RU" sz="1600" dirty="0" err="1"/>
-              <a:t>програмирането</a:t>
-            </a:r>
-            <a:r>
-              <a:rPr lang="ru-RU" sz="1600" dirty="0"/>
-              <a:t>, основан на </a:t>
-            </a:r>
-            <a:r>
-              <a:rPr lang="ru-RU" sz="1600" dirty="0" err="1"/>
-              <a:t>разделянето</a:t>
-            </a:r>
-            <a:r>
-              <a:rPr lang="ru-RU" sz="1600" dirty="0"/>
-              <a:t> на бизнес </a:t>
-            </a:r>
-            <a:r>
-              <a:rPr lang="ru-RU" sz="1600" dirty="0" err="1"/>
-              <a:t>логиката</a:t>
-            </a:r>
-            <a:r>
-              <a:rPr lang="ru-RU" sz="1600" dirty="0"/>
-              <a:t> от </a:t>
-            </a:r>
-            <a:r>
-              <a:rPr lang="ru-RU" sz="1600" dirty="0" err="1"/>
-              <a:t>графичния</a:t>
-            </a:r>
-            <a:r>
-              <a:rPr lang="ru-RU" sz="1600" dirty="0"/>
-              <a:t> интерфейс и </a:t>
-            </a:r>
-            <a:r>
-              <a:rPr lang="ru-RU" sz="1600" dirty="0" err="1"/>
-              <a:t>данните</a:t>
-            </a:r>
-            <a:r>
-              <a:rPr lang="ru-RU" sz="1600" dirty="0"/>
-              <a:t> в дадено приложение. </a:t>
-            </a:r>
-            <a:endParaRPr lang="en-US" sz="1600" dirty="0"/>
-          </a:p>
-        </p:txBody>
-      </p:sp>
-    </p:spTree>
-    <p:extLst>
-      <p:ext uri="{BB962C8B-B14F-4D97-AF65-F5344CB8AC3E}">
-        <p14:creationId xmlns:p14="http://schemas.microsoft.com/office/powerpoint/2010/main" val="222571311"/>
-      </p:ext>
-    </p:extLst>
-  </p:cSld>
-  <p:clrMapOvr>
-    <a:masterClrMapping/>
-  </p:clrMapOvr>
-</p:sld>
-</file>
-
-<file path=ppt/slides/slide4.xml><?xml version="1.0" encoding="utf-8"?>
-<p:sld xmlns:a="http://schemas.openxmlformats.org/drawingml/2006/main" xmlns:r="http://schemas.openxmlformats.org/officeDocument/2006/relationships" xmlns:p="http://schemas.openxmlformats.org/presentationml/2006/main">
-  <p:cSld>
-    <p:spTree>
-      <p:nvGrpSpPr>
-        <p:cNvPr id="1" name=""/>
-        <p:cNvGrpSpPr/>
-        <p:nvPr/>
-      </p:nvGrpSpPr>
-      <p:grpSpPr>
-        <a:xfrm>
-          <a:off x="0" y="0"/>
-          <a:ext cx="0" cy="0"/>
-          <a:chOff x="0" y="0"/>
-          <a:chExt cx="0" cy="0"/>
-        </a:xfrm>
-      </p:grpSpPr>
-      <p:pic>
-        <p:nvPicPr>
           <p:cNvPr id="2050" name="Picture 2" descr="webapi">
             <a:extLst>
               <a:ext uri="{FF2B5EF4-FFF2-40B4-BE49-F238E27FC236}">
@@ -7733,6 +6788,626 @@
 </p:sld>
 </file>
 
+<file path=ppt/slides/slide3.xml><?xml version="1.0" encoding="utf-8"?>
+<p:sld xmlns:a="http://schemas.openxmlformats.org/drawingml/2006/main" xmlns:r="http://schemas.openxmlformats.org/officeDocument/2006/relationships" xmlns:p="http://schemas.openxmlformats.org/presentationml/2006/main">
+  <p:cSld>
+    <p:spTree>
+      <p:nvGrpSpPr>
+        <p:cNvPr id="1" name=""/>
+        <p:cNvGrpSpPr/>
+        <p:nvPr/>
+      </p:nvGrpSpPr>
+      <p:grpSpPr>
+        <a:xfrm>
+          <a:off x="0" y="0"/>
+          <a:ext cx="0" cy="0"/>
+          <a:chOff x="0" y="0"/>
+          <a:chExt cx="0" cy="0"/>
+        </a:xfrm>
+      </p:grpSpPr>
+      <p:pic>
+        <p:nvPicPr>
+          <p:cNvPr id="3074" name="Picture 2" descr="Cloud Computing – Network Encyclopedia">
+            <a:extLst>
+              <a:ext uri="{FF2B5EF4-FFF2-40B4-BE49-F238E27FC236}">
+                <a16:creationId xmlns:a16="http://schemas.microsoft.com/office/drawing/2014/main" id="{A55E68D1-A26D-4705-AD24-97609FDD564F}"/>
+              </a:ext>
+            </a:extLst>
+          </p:cNvPr>
+          <p:cNvPicPr>
+            <a:picLocks noChangeAspect="1" noChangeArrowheads="1"/>
+          </p:cNvPicPr>
+          <p:nvPr/>
+        </p:nvPicPr>
+        <p:blipFill>
+          <a:blip r:embed="rId2">
+            <a:extLst>
+              <a:ext uri="{28A0092B-C50C-407E-A947-70E740481C1C}">
+                <a14:useLocalDpi xmlns:a14="http://schemas.microsoft.com/office/drawing/2010/main" val="0"/>
+              </a:ext>
+            </a:extLst>
+          </a:blip>
+          <a:srcRect/>
+          <a:stretch>
+            <a:fillRect/>
+          </a:stretch>
+        </p:blipFill>
+        <p:spPr bwMode="auto">
+          <a:xfrm>
+            <a:off x="2069977" y="338662"/>
+            <a:ext cx="8052046" cy="6180675"/>
+          </a:xfrm>
+          <a:prstGeom prst="rect">
+            <a:avLst/>
+          </a:prstGeom>
+          <a:noFill/>
+          <a:extLst>
+            <a:ext uri="{909E8E84-426E-40DD-AFC4-6F175D3DCCD1}">
+              <a14:hiddenFill xmlns:a14="http://schemas.microsoft.com/office/drawing/2010/main">
+                <a:solidFill>
+                  <a:srgbClr val="FFFFFF"/>
+                </a:solidFill>
+              </a14:hiddenFill>
+            </a:ext>
+          </a:extLst>
+        </p:spPr>
+      </p:pic>
+    </p:spTree>
+    <p:extLst>
+      <p:ext uri="{BB962C8B-B14F-4D97-AF65-F5344CB8AC3E}">
+        <p14:creationId xmlns:p14="http://schemas.microsoft.com/office/powerpoint/2010/main" val="254227963"/>
+      </p:ext>
+    </p:extLst>
+  </p:cSld>
+  <p:clrMapOvr>
+    <a:masterClrMapping/>
+  </p:clrMapOvr>
+</p:sld>
+</file>
+
+<file path=ppt/slides/slide4.xml><?xml version="1.0" encoding="utf-8"?>
+<p:sld xmlns:a="http://schemas.openxmlformats.org/drawingml/2006/main" xmlns:r="http://schemas.openxmlformats.org/officeDocument/2006/relationships" xmlns:p="http://schemas.openxmlformats.org/presentationml/2006/main">
+  <p:cSld>
+    <p:spTree>
+      <p:nvGrpSpPr>
+        <p:cNvPr id="1" name=""/>
+        <p:cNvGrpSpPr/>
+        <p:nvPr/>
+      </p:nvGrpSpPr>
+      <p:grpSpPr>
+        <a:xfrm>
+          <a:off x="0" y="0"/>
+          <a:ext cx="0" cy="0"/>
+          <a:chOff x="0" y="0"/>
+          <a:chExt cx="0" cy="0"/>
+        </a:xfrm>
+      </p:grpSpPr>
+      <p:pic>
+        <p:nvPicPr>
+          <p:cNvPr id="6" name="Content Placeholder 5">
+            <a:extLst>
+              <a:ext uri="{FF2B5EF4-FFF2-40B4-BE49-F238E27FC236}">
+                <a16:creationId xmlns:a16="http://schemas.microsoft.com/office/drawing/2014/main" id="{DBF375DB-83BD-4908-AC84-FB3EF66492C6}"/>
+              </a:ext>
+            </a:extLst>
+          </p:cNvPr>
+          <p:cNvPicPr>
+            <a:picLocks noGrp="1" noChangeAspect="1"/>
+          </p:cNvPicPr>
+          <p:nvPr>
+            <p:ph idx="1"/>
+          </p:nvPr>
+        </p:nvPicPr>
+        <p:blipFill>
+          <a:blip r:embed="rId2">
+            <a:extLst>
+              <a:ext uri="{28A0092B-C50C-407E-A947-70E740481C1C}">
+                <a14:useLocalDpi xmlns:a14="http://schemas.microsoft.com/office/drawing/2010/main" val="0"/>
+              </a:ext>
+              <a:ext uri="{96DAC541-7B7A-43D3-8B79-37D633B846F1}">
+                <asvg:svgBlip xmlns:asvg="http://schemas.microsoft.com/office/drawing/2016/SVG/main" r:embed="rId3"/>
+              </a:ext>
+            </a:extLst>
+          </a:blip>
+          <a:stretch>
+            <a:fillRect/>
+          </a:stretch>
+        </p:blipFill>
+        <p:spPr>
+          <a:xfrm>
+            <a:off x="0" y="2404449"/>
+            <a:ext cx="6828778" cy="4453551"/>
+          </a:xfrm>
+        </p:spPr>
+      </p:pic>
+      <p:pic>
+        <p:nvPicPr>
+          <p:cNvPr id="5124" name="Picture 4" descr="REST API Guides | Kinvey">
+            <a:extLst>
+              <a:ext uri="{FF2B5EF4-FFF2-40B4-BE49-F238E27FC236}">
+                <a16:creationId xmlns:a16="http://schemas.microsoft.com/office/drawing/2014/main" id="{62C7E814-D589-41BA-8098-70F279ABD550}"/>
+              </a:ext>
+            </a:extLst>
+          </p:cNvPr>
+          <p:cNvPicPr>
+            <a:picLocks noChangeAspect="1" noChangeArrowheads="1"/>
+          </p:cNvPicPr>
+          <p:nvPr/>
+        </p:nvPicPr>
+        <p:blipFill>
+          <a:blip r:embed="rId4">
+            <a:extLst>
+              <a:ext uri="{28A0092B-C50C-407E-A947-70E740481C1C}">
+                <a14:useLocalDpi xmlns:a14="http://schemas.microsoft.com/office/drawing/2010/main" val="0"/>
+              </a:ext>
+            </a:extLst>
+          </a:blip>
+          <a:srcRect/>
+          <a:stretch>
+            <a:fillRect/>
+          </a:stretch>
+        </p:blipFill>
+        <p:spPr bwMode="auto">
+          <a:xfrm>
+            <a:off x="2503502" y="495356"/>
+            <a:ext cx="7392047" cy="1130548"/>
+          </a:xfrm>
+          <a:prstGeom prst="rect">
+            <a:avLst/>
+          </a:prstGeom>
+          <a:noFill/>
+          <a:extLst>
+            <a:ext uri="{909E8E84-426E-40DD-AFC4-6F175D3DCCD1}">
+              <a14:hiddenFill xmlns:a14="http://schemas.microsoft.com/office/drawing/2010/main">
+                <a:solidFill>
+                  <a:srgbClr val="FFFFFF"/>
+                </a:solidFill>
+              </a14:hiddenFill>
+            </a:ext>
+          </a:extLst>
+        </p:spPr>
+      </p:pic>
+      <p:sp>
+        <p:nvSpPr>
+          <p:cNvPr id="7" name="Rectangle 6">
+            <a:extLst>
+              <a:ext uri="{FF2B5EF4-FFF2-40B4-BE49-F238E27FC236}">
+                <a16:creationId xmlns:a16="http://schemas.microsoft.com/office/drawing/2014/main" id="{B39C50DB-A45D-44D8-914D-0E67E292E4A6}"/>
+              </a:ext>
+            </a:extLst>
+          </p:cNvPr>
+          <p:cNvSpPr/>
+          <p:nvPr/>
+        </p:nvSpPr>
+        <p:spPr>
+          <a:xfrm>
+            <a:off x="5429468" y="1441237"/>
+            <a:ext cx="4327091" cy="461665"/>
+          </a:xfrm>
+          <a:prstGeom prst="rect">
+            <a:avLst/>
+          </a:prstGeom>
+        </p:spPr>
+        <p:txBody>
+          <a:bodyPr wrap="square">
+            <a:spAutoFit/>
+          </a:bodyPr>
+          <a:lstStyle/>
+          <a:p>
+            <a:r>
+              <a:rPr lang="en-US" sz="2400" dirty="0"/>
+              <a:t>https://console.kinvey.com/login</a:t>
+            </a:r>
+          </a:p>
+        </p:txBody>
+      </p:sp>
+      <p:sp>
+        <p:nvSpPr>
+          <p:cNvPr id="8" name="Rectangle 7">
+            <a:extLst>
+              <a:ext uri="{FF2B5EF4-FFF2-40B4-BE49-F238E27FC236}">
+                <a16:creationId xmlns:a16="http://schemas.microsoft.com/office/drawing/2014/main" id="{36567F33-A60F-48F8-A8CE-E0B1E7B2F95C}"/>
+              </a:ext>
+            </a:extLst>
+          </p:cNvPr>
+          <p:cNvSpPr/>
+          <p:nvPr/>
+        </p:nvSpPr>
+        <p:spPr>
+          <a:xfrm>
+            <a:off x="3323206" y="2294079"/>
+            <a:ext cx="8990121" cy="646331"/>
+          </a:xfrm>
+          <a:prstGeom prst="rect">
+            <a:avLst/>
+          </a:prstGeom>
+        </p:spPr>
+        <p:txBody>
+          <a:bodyPr wrap="square">
+            <a:spAutoFit/>
+          </a:bodyPr>
+          <a:lstStyle/>
+          <a:p>
+            <a:r>
+              <a:rPr lang="bg-BG" dirty="0"/>
+              <a:t>Б</a:t>
+            </a:r>
+            <a:r>
+              <a:rPr lang="en-US" dirty="0" err="1"/>
+              <a:t>екенд</a:t>
+            </a:r>
+            <a:r>
+              <a:rPr lang="en-US" dirty="0"/>
+              <a:t> </a:t>
+            </a:r>
+            <a:r>
+              <a:rPr lang="en-US" dirty="0" err="1"/>
+              <a:t>като</a:t>
+            </a:r>
+            <a:r>
+              <a:rPr lang="en-US" dirty="0"/>
+              <a:t> </a:t>
+            </a:r>
+            <a:r>
+              <a:rPr lang="en-US" dirty="0" err="1"/>
+              <a:t>услуга</a:t>
+            </a:r>
+            <a:r>
+              <a:rPr lang="en-US" dirty="0"/>
+              <a:t> е </a:t>
+            </a:r>
+            <a:r>
+              <a:rPr lang="en-US" dirty="0" err="1"/>
+              <a:t>модел</a:t>
+            </a:r>
+            <a:r>
+              <a:rPr lang="en-US" dirty="0"/>
+              <a:t> </a:t>
+            </a:r>
+            <a:r>
+              <a:rPr lang="en-US" dirty="0" err="1"/>
+              <a:t>за</a:t>
+            </a:r>
+            <a:r>
+              <a:rPr lang="en-US" dirty="0"/>
+              <a:t> </a:t>
+            </a:r>
+            <a:r>
+              <a:rPr lang="en-US" dirty="0" err="1"/>
+              <a:t>предоставяне</a:t>
+            </a:r>
+            <a:r>
+              <a:rPr lang="en-US" dirty="0"/>
+              <a:t> </a:t>
+            </a:r>
+            <a:r>
+              <a:rPr lang="en-US" dirty="0" err="1"/>
+              <a:t>на</a:t>
+            </a:r>
+            <a:r>
+              <a:rPr lang="en-US" dirty="0"/>
+              <a:t> </a:t>
+            </a:r>
+            <a:r>
+              <a:rPr lang="en-US" dirty="0" err="1"/>
+              <a:t>разработчиците</a:t>
+            </a:r>
+            <a:r>
+              <a:rPr lang="en-US" dirty="0"/>
+              <a:t> </a:t>
+            </a:r>
+            <a:r>
+              <a:rPr lang="en-US" dirty="0" err="1"/>
+              <a:t>начин</a:t>
+            </a:r>
+            <a:r>
+              <a:rPr lang="en-US" dirty="0"/>
+              <a:t> </a:t>
+            </a:r>
+            <a:r>
+              <a:rPr lang="en-US" dirty="0" err="1"/>
+              <a:t>да</a:t>
+            </a:r>
+            <a:r>
+              <a:rPr lang="en-US" dirty="0"/>
+              <a:t> </a:t>
+            </a:r>
+            <a:r>
+              <a:rPr lang="en-US" dirty="0" err="1"/>
+              <a:t>свържат</a:t>
+            </a:r>
+            <a:r>
+              <a:rPr lang="en-US" dirty="0"/>
+              <a:t> </a:t>
+            </a:r>
+            <a:r>
+              <a:rPr lang="en-US" dirty="0" err="1"/>
+              <a:t>своите</a:t>
+            </a:r>
+            <a:r>
+              <a:rPr lang="en-US" dirty="0"/>
+              <a:t> </a:t>
+            </a:r>
+            <a:r>
+              <a:rPr lang="en-US" dirty="0" err="1"/>
+              <a:t>приложения</a:t>
+            </a:r>
+            <a:r>
+              <a:rPr lang="en-US" dirty="0"/>
+              <a:t> </a:t>
+            </a:r>
+            <a:r>
+              <a:rPr lang="en-US" dirty="0" err="1"/>
+              <a:t>към</a:t>
+            </a:r>
+            <a:r>
+              <a:rPr lang="en-US" dirty="0"/>
+              <a:t> </a:t>
+            </a:r>
+            <a:r>
+              <a:rPr lang="en-US" dirty="0" err="1"/>
+              <a:t>бекенд</a:t>
+            </a:r>
+            <a:r>
+              <a:rPr lang="en-US" dirty="0"/>
+              <a:t> </a:t>
+            </a:r>
+            <a:r>
+              <a:rPr lang="en-US" dirty="0" err="1"/>
+              <a:t>облачно</a:t>
+            </a:r>
+            <a:r>
+              <a:rPr lang="en-US" dirty="0"/>
+              <a:t> </a:t>
+            </a:r>
+            <a:r>
+              <a:rPr lang="en-US" dirty="0" err="1"/>
+              <a:t>съхранение</a:t>
+            </a:r>
+            <a:r>
+              <a:rPr lang="en-US" dirty="0"/>
+              <a:t> и </a:t>
+            </a:r>
+            <a:r>
+              <a:rPr lang="en-US" dirty="0" err="1"/>
+              <a:t>приложни</a:t>
+            </a:r>
+            <a:r>
+              <a:rPr lang="en-US" dirty="0"/>
+              <a:t> </a:t>
+            </a:r>
+            <a:r>
+              <a:rPr lang="en-US" dirty="0" err="1"/>
+              <a:t>програмни</a:t>
+            </a:r>
+            <a:r>
+              <a:rPr lang="en-US" dirty="0"/>
+              <a:t> </a:t>
+            </a:r>
+            <a:r>
+              <a:rPr lang="en-US" dirty="0" err="1"/>
+              <a:t>интерфейси</a:t>
+            </a:r>
+            <a:r>
+              <a:rPr lang="en-US" dirty="0"/>
+              <a:t> (API)</a:t>
+            </a:r>
+            <a:r>
+              <a:rPr lang="bg-BG" dirty="0"/>
+              <a:t>.</a:t>
+            </a:r>
+            <a:endParaRPr lang="en-US" dirty="0"/>
+          </a:p>
+        </p:txBody>
+      </p:sp>
+      <p:sp>
+        <p:nvSpPr>
+          <p:cNvPr id="9" name="Rectangle 8">
+            <a:extLst>
+              <a:ext uri="{FF2B5EF4-FFF2-40B4-BE49-F238E27FC236}">
+                <a16:creationId xmlns:a16="http://schemas.microsoft.com/office/drawing/2014/main" id="{8EA04F31-39BC-4A11-B6A3-75780F4AE3B7}"/>
+              </a:ext>
+            </a:extLst>
+          </p:cNvPr>
+          <p:cNvSpPr/>
+          <p:nvPr/>
+        </p:nvSpPr>
+        <p:spPr>
+          <a:xfrm>
+            <a:off x="3980155" y="2808900"/>
+            <a:ext cx="8072668" cy="923330"/>
+          </a:xfrm>
+          <a:prstGeom prst="rect">
+            <a:avLst/>
+          </a:prstGeom>
+        </p:spPr>
+        <p:txBody>
+          <a:bodyPr wrap="square">
+            <a:spAutoFit/>
+          </a:bodyPr>
+          <a:lstStyle/>
+          <a:p>
+            <a:pPr algn="just"/>
+            <a:r>
+              <a:rPr lang="en-US" dirty="0" err="1"/>
+              <a:t>Доставчиците</a:t>
+            </a:r>
+            <a:r>
+              <a:rPr lang="en-US" dirty="0"/>
+              <a:t> </a:t>
+            </a:r>
+            <a:r>
+              <a:rPr lang="en-US" dirty="0" err="1"/>
+              <a:t>на</a:t>
+            </a:r>
+            <a:r>
+              <a:rPr lang="en-US" dirty="0"/>
+              <a:t> BaaS</a:t>
+            </a:r>
+            <a:r>
+              <a:rPr lang="bg-BG" dirty="0"/>
+              <a:t> (като </a:t>
+            </a:r>
+            <a:r>
+              <a:rPr lang="en-US" dirty="0" err="1"/>
+              <a:t>Kinvery</a:t>
+            </a:r>
+            <a:r>
+              <a:rPr lang="en-US" dirty="0"/>
+              <a:t>) </a:t>
+            </a:r>
+            <a:r>
+              <a:rPr lang="en-US" dirty="0" err="1"/>
+              <a:t>предоставят</a:t>
+            </a:r>
+            <a:r>
+              <a:rPr lang="en-US" dirty="0"/>
+              <a:t> </a:t>
+            </a:r>
+            <a:r>
+              <a:rPr lang="en-US" dirty="0" err="1"/>
+              <a:t>предварително</a:t>
+            </a:r>
+            <a:r>
+              <a:rPr lang="en-US" dirty="0"/>
+              <a:t> </a:t>
+            </a:r>
+            <a:r>
+              <a:rPr lang="en-US" dirty="0" err="1"/>
+              <a:t>написан</a:t>
+            </a:r>
+            <a:r>
+              <a:rPr lang="en-US" dirty="0"/>
+              <a:t> </a:t>
+            </a:r>
+            <a:r>
+              <a:rPr lang="en-US" dirty="0" err="1"/>
+              <a:t>софтуер</a:t>
+            </a:r>
+            <a:r>
+              <a:rPr lang="en-US" dirty="0"/>
+              <a:t> </a:t>
+            </a:r>
+            <a:r>
+              <a:rPr lang="en-US" dirty="0" err="1"/>
+              <a:t>за</a:t>
+            </a:r>
+            <a:r>
+              <a:rPr lang="en-US" dirty="0"/>
+              <a:t> </a:t>
+            </a:r>
+            <a:r>
+              <a:rPr lang="en-US" dirty="0" err="1"/>
+              <a:t>дейности</a:t>
+            </a:r>
+            <a:r>
+              <a:rPr lang="en-US" dirty="0"/>
+              <a:t> </a:t>
+            </a:r>
+            <a:r>
+              <a:rPr lang="en-US" dirty="0" err="1"/>
+              <a:t>като</a:t>
+            </a:r>
+            <a:r>
+              <a:rPr lang="en-US" dirty="0"/>
+              <a:t> </a:t>
+            </a:r>
+            <a:r>
+              <a:rPr lang="en-US" dirty="0" err="1"/>
+              <a:t>удостоверяване</a:t>
+            </a:r>
+            <a:r>
+              <a:rPr lang="en-US" dirty="0"/>
+              <a:t> </a:t>
+            </a:r>
+            <a:r>
+              <a:rPr lang="en-US" dirty="0" err="1"/>
+              <a:t>на</a:t>
+            </a:r>
+            <a:r>
+              <a:rPr lang="en-US" dirty="0"/>
+              <a:t> </a:t>
+            </a:r>
+            <a:r>
+              <a:rPr lang="en-US" dirty="0" err="1"/>
+              <a:t>потребителя</a:t>
+            </a:r>
+            <a:r>
+              <a:rPr lang="en-US" dirty="0"/>
+              <a:t>, </a:t>
+            </a:r>
+            <a:r>
+              <a:rPr lang="en-US" dirty="0" err="1"/>
+              <a:t>управление</a:t>
+            </a:r>
+            <a:r>
+              <a:rPr lang="en-US" dirty="0"/>
+              <a:t> </a:t>
+            </a:r>
+            <a:r>
+              <a:rPr lang="en-US" dirty="0" err="1"/>
+              <a:t>на</a:t>
+            </a:r>
+            <a:r>
+              <a:rPr lang="en-US" dirty="0"/>
+              <a:t> </a:t>
+            </a:r>
+            <a:r>
+              <a:rPr lang="en-US" dirty="0" err="1"/>
+              <a:t>база</a:t>
+            </a:r>
+            <a:r>
+              <a:rPr lang="en-US" dirty="0"/>
+              <a:t> </a:t>
+            </a:r>
+            <a:r>
+              <a:rPr lang="en-US" dirty="0" err="1"/>
+              <a:t>данни</a:t>
+            </a:r>
+            <a:r>
+              <a:rPr lang="en-US" dirty="0"/>
+              <a:t>, </a:t>
+            </a:r>
+            <a:r>
+              <a:rPr lang="en-US" dirty="0" err="1"/>
+              <a:t>съхранение</a:t>
+            </a:r>
+            <a:r>
+              <a:rPr lang="en-US" dirty="0"/>
+              <a:t> в </a:t>
+            </a:r>
+            <a:r>
+              <a:rPr lang="en-US" dirty="0" err="1"/>
+              <a:t>облак</a:t>
+            </a:r>
+            <a:r>
+              <a:rPr lang="en-US" dirty="0"/>
+              <a:t> и </a:t>
+            </a:r>
+            <a:r>
+              <a:rPr lang="en-US" dirty="0" err="1"/>
+              <a:t>хостинг</a:t>
+            </a:r>
+            <a:r>
+              <a:rPr lang="en-US" dirty="0"/>
+              <a:t>.</a:t>
+            </a:r>
+          </a:p>
+        </p:txBody>
+      </p:sp>
+    </p:spTree>
+    <p:extLst>
+      <p:ext uri="{BB962C8B-B14F-4D97-AF65-F5344CB8AC3E}">
+        <p14:creationId xmlns:p14="http://schemas.microsoft.com/office/powerpoint/2010/main" val="3591134184"/>
+      </p:ext>
+    </p:extLst>
+  </p:cSld>
+  <p:clrMapOvr>
+    <a:masterClrMapping/>
+  </p:clrMapOvr>
+</p:sld>
+</file>
+
 <file path=ppt/slides/slide5.xml><?xml version="1.0" encoding="utf-8"?>
 <p:sld xmlns:a="http://schemas.openxmlformats.org/drawingml/2006/main" xmlns:r="http://schemas.openxmlformats.org/officeDocument/2006/relationships" xmlns:p="http://schemas.openxmlformats.org/presentationml/2006/main">
   <p:cSld>
@@ -7752,55 +7427,170 @@
       </p:grpSpPr>
       <p:pic>
         <p:nvPicPr>
-          <p:cNvPr id="3074" name="Picture 2" descr="Cloud Computing – Network Encyclopedia">
-            <a:extLst>
-              <a:ext uri="{FF2B5EF4-FFF2-40B4-BE49-F238E27FC236}">
-                <a16:creationId xmlns:a16="http://schemas.microsoft.com/office/drawing/2014/main" id="{A55E68D1-A26D-4705-AD24-97609FDD564F}"/>
+          <p:cNvPr id="4" name="Picture 3">
+            <a:extLst>
+              <a:ext uri="{FF2B5EF4-FFF2-40B4-BE49-F238E27FC236}">
+                <a16:creationId xmlns:a16="http://schemas.microsoft.com/office/drawing/2014/main" id="{84960685-58D7-4D28-8F73-2BEF7AE49EEB}"/>
               </a:ext>
             </a:extLst>
           </p:cNvPr>
           <p:cNvPicPr>
-            <a:picLocks noChangeAspect="1" noChangeArrowheads="1"/>
+            <a:picLocks noChangeAspect="1"/>
           </p:cNvPicPr>
           <p:nvPr/>
         </p:nvPicPr>
         <p:blipFill>
-          <a:blip r:embed="rId2">
-            <a:extLst>
-              <a:ext uri="{28A0092B-C50C-407E-A947-70E740481C1C}">
-                <a14:useLocalDpi xmlns:a14="http://schemas.microsoft.com/office/drawing/2010/main" val="0"/>
-              </a:ext>
-            </a:extLst>
-          </a:blip>
-          <a:srcRect/>
+          <a:blip r:embed="rId2"/>
           <a:stretch>
             <a:fillRect/>
           </a:stretch>
         </p:blipFill>
-        <p:spPr bwMode="auto">
+        <p:spPr>
           <a:xfrm>
-            <a:off x="2069977" y="338662"/>
-            <a:ext cx="8052046" cy="6180675"/>
+            <a:off x="2282842" y="409575"/>
+            <a:ext cx="7852325" cy="6448425"/>
+          </a:xfrm>
+          <a:prstGeom prst="rect">
+            <a:avLst/>
+          </a:prstGeom>
+        </p:spPr>
+      </p:pic>
+      <p:sp>
+        <p:nvSpPr>
+          <p:cNvPr id="5" name="Rectangle 4">
+            <a:extLst>
+              <a:ext uri="{FF2B5EF4-FFF2-40B4-BE49-F238E27FC236}">
+                <a16:creationId xmlns:a16="http://schemas.microsoft.com/office/drawing/2014/main" id="{A0434AE5-C5BD-45F3-B905-7A33B884597B}"/>
+              </a:ext>
+            </a:extLst>
+          </p:cNvPr>
+          <p:cNvSpPr/>
+          <p:nvPr/>
+        </p:nvSpPr>
+        <p:spPr>
+          <a:xfrm>
+            <a:off x="4691005" y="178742"/>
+            <a:ext cx="4587025" cy="461665"/>
+          </a:xfrm>
+          <a:prstGeom prst="rect">
+            <a:avLst/>
+          </a:prstGeom>
+        </p:spPr>
+        <p:txBody>
+          <a:bodyPr wrap="none">
+            <a:spAutoFit/>
+          </a:bodyPr>
+          <a:lstStyle/>
+          <a:p>
+            <a:r>
+              <a:rPr lang="en-US" sz="2400" dirty="0"/>
+              <a:t>https://console.kinvey.com/sign-up</a:t>
+            </a:r>
+          </a:p>
+        </p:txBody>
+      </p:sp>
+      <p:sp>
+        <p:nvSpPr>
+          <p:cNvPr id="2" name="Rectangle 1">
+            <a:extLst>
+              <a:ext uri="{FF2B5EF4-FFF2-40B4-BE49-F238E27FC236}">
+                <a16:creationId xmlns:a16="http://schemas.microsoft.com/office/drawing/2014/main" id="{086E7039-2AC5-44D9-A708-DDCA7270984A}"/>
+              </a:ext>
+            </a:extLst>
+          </p:cNvPr>
+          <p:cNvSpPr/>
+          <p:nvPr/>
+        </p:nvSpPr>
+        <p:spPr>
+          <a:xfrm>
+            <a:off x="73746" y="5755928"/>
+            <a:ext cx="12118254" cy="923330"/>
           </a:xfrm>
           <a:prstGeom prst="rect">
             <a:avLst/>
           </a:prstGeom>
           <a:noFill/>
-          <a:extLst>
-            <a:ext uri="{909E8E84-426E-40DD-AFC4-6F175D3DCCD1}">
-              <a14:hiddenFill xmlns:a14="http://schemas.microsoft.com/office/drawing/2010/main">
+        </p:spPr>
+        <p:txBody>
+          <a:bodyPr wrap="none" lIns="91440" tIns="45720" rIns="91440" bIns="45720">
+            <a:spAutoFit/>
+          </a:bodyPr>
+          <a:lstStyle/>
+          <a:p>
+            <a:pPr algn="ctr"/>
+            <a:r>
+              <a:rPr lang="en-US" sz="5400" b="1" spc="50" dirty="0" err="1">
+                <a:ln w="9525" cmpd="sng">
+                  <a:solidFill>
+                    <a:schemeClr val="accent1"/>
+                  </a:solidFill>
+                  <a:prstDash val="solid"/>
+                </a:ln>
                 <a:solidFill>
-                  <a:srgbClr val="FFFFFF"/>
+                  <a:srgbClr val="70AD47">
+                    <a:tint val="1000"/>
+                  </a:srgbClr>
                 </a:solidFill>
-              </a14:hiddenFill>
-            </a:ext>
-          </a:extLst>
-        </p:spPr>
-      </p:pic>
+                <a:effectLst>
+                  <a:glow rad="38100">
+                    <a:schemeClr val="accent1">
+                      <a:alpha val="40000"/>
+                    </a:schemeClr>
+                  </a:glow>
+                </a:effectLst>
+              </a:rPr>
+              <a:t>Kinvey</a:t>
+            </a:r>
+            <a:r>
+              <a:rPr lang="en-US" sz="5400" b="1" spc="50" dirty="0">
+                <a:ln w="9525" cmpd="sng">
+                  <a:solidFill>
+                    <a:schemeClr val="accent1"/>
+                  </a:solidFill>
+                  <a:prstDash val="solid"/>
+                </a:ln>
+                <a:solidFill>
+                  <a:srgbClr val="70AD47">
+                    <a:tint val="1000"/>
+                  </a:srgbClr>
+                </a:solidFill>
+                <a:effectLst>
+                  <a:glow rad="38100">
+                    <a:schemeClr val="accent1">
+                      <a:alpha val="40000"/>
+                    </a:schemeClr>
+                  </a:glow>
+                </a:effectLst>
+              </a:rPr>
+              <a:t> - Please verify your email address</a:t>
+            </a:r>
+            <a:endParaRPr lang="en-US" sz="5400" b="1" cap="none" spc="50" dirty="0">
+              <a:ln w="9525" cmpd="sng">
+                <a:solidFill>
+                  <a:schemeClr val="accent1"/>
+                </a:solidFill>
+                <a:prstDash val="solid"/>
+              </a:ln>
+              <a:solidFill>
+                <a:srgbClr val="70AD47">
+                  <a:tint val="1000"/>
+                </a:srgbClr>
+              </a:solidFill>
+              <a:effectLst>
+                <a:glow rad="38100">
+                  <a:schemeClr val="accent1">
+                    <a:alpha val="40000"/>
+                  </a:schemeClr>
+                </a:glow>
+              </a:effectLst>
+            </a:endParaRPr>
+          </a:p>
+        </p:txBody>
+      </p:sp>
     </p:spTree>
     <p:extLst>
       <p:ext uri="{BB962C8B-B14F-4D97-AF65-F5344CB8AC3E}">
-        <p14:creationId xmlns:p14="http://schemas.microsoft.com/office/powerpoint/2010/main" val="254227963"/>
+        <p14:creationId xmlns:p14="http://schemas.microsoft.com/office/powerpoint/2010/main" val="1828273136"/>
       </p:ext>
     </p:extLst>
   </p:cSld>
@@ -7829,521 +7619,160 @@
       </p:grpSpPr>
       <p:pic>
         <p:nvPicPr>
-          <p:cNvPr id="6" name="Content Placeholder 5">
-            <a:extLst>
-              <a:ext uri="{FF2B5EF4-FFF2-40B4-BE49-F238E27FC236}">
-                <a16:creationId xmlns:a16="http://schemas.microsoft.com/office/drawing/2014/main" id="{DBF375DB-83BD-4908-AC84-FB3EF66492C6}"/>
+          <p:cNvPr id="5" name="Picture 4">
+            <a:extLst>
+              <a:ext uri="{FF2B5EF4-FFF2-40B4-BE49-F238E27FC236}">
+                <a16:creationId xmlns:a16="http://schemas.microsoft.com/office/drawing/2014/main" id="{4EF8EA95-BC7A-450E-9E82-850391A26E0B}"/>
               </a:ext>
             </a:extLst>
           </p:cNvPr>
           <p:cNvPicPr>
-            <a:picLocks noGrp="1" noChangeAspect="1"/>
+            <a:picLocks noChangeAspect="1"/>
           </p:cNvPicPr>
-          <p:nvPr>
-            <p:ph idx="1"/>
-          </p:nvPr>
+          <p:nvPr/>
         </p:nvPicPr>
         <p:blipFill>
-          <a:blip r:embed="rId2">
-            <a:extLst>
-              <a:ext uri="{28A0092B-C50C-407E-A947-70E740481C1C}">
-                <a14:useLocalDpi xmlns:a14="http://schemas.microsoft.com/office/drawing/2010/main" val="0"/>
-              </a:ext>
-              <a:ext uri="{96DAC541-7B7A-43D3-8B79-37D633B846F1}">
-                <asvg:svgBlip xmlns:asvg="http://schemas.microsoft.com/office/drawing/2016/SVG/main" r:embed="rId3"/>
-              </a:ext>
-            </a:extLst>
-          </a:blip>
+          <a:blip r:embed="rId2"/>
           <a:stretch>
             <a:fillRect/>
           </a:stretch>
         </p:blipFill>
         <p:spPr>
           <a:xfrm>
-            <a:off x="0" y="2404449"/>
-            <a:ext cx="6828778" cy="4453551"/>
-          </a:xfrm>
+            <a:off x="0" y="0"/>
+            <a:ext cx="3627501" cy="6858000"/>
+          </a:xfrm>
+          <a:prstGeom prst="rect">
+            <a:avLst/>
+          </a:prstGeom>
+          <a:ln>
+            <a:noFill/>
+          </a:ln>
+          <a:effectLst>
+            <a:softEdge rad="112500"/>
+          </a:effectLst>
         </p:spPr>
       </p:pic>
       <p:pic>
         <p:nvPicPr>
-          <p:cNvPr id="5124" name="Picture 4" descr="REST API Guides | Kinvey">
-            <a:extLst>
-              <a:ext uri="{FF2B5EF4-FFF2-40B4-BE49-F238E27FC236}">
-                <a16:creationId xmlns:a16="http://schemas.microsoft.com/office/drawing/2014/main" id="{62C7E814-D589-41BA-8098-70F279ABD550}"/>
+          <p:cNvPr id="7" name="Picture 6">
+            <a:extLst>
+              <a:ext uri="{FF2B5EF4-FFF2-40B4-BE49-F238E27FC236}">
+                <a16:creationId xmlns:a16="http://schemas.microsoft.com/office/drawing/2014/main" id="{3446A88C-D0E0-4C38-A521-A4937259FA80}"/>
               </a:ext>
             </a:extLst>
           </p:cNvPr>
           <p:cNvPicPr>
-            <a:picLocks noChangeAspect="1" noChangeArrowheads="1"/>
+            <a:picLocks noChangeAspect="1"/>
           </p:cNvPicPr>
           <p:nvPr/>
         </p:nvPicPr>
         <p:blipFill>
-          <a:blip r:embed="rId4">
-            <a:extLst>
-              <a:ext uri="{28A0092B-C50C-407E-A947-70E740481C1C}">
-                <a14:useLocalDpi xmlns:a14="http://schemas.microsoft.com/office/drawing/2010/main" val="0"/>
-              </a:ext>
-            </a:extLst>
-          </a:blip>
-          <a:srcRect/>
+          <a:blip r:embed="rId3"/>
           <a:stretch>
             <a:fillRect/>
           </a:stretch>
         </p:blipFill>
-        <p:spPr bwMode="auto">
+        <p:spPr>
           <a:xfrm>
-            <a:off x="2503502" y="495356"/>
-            <a:ext cx="7392047" cy="1130548"/>
+            <a:off x="3845615" y="0"/>
+            <a:ext cx="8277225" cy="1943100"/>
           </a:xfrm>
           <a:prstGeom prst="rect">
             <a:avLst/>
           </a:prstGeom>
-          <a:noFill/>
-          <a:extLst>
-            <a:ext uri="{909E8E84-426E-40DD-AFC4-6F175D3DCCD1}">
-              <a14:hiddenFill xmlns:a14="http://schemas.microsoft.com/office/drawing/2010/main">
-                <a:solidFill>
-                  <a:srgbClr val="FFFFFF"/>
-                </a:solidFill>
-              </a14:hiddenFill>
-            </a:ext>
-          </a:extLst>
+          <a:ln>
+            <a:noFill/>
+          </a:ln>
+          <a:effectLst>
+            <a:softEdge rad="112500"/>
+          </a:effectLst>
         </p:spPr>
       </p:pic>
-      <p:sp>
-        <p:nvSpPr>
-          <p:cNvPr id="7" name="Rectangle 6">
-            <a:extLst>
-              <a:ext uri="{FF2B5EF4-FFF2-40B4-BE49-F238E27FC236}">
-                <a16:creationId xmlns:a16="http://schemas.microsoft.com/office/drawing/2014/main" id="{B39C50DB-A45D-44D8-914D-0E67E292E4A6}"/>
-              </a:ext>
-            </a:extLst>
-          </p:cNvPr>
-          <p:cNvSpPr/>
+      <p:pic>
+        <p:nvPicPr>
+          <p:cNvPr id="9" name="Picture 8">
+            <a:extLst>
+              <a:ext uri="{FF2B5EF4-FFF2-40B4-BE49-F238E27FC236}">
+                <a16:creationId xmlns:a16="http://schemas.microsoft.com/office/drawing/2014/main" id="{90B00E87-C1A2-40EC-AE6E-8F03B3BC708F}"/>
+              </a:ext>
+            </a:extLst>
+          </p:cNvPr>
+          <p:cNvPicPr>
+            <a:picLocks noChangeAspect="1"/>
+          </p:cNvPicPr>
           <p:nvPr/>
-        </p:nvSpPr>
+        </p:nvPicPr>
+        <p:blipFill>
+          <a:blip r:embed="rId4"/>
+          <a:stretch>
+            <a:fillRect/>
+          </a:stretch>
+        </p:blipFill>
         <p:spPr>
           <a:xfrm>
-            <a:off x="5429468" y="1441237"/>
-            <a:ext cx="4327091" cy="461665"/>
+            <a:off x="4005349" y="2237719"/>
+            <a:ext cx="3476625" cy="4010025"/>
           </a:xfrm>
           <a:prstGeom prst="rect">
             <a:avLst/>
           </a:prstGeom>
-        </p:spPr>
-        <p:txBody>
-          <a:bodyPr wrap="square">
-            <a:spAutoFit/>
-          </a:bodyPr>
-          <a:lstStyle/>
-          <a:p>
-            <a:r>
-              <a:rPr lang="en-US" sz="2400" dirty="0"/>
-              <a:t>https://console.kinvey.com/login</a:t>
-            </a:r>
-          </a:p>
-        </p:txBody>
-      </p:sp>
-      <p:sp>
-        <p:nvSpPr>
-          <p:cNvPr id="8" name="Rectangle 7">
-            <a:extLst>
-              <a:ext uri="{FF2B5EF4-FFF2-40B4-BE49-F238E27FC236}">
-                <a16:creationId xmlns:a16="http://schemas.microsoft.com/office/drawing/2014/main" id="{36567F33-A60F-48F8-A8CE-E0B1E7B2F95C}"/>
-              </a:ext>
-            </a:extLst>
-          </p:cNvPr>
-          <p:cNvSpPr/>
+          <a:ln>
+            <a:noFill/>
+          </a:ln>
+          <a:effectLst>
+            <a:outerShdw blurRad="292100" dist="139700" dir="2700000" algn="tl" rotWithShape="0">
+              <a:srgbClr val="333333">
+                <a:alpha val="65000"/>
+              </a:srgbClr>
+            </a:outerShdw>
+          </a:effectLst>
+        </p:spPr>
+      </p:pic>
+      <p:pic>
+        <p:nvPicPr>
+          <p:cNvPr id="11" name="Picture 10">
+            <a:extLst>
+              <a:ext uri="{FF2B5EF4-FFF2-40B4-BE49-F238E27FC236}">
+                <a16:creationId xmlns:a16="http://schemas.microsoft.com/office/drawing/2014/main" id="{FE8A8189-CB1F-4853-BA58-2554A6D3376C}"/>
+              </a:ext>
+            </a:extLst>
+          </p:cNvPr>
+          <p:cNvPicPr>
+            <a:picLocks noChangeAspect="1"/>
+          </p:cNvPicPr>
           <p:nvPr/>
-        </p:nvSpPr>
+        </p:nvPicPr>
+        <p:blipFill>
+          <a:blip r:embed="rId5"/>
+          <a:stretch>
+            <a:fillRect/>
+          </a:stretch>
+        </p:blipFill>
         <p:spPr>
           <a:xfrm>
-            <a:off x="3323206" y="2294079"/>
-            <a:ext cx="8990121" cy="646331"/>
+            <a:off x="7730499" y="2237719"/>
+            <a:ext cx="4201469" cy="3507648"/>
           </a:xfrm>
           <a:prstGeom prst="rect">
             <a:avLst/>
           </a:prstGeom>
-        </p:spPr>
-        <p:txBody>
-          <a:bodyPr wrap="square">
-            <a:spAutoFit/>
-          </a:bodyPr>
-          <a:lstStyle/>
-          <a:p>
-            <a:r>
-              <a:rPr lang="bg-BG" dirty="0"/>
-              <a:t>Б</a:t>
-            </a:r>
-            <a:r>
-              <a:rPr lang="en-US" dirty="0" err="1"/>
-              <a:t>екенд</a:t>
-            </a:r>
-            <a:r>
-              <a:rPr lang="en-US" dirty="0"/>
-              <a:t> </a:t>
-            </a:r>
-            <a:r>
-              <a:rPr lang="en-US" dirty="0" err="1"/>
-              <a:t>като</a:t>
-            </a:r>
-            <a:r>
-              <a:rPr lang="en-US" dirty="0"/>
-              <a:t> </a:t>
-            </a:r>
-            <a:r>
-              <a:rPr lang="en-US" dirty="0" err="1"/>
-              <a:t>услуга</a:t>
-            </a:r>
-            <a:r>
-              <a:rPr lang="en-US" dirty="0"/>
-              <a:t> е </a:t>
-            </a:r>
-            <a:r>
-              <a:rPr lang="en-US" dirty="0" err="1"/>
-              <a:t>модел</a:t>
-            </a:r>
-            <a:r>
-              <a:rPr lang="en-US" dirty="0"/>
-              <a:t> </a:t>
-            </a:r>
-            <a:r>
-              <a:rPr lang="en-US" dirty="0" err="1"/>
-              <a:t>за</a:t>
-            </a:r>
-            <a:r>
-              <a:rPr lang="en-US" dirty="0"/>
-              <a:t> </a:t>
-            </a:r>
-            <a:r>
-              <a:rPr lang="en-US" dirty="0" err="1"/>
-              <a:t>предоставяне</a:t>
-            </a:r>
-            <a:r>
-              <a:rPr lang="en-US" dirty="0"/>
-              <a:t> </a:t>
-            </a:r>
-            <a:r>
-              <a:rPr lang="en-US" dirty="0" err="1"/>
-              <a:t>на</a:t>
-            </a:r>
-            <a:r>
-              <a:rPr lang="en-US" dirty="0"/>
-              <a:t> </a:t>
-            </a:r>
-            <a:r>
-              <a:rPr lang="en-US" dirty="0" err="1"/>
-              <a:t>разработчиците</a:t>
-            </a:r>
-            <a:r>
-              <a:rPr lang="en-US" dirty="0"/>
-              <a:t> </a:t>
-            </a:r>
-            <a:r>
-              <a:rPr lang="en-US" dirty="0" err="1"/>
-              <a:t>начин</a:t>
-            </a:r>
-            <a:r>
-              <a:rPr lang="en-US" dirty="0"/>
-              <a:t> </a:t>
-            </a:r>
-            <a:r>
-              <a:rPr lang="en-US" dirty="0" err="1"/>
-              <a:t>да</a:t>
-            </a:r>
-            <a:r>
-              <a:rPr lang="en-US" dirty="0"/>
-              <a:t> </a:t>
-            </a:r>
-            <a:r>
-              <a:rPr lang="en-US" dirty="0" err="1"/>
-              <a:t>свържат</a:t>
-            </a:r>
-            <a:r>
-              <a:rPr lang="en-US" dirty="0"/>
-              <a:t> </a:t>
-            </a:r>
-            <a:r>
-              <a:rPr lang="en-US" dirty="0" err="1"/>
-              <a:t>своите</a:t>
-            </a:r>
-            <a:r>
-              <a:rPr lang="en-US" dirty="0"/>
-              <a:t> </a:t>
-            </a:r>
-            <a:r>
-              <a:rPr lang="en-US" dirty="0" err="1"/>
-              <a:t>приложения</a:t>
-            </a:r>
-            <a:r>
-              <a:rPr lang="en-US" dirty="0"/>
-              <a:t> </a:t>
-            </a:r>
-            <a:r>
-              <a:rPr lang="en-US" dirty="0" err="1"/>
-              <a:t>към</a:t>
-            </a:r>
-            <a:r>
-              <a:rPr lang="en-US" dirty="0"/>
-              <a:t> </a:t>
-            </a:r>
-            <a:r>
-              <a:rPr lang="en-US" dirty="0" err="1"/>
-              <a:t>бекенд</a:t>
-            </a:r>
-            <a:r>
-              <a:rPr lang="en-US" dirty="0"/>
-              <a:t> </a:t>
-            </a:r>
-            <a:r>
-              <a:rPr lang="en-US" dirty="0" err="1"/>
-              <a:t>облачно</a:t>
-            </a:r>
-            <a:r>
-              <a:rPr lang="en-US" dirty="0"/>
-              <a:t> </a:t>
-            </a:r>
-            <a:r>
-              <a:rPr lang="en-US" dirty="0" err="1"/>
-              <a:t>съхранение</a:t>
-            </a:r>
-            <a:r>
-              <a:rPr lang="en-US" dirty="0"/>
-              <a:t> и </a:t>
-            </a:r>
-            <a:r>
-              <a:rPr lang="en-US" dirty="0" err="1"/>
-              <a:t>приложни</a:t>
-            </a:r>
-            <a:r>
-              <a:rPr lang="en-US" dirty="0"/>
-              <a:t> </a:t>
-            </a:r>
-            <a:r>
-              <a:rPr lang="en-US" dirty="0" err="1"/>
-              <a:t>програмни</a:t>
-            </a:r>
-            <a:r>
-              <a:rPr lang="en-US" dirty="0"/>
-              <a:t> </a:t>
-            </a:r>
-            <a:r>
-              <a:rPr lang="en-US" dirty="0" err="1"/>
-              <a:t>интерфейси</a:t>
-            </a:r>
-            <a:r>
-              <a:rPr lang="en-US" dirty="0"/>
-              <a:t> (API)</a:t>
-            </a:r>
-            <a:r>
-              <a:rPr lang="bg-BG" dirty="0"/>
-              <a:t>.</a:t>
-            </a:r>
-            <a:endParaRPr lang="en-US" dirty="0"/>
-          </a:p>
-        </p:txBody>
-      </p:sp>
-      <p:sp>
-        <p:nvSpPr>
-          <p:cNvPr id="9" name="Rectangle 8">
-            <a:extLst>
-              <a:ext uri="{FF2B5EF4-FFF2-40B4-BE49-F238E27FC236}">
-                <a16:creationId xmlns:a16="http://schemas.microsoft.com/office/drawing/2014/main" id="{8EA04F31-39BC-4A11-B6A3-75780F4AE3B7}"/>
-              </a:ext>
-            </a:extLst>
-          </p:cNvPr>
-          <p:cNvSpPr/>
-          <p:nvPr/>
-        </p:nvSpPr>
-        <p:spPr>
-          <a:xfrm>
-            <a:off x="3980155" y="2808900"/>
-            <a:ext cx="8072668" cy="923330"/>
-          </a:xfrm>
-          <a:prstGeom prst="rect">
-            <a:avLst/>
-          </a:prstGeom>
-        </p:spPr>
-        <p:txBody>
-          <a:bodyPr wrap="square">
-            <a:spAutoFit/>
-          </a:bodyPr>
-          <a:lstStyle/>
-          <a:p>
-            <a:pPr algn="just"/>
-            <a:r>
-              <a:rPr lang="en-US" dirty="0" err="1"/>
-              <a:t>Доставчиците</a:t>
-            </a:r>
-            <a:r>
-              <a:rPr lang="en-US" dirty="0"/>
-              <a:t> </a:t>
-            </a:r>
-            <a:r>
-              <a:rPr lang="en-US" dirty="0" err="1"/>
-              <a:t>на</a:t>
-            </a:r>
-            <a:r>
-              <a:rPr lang="en-US" dirty="0"/>
-              <a:t> BaaS</a:t>
-            </a:r>
-            <a:r>
-              <a:rPr lang="bg-BG" dirty="0"/>
-              <a:t> (като </a:t>
-            </a:r>
-            <a:r>
-              <a:rPr lang="en-US" dirty="0" err="1"/>
-              <a:t>Kinvery</a:t>
-            </a:r>
-            <a:r>
-              <a:rPr lang="en-US" dirty="0"/>
-              <a:t>) </a:t>
-            </a:r>
-            <a:r>
-              <a:rPr lang="en-US" dirty="0" err="1"/>
-              <a:t>предоставят</a:t>
-            </a:r>
-            <a:r>
-              <a:rPr lang="en-US" dirty="0"/>
-              <a:t> </a:t>
-            </a:r>
-            <a:r>
-              <a:rPr lang="en-US" dirty="0" err="1"/>
-              <a:t>предварително</a:t>
-            </a:r>
-            <a:r>
-              <a:rPr lang="en-US" dirty="0"/>
-              <a:t> </a:t>
-            </a:r>
-            <a:r>
-              <a:rPr lang="en-US" dirty="0" err="1"/>
-              <a:t>написан</a:t>
-            </a:r>
-            <a:r>
-              <a:rPr lang="en-US" dirty="0"/>
-              <a:t> </a:t>
-            </a:r>
-            <a:r>
-              <a:rPr lang="en-US" dirty="0" err="1"/>
-              <a:t>софтуер</a:t>
-            </a:r>
-            <a:r>
-              <a:rPr lang="en-US" dirty="0"/>
-              <a:t> </a:t>
-            </a:r>
-            <a:r>
-              <a:rPr lang="en-US" dirty="0" err="1"/>
-              <a:t>за</a:t>
-            </a:r>
-            <a:r>
-              <a:rPr lang="en-US" dirty="0"/>
-              <a:t> </a:t>
-            </a:r>
-            <a:r>
-              <a:rPr lang="en-US" dirty="0" err="1"/>
-              <a:t>дейности</a:t>
-            </a:r>
-            <a:r>
-              <a:rPr lang="en-US" dirty="0"/>
-              <a:t> </a:t>
-            </a:r>
-            <a:r>
-              <a:rPr lang="en-US" dirty="0" err="1"/>
-              <a:t>като</a:t>
-            </a:r>
-            <a:r>
-              <a:rPr lang="en-US" dirty="0"/>
-              <a:t> </a:t>
-            </a:r>
-            <a:r>
-              <a:rPr lang="en-US" dirty="0" err="1"/>
-              <a:t>удостоверяване</a:t>
-            </a:r>
-            <a:r>
-              <a:rPr lang="en-US" dirty="0"/>
-              <a:t> </a:t>
-            </a:r>
-            <a:r>
-              <a:rPr lang="en-US" dirty="0" err="1"/>
-              <a:t>на</a:t>
-            </a:r>
-            <a:r>
-              <a:rPr lang="en-US" dirty="0"/>
-              <a:t> </a:t>
-            </a:r>
-            <a:r>
-              <a:rPr lang="en-US" dirty="0" err="1"/>
-              <a:t>потребителя</a:t>
-            </a:r>
-            <a:r>
-              <a:rPr lang="en-US" dirty="0"/>
-              <a:t>, </a:t>
-            </a:r>
-            <a:r>
-              <a:rPr lang="en-US" dirty="0" err="1"/>
-              <a:t>управление</a:t>
-            </a:r>
-            <a:r>
-              <a:rPr lang="en-US" dirty="0"/>
-              <a:t> </a:t>
-            </a:r>
-            <a:r>
-              <a:rPr lang="en-US" dirty="0" err="1"/>
-              <a:t>на</a:t>
-            </a:r>
-            <a:r>
-              <a:rPr lang="en-US" dirty="0"/>
-              <a:t> </a:t>
-            </a:r>
-            <a:r>
-              <a:rPr lang="en-US" dirty="0" err="1"/>
-              <a:t>база</a:t>
-            </a:r>
-            <a:r>
-              <a:rPr lang="en-US" dirty="0"/>
-              <a:t> </a:t>
-            </a:r>
-            <a:r>
-              <a:rPr lang="en-US" dirty="0" err="1"/>
-              <a:t>данни</a:t>
-            </a:r>
-            <a:r>
-              <a:rPr lang="en-US" dirty="0"/>
-              <a:t>, </a:t>
-            </a:r>
-            <a:r>
-              <a:rPr lang="en-US" dirty="0" err="1"/>
-              <a:t>съхранение</a:t>
-            </a:r>
-            <a:r>
-              <a:rPr lang="en-US" dirty="0"/>
-              <a:t> в </a:t>
-            </a:r>
-            <a:r>
-              <a:rPr lang="en-US" dirty="0" err="1"/>
-              <a:t>облак</a:t>
-            </a:r>
-            <a:r>
-              <a:rPr lang="en-US" dirty="0"/>
-              <a:t> и </a:t>
-            </a:r>
-            <a:r>
-              <a:rPr lang="en-US" dirty="0" err="1"/>
-              <a:t>хостинг</a:t>
-            </a:r>
-            <a:r>
-              <a:rPr lang="en-US" dirty="0"/>
-              <a:t>.</a:t>
-            </a:r>
-          </a:p>
-        </p:txBody>
-      </p:sp>
+          <a:ln>
+            <a:noFill/>
+          </a:ln>
+          <a:effectLst>
+            <a:outerShdw blurRad="292100" dist="139700" dir="2700000" algn="tl" rotWithShape="0">
+              <a:srgbClr val="333333">
+                <a:alpha val="65000"/>
+              </a:srgbClr>
+            </a:outerShdw>
+          </a:effectLst>
+        </p:spPr>
+      </p:pic>
     </p:spTree>
     <p:extLst>
       <p:ext uri="{BB962C8B-B14F-4D97-AF65-F5344CB8AC3E}">
-        <p14:creationId xmlns:p14="http://schemas.microsoft.com/office/powerpoint/2010/main" val="3591134184"/>
+        <p14:creationId xmlns:p14="http://schemas.microsoft.com/office/powerpoint/2010/main" val="1715538483"/>
       </p:ext>
     </p:extLst>
   </p:cSld>
@@ -8375,7 +7804,7 @@
           <p:cNvPr id="4" name="Picture 3">
             <a:extLst>
               <a:ext uri="{FF2B5EF4-FFF2-40B4-BE49-F238E27FC236}">
-                <a16:creationId xmlns:a16="http://schemas.microsoft.com/office/drawing/2014/main" id="{84960685-58D7-4D28-8F73-2BEF7AE49EEB}"/>
+                <a16:creationId xmlns:a16="http://schemas.microsoft.com/office/drawing/2014/main" id="{9370F8FD-4E6A-4C2F-A363-E16A32A86F21}"/>
               </a:ext>
             </a:extLst>
           </p:cNvPr>
@@ -8392,12 +7821,25 @@
         </p:blipFill>
         <p:spPr>
           <a:xfrm>
-            <a:off x="2282842" y="409575"/>
-            <a:ext cx="7852325" cy="6448425"/>
-          </a:xfrm>
-          <a:prstGeom prst="rect">
-            <a:avLst/>
+            <a:off x="0" y="988130"/>
+            <a:ext cx="12192000" cy="5414400"/>
+          </a:xfrm>
+          <a:prstGeom prst="roundRect">
+            <a:avLst>
+              <a:gd name="adj" fmla="val 8594"/>
+            </a:avLst>
           </a:prstGeom>
+          <a:solidFill>
+            <a:srgbClr val="FFFFFF">
+              <a:shade val="85000"/>
+            </a:srgbClr>
+          </a:solidFill>
+          <a:ln>
+            <a:noFill/>
+          </a:ln>
+          <a:effectLst>
+            <a:reflection blurRad="12700" stA="38000" endPos="28000" dist="5000" dir="5400000" sy="-100000" algn="bl" rotWithShape="0"/>
+          </a:effectLst>
         </p:spPr>
       </p:pic>
       <p:sp>
@@ -8405,7 +7847,7 @@
           <p:cNvPr id="5" name="Rectangle 4">
             <a:extLst>
               <a:ext uri="{FF2B5EF4-FFF2-40B4-BE49-F238E27FC236}">
-                <a16:creationId xmlns:a16="http://schemas.microsoft.com/office/drawing/2014/main" id="{A0434AE5-C5BD-45F3-B905-7A33B884597B}"/>
+                <a16:creationId xmlns:a16="http://schemas.microsoft.com/office/drawing/2014/main" id="{07471016-D94B-4151-AFA5-DFA8A3462929}"/>
               </a:ext>
             </a:extLst>
           </p:cNvPr>
@@ -8414,8 +7856,8 @@
         </p:nvSpPr>
         <p:spPr>
           <a:xfrm>
-            <a:off x="4691005" y="178742"/>
-            <a:ext cx="4587025" cy="461665"/>
+            <a:off x="4471677" y="455470"/>
+            <a:ext cx="3248646" cy="369332"/>
           </a:xfrm>
           <a:prstGeom prst="rect">
             <a:avLst/>
@@ -8428,114 +7870,16 @@
           <a:lstStyle/>
           <a:p>
             <a:r>
-              <a:rPr lang="en-US" sz="2400" dirty="0"/>
-              <a:t>https://console.kinvey.com/sign-up</a:t>
-            </a:r>
-          </a:p>
-        </p:txBody>
-      </p:sp>
-      <p:sp>
-        <p:nvSpPr>
-          <p:cNvPr id="2" name="Rectangle 1">
-            <a:extLst>
-              <a:ext uri="{FF2B5EF4-FFF2-40B4-BE49-F238E27FC236}">
-                <a16:creationId xmlns:a16="http://schemas.microsoft.com/office/drawing/2014/main" id="{086E7039-2AC5-44D9-A708-DDCA7270984A}"/>
-              </a:ext>
-            </a:extLst>
-          </p:cNvPr>
-          <p:cNvSpPr/>
-          <p:nvPr/>
-        </p:nvSpPr>
-        <p:spPr>
-          <a:xfrm>
-            <a:off x="73746" y="5755928"/>
-            <a:ext cx="12118254" cy="923330"/>
-          </a:xfrm>
-          <a:prstGeom prst="rect">
-            <a:avLst/>
-          </a:prstGeom>
-          <a:noFill/>
-        </p:spPr>
-        <p:txBody>
-          <a:bodyPr wrap="none" lIns="91440" tIns="45720" rIns="91440" bIns="45720">
-            <a:spAutoFit/>
-          </a:bodyPr>
-          <a:lstStyle/>
-          <a:p>
-            <a:pPr algn="ctr"/>
-            <a:r>
-              <a:rPr lang="en-US" sz="5400" b="1" spc="50" dirty="0" err="1">
-                <a:ln w="9525" cmpd="sng">
-                  <a:solidFill>
-                    <a:schemeClr val="accent1"/>
-                  </a:solidFill>
-                  <a:prstDash val="solid"/>
-                </a:ln>
-                <a:solidFill>
-                  <a:srgbClr val="70AD47">
-                    <a:tint val="1000"/>
-                  </a:srgbClr>
-                </a:solidFill>
-                <a:effectLst>
-                  <a:glow rad="38100">
-                    <a:schemeClr val="accent1">
-                      <a:alpha val="40000"/>
-                    </a:schemeClr>
-                  </a:glow>
-                </a:effectLst>
-              </a:rPr>
-              <a:t>Kinvey</a:t>
-            </a:r>
-            <a:r>
-              <a:rPr lang="en-US" sz="5400" b="1" spc="50" dirty="0">
-                <a:ln w="9525" cmpd="sng">
-                  <a:solidFill>
-                    <a:schemeClr val="accent1"/>
-                  </a:solidFill>
-                  <a:prstDash val="solid"/>
-                </a:ln>
-                <a:solidFill>
-                  <a:srgbClr val="70AD47">
-                    <a:tint val="1000"/>
-                  </a:srgbClr>
-                </a:solidFill>
-                <a:effectLst>
-                  <a:glow rad="38100">
-                    <a:schemeClr val="accent1">
-                      <a:alpha val="40000"/>
-                    </a:schemeClr>
-                  </a:glow>
-                </a:effectLst>
-              </a:rPr>
-              <a:t> - Please verify your email address</a:t>
-            </a:r>
-            <a:endParaRPr lang="en-US" sz="5400" b="1" cap="none" spc="50" dirty="0">
-              <a:ln w="9525" cmpd="sng">
-                <a:solidFill>
-                  <a:schemeClr val="accent1"/>
-                </a:solidFill>
-                <a:prstDash val="solid"/>
-              </a:ln>
-              <a:solidFill>
-                <a:srgbClr val="70AD47">
-                  <a:tint val="1000"/>
-                </a:srgbClr>
-              </a:solidFill>
-              <a:effectLst>
-                <a:glow rad="38100">
-                  <a:schemeClr val="accent1">
-                    <a:alpha val="40000"/>
-                  </a:schemeClr>
-                </a:glow>
-              </a:effectLst>
-            </a:endParaRPr>
+              <a:rPr lang="en-US" dirty="0"/>
+              <a:t>https://console.kinvey.com/apps</a:t>
+            </a:r>
           </a:p>
         </p:txBody>
       </p:sp>
     </p:spTree>
     <p:extLst>
       <p:ext uri="{BB962C8B-B14F-4D97-AF65-F5344CB8AC3E}">
-        <p14:creationId xmlns:p14="http://schemas.microsoft.com/office/powerpoint/2010/main" val="1828273136"/>
+        <p14:creationId xmlns:p14="http://schemas.microsoft.com/office/powerpoint/2010/main" val="3968049571"/>
       </p:ext>
     </p:extLst>
   </p:cSld>
@@ -8567,7 +7911,7 @@
           <p:cNvPr id="4" name="Picture 3">
             <a:extLst>
               <a:ext uri="{FF2B5EF4-FFF2-40B4-BE49-F238E27FC236}">
-                <a16:creationId xmlns:a16="http://schemas.microsoft.com/office/drawing/2014/main" id="{9370F8FD-4E6A-4C2F-A363-E16A32A86F21}"/>
+                <a16:creationId xmlns:a16="http://schemas.microsoft.com/office/drawing/2014/main" id="{F49BD52B-F9AA-463D-8DCB-6C7A482DF7DD}"/>
               </a:ext>
             </a:extLst>
           </p:cNvPr>
@@ -8584,65 +7928,42 @@
         </p:blipFill>
         <p:spPr>
           <a:xfrm>
-            <a:off x="0" y="988130"/>
-            <a:ext cx="12192000" cy="5414400"/>
-          </a:xfrm>
-          <a:prstGeom prst="roundRect">
-            <a:avLst>
-              <a:gd name="adj" fmla="val 8594"/>
-            </a:avLst>
-          </a:prstGeom>
-          <a:solidFill>
-            <a:srgbClr val="FFFFFF">
-              <a:shade val="85000"/>
-            </a:srgbClr>
-          </a:solidFill>
-          <a:ln>
-            <a:noFill/>
-          </a:ln>
-          <a:effectLst>
-            <a:reflection blurRad="12700" stA="38000" endPos="28000" dist="5000" dir="5400000" sy="-100000" algn="bl" rotWithShape="0"/>
-          </a:effectLst>
-        </p:spPr>
-      </p:pic>
-      <p:sp>
-        <p:nvSpPr>
-          <p:cNvPr id="5" name="Rectangle 4">
-            <a:extLst>
-              <a:ext uri="{FF2B5EF4-FFF2-40B4-BE49-F238E27FC236}">
-                <a16:creationId xmlns:a16="http://schemas.microsoft.com/office/drawing/2014/main" id="{07471016-D94B-4151-AFA5-DFA8A3462929}"/>
-              </a:ext>
-            </a:extLst>
-          </p:cNvPr>
-          <p:cNvSpPr/>
-          <p:nvPr/>
-        </p:nvSpPr>
-        <p:spPr>
-          <a:xfrm>
-            <a:off x="4471677" y="455470"/>
-            <a:ext cx="3248646" cy="369332"/>
+            <a:off x="738187" y="1241117"/>
+            <a:ext cx="10715625" cy="3324225"/>
           </a:xfrm>
           <a:prstGeom prst="rect">
             <a:avLst/>
           </a:prstGeom>
-        </p:spPr>
-        <p:txBody>
-          <a:bodyPr wrap="none">
-            <a:spAutoFit/>
-          </a:bodyPr>
-          <a:lstStyle/>
-          <a:p>
-            <a:r>
-              <a:rPr lang="en-US" dirty="0"/>
-              <a:t>https://console.kinvey.com/apps</a:t>
-            </a:r>
-          </a:p>
-        </p:txBody>
-      </p:sp>
+          <a:ln w="127000" cap="rnd">
+            <a:solidFill>
+              <a:srgbClr val="FFFFFF"/>
+            </a:solidFill>
+          </a:ln>
+          <a:effectLst>
+            <a:outerShdw blurRad="76200" dist="95250" dir="10500000" sx="97000" sy="23000" kx="900000" algn="br" rotWithShape="0">
+              <a:srgbClr val="000000">
+                <a:alpha val="20000"/>
+              </a:srgbClr>
+            </a:outerShdw>
+          </a:effectLst>
+          <a:scene3d>
+            <a:camera prst="orthographicFront"/>
+            <a:lightRig rig="twoPt" dir="t">
+              <a:rot lat="0" lon="0" rev="7800000"/>
+            </a:lightRig>
+          </a:scene3d>
+          <a:sp3d contourW="6350">
+            <a:bevelT w="50800" h="16510"/>
+            <a:contourClr>
+              <a:srgbClr val="C0C0C0"/>
+            </a:contourClr>
+          </a:sp3d>
+        </p:spPr>
+      </p:pic>
     </p:spTree>
     <p:extLst>
       <p:ext uri="{BB962C8B-B14F-4D97-AF65-F5344CB8AC3E}">
-        <p14:creationId xmlns:p14="http://schemas.microsoft.com/office/powerpoint/2010/main" val="3968049571"/>
+        <p14:creationId xmlns:p14="http://schemas.microsoft.com/office/powerpoint/2010/main" val="4149859075"/>
       </p:ext>
     </p:extLst>
   </p:cSld>
@@ -8674,7 +7995,7 @@
           <p:cNvPr id="4" name="Picture 3">
             <a:extLst>
               <a:ext uri="{FF2B5EF4-FFF2-40B4-BE49-F238E27FC236}">
-                <a16:creationId xmlns:a16="http://schemas.microsoft.com/office/drawing/2014/main" id="{F49BD52B-F9AA-463D-8DCB-6C7A482DF7DD}"/>
+                <a16:creationId xmlns:a16="http://schemas.microsoft.com/office/drawing/2014/main" id="{E30292C5-A265-4BB8-8F31-FD4E0E770D5D}"/>
               </a:ext>
             </a:extLst>
           </p:cNvPr>
@@ -8691,42 +8012,62 @@
         </p:blipFill>
         <p:spPr>
           <a:xfrm>
-            <a:off x="738187" y="1241117"/>
-            <a:ext cx="10715625" cy="3324225"/>
+            <a:off x="0" y="1000803"/>
+            <a:ext cx="12192000" cy="5708650"/>
           </a:xfrm>
           <a:prstGeom prst="rect">
             <a:avLst/>
           </a:prstGeom>
-          <a:ln w="127000" cap="rnd">
-            <a:solidFill>
-              <a:srgbClr val="FFFFFF"/>
-            </a:solidFill>
+          <a:ln>
+            <a:noFill/>
           </a:ln>
           <a:effectLst>
-            <a:outerShdw blurRad="76200" dist="95250" dir="10500000" sx="97000" sy="23000" kx="900000" algn="br" rotWithShape="0">
+            <a:outerShdw blurRad="190500" algn="tl" rotWithShape="0">
               <a:srgbClr val="000000">
-                <a:alpha val="20000"/>
+                <a:alpha val="70000"/>
               </a:srgbClr>
             </a:outerShdw>
           </a:effectLst>
-          <a:scene3d>
-            <a:camera prst="orthographicFront"/>
-            <a:lightRig rig="twoPt" dir="t">
-              <a:rot lat="0" lon="0" rev="7800000"/>
-            </a:lightRig>
-          </a:scene3d>
-          <a:sp3d contourW="6350">
-            <a:bevelT w="50800" h="16510"/>
-            <a:contourClr>
-              <a:srgbClr val="C0C0C0"/>
-            </a:contourClr>
-          </a:sp3d>
         </p:spPr>
       </p:pic>
+      <p:sp>
+        <p:nvSpPr>
+          <p:cNvPr id="5" name="Rectangle 4">
+            <a:extLst>
+              <a:ext uri="{FF2B5EF4-FFF2-40B4-BE49-F238E27FC236}">
+                <a16:creationId xmlns:a16="http://schemas.microsoft.com/office/drawing/2014/main" id="{27276953-BDFB-49C8-A469-36F7EB827643}"/>
+              </a:ext>
+            </a:extLst>
+          </p:cNvPr>
+          <p:cNvSpPr/>
+          <p:nvPr/>
+        </p:nvSpPr>
+        <p:spPr>
+          <a:xfrm>
+            <a:off x="1589102" y="477020"/>
+            <a:ext cx="10209321" cy="400110"/>
+          </a:xfrm>
+          <a:prstGeom prst="rect">
+            <a:avLst/>
+          </a:prstGeom>
+        </p:spPr>
+        <p:txBody>
+          <a:bodyPr wrap="square">
+            <a:spAutoFit/>
+          </a:bodyPr>
+          <a:lstStyle/>
+          <a:p>
+            <a:r>
+              <a:rPr lang="en-US" sz="2000" dirty="0"/>
+              <a:t>https://console.kinvey.com/apps/BooksApp-fbd01/environments/kid_r11QOPsMd/dashboard</a:t>
+            </a:r>
+          </a:p>
+        </p:txBody>
+      </p:sp>
     </p:spTree>
     <p:extLst>
       <p:ext uri="{BB962C8B-B14F-4D97-AF65-F5344CB8AC3E}">
-        <p14:creationId xmlns:p14="http://schemas.microsoft.com/office/powerpoint/2010/main" val="4149859075"/>
+        <p14:creationId xmlns:p14="http://schemas.microsoft.com/office/powerpoint/2010/main" val="2750421178"/>
       </p:ext>
     </p:extLst>
   </p:cSld>
